--- a/Lectures/Introduction.pptx
+++ b/Lectures/Introduction.pptx
@@ -6,10 +6,17 @@
     <p:sldMasterId id="2147483668" r:id="rId2"/>
     <p:sldMasterId id="2147483676" r:id="rId3"/>
   </p:sldMasterIdLst>
+  <p:notesMasterIdLst>
+    <p:notesMasterId r:id="rId11"/>
+  </p:notesMasterIdLst>
   <p:sldIdLst>
     <p:sldId id="256" r:id="rId4"/>
-    <p:sldId id="257" r:id="rId5"/>
-    <p:sldId id="258" r:id="rId6"/>
+    <p:sldId id="259" r:id="rId5"/>
+    <p:sldId id="261" r:id="rId6"/>
+    <p:sldId id="262" r:id="rId7"/>
+    <p:sldId id="260" r:id="rId8"/>
+    <p:sldId id="257" r:id="rId9"/>
+    <p:sldId id="258" r:id="rId10"/>
   </p:sldIdLst>
   <p:sldSz cx="12192000" cy="6858000"/>
   <p:notesSz cx="6858000" cy="9144000"/>
@@ -108,7 +115,446 @@
       </a:defRPr>
     </a:lvl9pPr>
   </p:defaultTextStyle>
+  <p:extLst>
+    <p:ext uri="{EFAFB233-063F-42B5-8137-9DF3F51BA10A}">
+      <p15:sldGuideLst xmlns:p15="http://schemas.microsoft.com/office/powerpoint/2012/main"/>
+    </p:ext>
+  </p:extLst>
 </p:presentation>
+</file>
+
+<file path=ppt/notesMasters/notesMaster1.xml><?xml version="1.0" encoding="utf-8"?>
+<p:notesMaster xmlns:a="http://schemas.openxmlformats.org/drawingml/2006/main" xmlns:r="http://schemas.openxmlformats.org/officeDocument/2006/relationships" xmlns:p="http://schemas.openxmlformats.org/presentationml/2006/main">
+  <p:cSld>
+    <p:bg>
+      <p:bgRef idx="1001">
+        <a:schemeClr val="bg1"/>
+      </p:bgRef>
+    </p:bg>
+    <p:spTree>
+      <p:nvGrpSpPr>
+        <p:cNvPr id="1" name=""/>
+        <p:cNvGrpSpPr/>
+        <p:nvPr/>
+      </p:nvGrpSpPr>
+      <p:grpSpPr>
+        <a:xfrm>
+          <a:off x="0" y="0"/>
+          <a:ext cx="0" cy="0"/>
+          <a:chOff x="0" y="0"/>
+          <a:chExt cx="0" cy="0"/>
+        </a:xfrm>
+      </p:grpSpPr>
+      <p:sp>
+        <p:nvSpPr>
+          <p:cNvPr id="2" name="Header Placeholder 1"/>
+          <p:cNvSpPr>
+            <a:spLocks noGrp="1"/>
+          </p:cNvSpPr>
+          <p:nvPr>
+            <p:ph type="hdr" sz="quarter"/>
+          </p:nvPr>
+        </p:nvSpPr>
+        <p:spPr>
+          <a:xfrm>
+            <a:off x="0" y="0"/>
+            <a:ext cx="2971800" cy="458788"/>
+          </a:xfrm>
+          <a:prstGeom prst="rect">
+            <a:avLst/>
+          </a:prstGeom>
+        </p:spPr>
+        <p:txBody>
+          <a:bodyPr vert="horz" lIns="91440" tIns="45720" rIns="91440" bIns="45720" rtlCol="0"/>
+          <a:lstStyle>
+            <a:lvl1pPr algn="l">
+              <a:defRPr sz="1200"/>
+            </a:lvl1pPr>
+          </a:lstStyle>
+          <a:p>
+            <a:endParaRPr lang="en-US"/>
+          </a:p>
+        </p:txBody>
+      </p:sp>
+      <p:sp>
+        <p:nvSpPr>
+          <p:cNvPr id="3" name="Date Placeholder 2"/>
+          <p:cNvSpPr>
+            <a:spLocks noGrp="1"/>
+          </p:cNvSpPr>
+          <p:nvPr>
+            <p:ph type="dt" idx="1"/>
+          </p:nvPr>
+        </p:nvSpPr>
+        <p:spPr>
+          <a:xfrm>
+            <a:off x="3884613" y="0"/>
+            <a:ext cx="2971800" cy="458788"/>
+          </a:xfrm>
+          <a:prstGeom prst="rect">
+            <a:avLst/>
+          </a:prstGeom>
+        </p:spPr>
+        <p:txBody>
+          <a:bodyPr vert="horz" lIns="91440" tIns="45720" rIns="91440" bIns="45720" rtlCol="0"/>
+          <a:lstStyle>
+            <a:lvl1pPr algn="r">
+              <a:defRPr sz="1200"/>
+            </a:lvl1pPr>
+          </a:lstStyle>
+          <a:p>
+            <a:fld id="{57A37EFE-C1AE-4115-BB28-1A5FB3DD261C}" type="datetimeFigureOut">
+              <a:rPr lang="en-US" smtClean="0"/>
+              <a:t>10/29/2019</a:t>
+            </a:fld>
+            <a:endParaRPr lang="en-US"/>
+          </a:p>
+        </p:txBody>
+      </p:sp>
+      <p:sp>
+        <p:nvSpPr>
+          <p:cNvPr id="4" name="Slide Image Placeholder 3"/>
+          <p:cNvSpPr>
+            <a:spLocks noGrp="1" noRot="1" noChangeAspect="1"/>
+          </p:cNvSpPr>
+          <p:nvPr>
+            <p:ph type="sldImg" idx="2"/>
+          </p:nvPr>
+        </p:nvSpPr>
+        <p:spPr>
+          <a:xfrm>
+            <a:off x="685800" y="1143000"/>
+            <a:ext cx="5486400" cy="3086100"/>
+          </a:xfrm>
+          <a:prstGeom prst="rect">
+            <a:avLst/>
+          </a:prstGeom>
+          <a:noFill/>
+          <a:ln w="12700">
+            <a:solidFill>
+              <a:prstClr val="black"/>
+            </a:solidFill>
+          </a:ln>
+        </p:spPr>
+        <p:txBody>
+          <a:bodyPr vert="horz" lIns="91440" tIns="45720" rIns="91440" bIns="45720" rtlCol="0" anchor="ctr"/>
+          <a:lstStyle/>
+          <a:p>
+            <a:endParaRPr lang="en-US"/>
+          </a:p>
+        </p:txBody>
+      </p:sp>
+      <p:sp>
+        <p:nvSpPr>
+          <p:cNvPr id="5" name="Notes Placeholder 4"/>
+          <p:cNvSpPr>
+            <a:spLocks noGrp="1"/>
+          </p:cNvSpPr>
+          <p:nvPr>
+            <p:ph type="body" sz="quarter" idx="3"/>
+          </p:nvPr>
+        </p:nvSpPr>
+        <p:spPr>
+          <a:xfrm>
+            <a:off x="685800" y="4400550"/>
+            <a:ext cx="5486400" cy="3600450"/>
+          </a:xfrm>
+          <a:prstGeom prst="rect">
+            <a:avLst/>
+          </a:prstGeom>
+        </p:spPr>
+        <p:txBody>
+          <a:bodyPr vert="horz" lIns="91440" tIns="45720" rIns="91440" bIns="45720" rtlCol="0"/>
+          <a:lstStyle/>
+          <a:p>
+            <a:pPr lvl="0"/>
+            <a:r>
+              <a:rPr lang="en-US" smtClean="0"/>
+              <a:t>Edit Master text styles</a:t>
+            </a:r>
+          </a:p>
+          <a:p>
+            <a:pPr lvl="1"/>
+            <a:r>
+              <a:rPr lang="en-US" smtClean="0"/>
+              <a:t>Second level</a:t>
+            </a:r>
+          </a:p>
+          <a:p>
+            <a:pPr lvl="2"/>
+            <a:r>
+              <a:rPr lang="en-US" smtClean="0"/>
+              <a:t>Third level</a:t>
+            </a:r>
+          </a:p>
+          <a:p>
+            <a:pPr lvl="3"/>
+            <a:r>
+              <a:rPr lang="en-US" smtClean="0"/>
+              <a:t>Fourth level</a:t>
+            </a:r>
+          </a:p>
+          <a:p>
+            <a:pPr lvl="4"/>
+            <a:r>
+              <a:rPr lang="en-US" smtClean="0"/>
+              <a:t>Fifth level</a:t>
+            </a:r>
+            <a:endParaRPr lang="en-US"/>
+          </a:p>
+        </p:txBody>
+      </p:sp>
+      <p:sp>
+        <p:nvSpPr>
+          <p:cNvPr id="6" name="Footer Placeholder 5"/>
+          <p:cNvSpPr>
+            <a:spLocks noGrp="1"/>
+          </p:cNvSpPr>
+          <p:nvPr>
+            <p:ph type="ftr" sz="quarter" idx="4"/>
+          </p:nvPr>
+        </p:nvSpPr>
+        <p:spPr>
+          <a:xfrm>
+            <a:off x="0" y="8685213"/>
+            <a:ext cx="2971800" cy="458787"/>
+          </a:xfrm>
+          <a:prstGeom prst="rect">
+            <a:avLst/>
+          </a:prstGeom>
+        </p:spPr>
+        <p:txBody>
+          <a:bodyPr vert="horz" lIns="91440" tIns="45720" rIns="91440" bIns="45720" rtlCol="0" anchor="b"/>
+          <a:lstStyle>
+            <a:lvl1pPr algn="l">
+              <a:defRPr sz="1200"/>
+            </a:lvl1pPr>
+          </a:lstStyle>
+          <a:p>
+            <a:endParaRPr lang="en-US"/>
+          </a:p>
+        </p:txBody>
+      </p:sp>
+      <p:sp>
+        <p:nvSpPr>
+          <p:cNvPr id="7" name="Slide Number Placeholder 6"/>
+          <p:cNvSpPr>
+            <a:spLocks noGrp="1"/>
+          </p:cNvSpPr>
+          <p:nvPr>
+            <p:ph type="sldNum" sz="quarter" idx="5"/>
+          </p:nvPr>
+        </p:nvSpPr>
+        <p:spPr>
+          <a:xfrm>
+            <a:off x="3884613" y="8685213"/>
+            <a:ext cx="2971800" cy="458787"/>
+          </a:xfrm>
+          <a:prstGeom prst="rect">
+            <a:avLst/>
+          </a:prstGeom>
+        </p:spPr>
+        <p:txBody>
+          <a:bodyPr vert="horz" lIns="91440" tIns="45720" rIns="91440" bIns="45720" rtlCol="0" anchor="b"/>
+          <a:lstStyle>
+            <a:lvl1pPr algn="r">
+              <a:defRPr sz="1200"/>
+            </a:lvl1pPr>
+          </a:lstStyle>
+          <a:p>
+            <a:fld id="{0C995C00-DEB8-4FD0-B394-83981868F57C}" type="slidenum">
+              <a:rPr lang="en-US" smtClean="0"/>
+              <a:t>‹#›</a:t>
+            </a:fld>
+            <a:endParaRPr lang="en-US"/>
+          </a:p>
+        </p:txBody>
+      </p:sp>
+    </p:spTree>
+    <p:extLst>
+      <p:ext uri="{BB962C8B-B14F-4D97-AF65-F5344CB8AC3E}">
+        <p14:creationId xmlns:p14="http://schemas.microsoft.com/office/powerpoint/2010/main" val="780471143"/>
+      </p:ext>
+    </p:extLst>
+  </p:cSld>
+  <p:clrMap bg1="lt1" tx1="dk1" bg2="lt2" tx2="dk2" accent1="accent1" accent2="accent2" accent3="accent3" accent4="accent4" accent5="accent5" accent6="accent6" hlink="hlink" folHlink="folHlink"/>
+  <p:notesStyle>
+    <a:lvl1pPr marL="0" algn="l" defTabSz="914400" rtl="0" eaLnBrk="1" latinLnBrk="0" hangingPunct="1">
+      <a:defRPr sz="1200" kern="1200">
+        <a:solidFill>
+          <a:schemeClr val="tx1"/>
+        </a:solidFill>
+        <a:latin typeface="+mn-lt"/>
+        <a:ea typeface="+mn-ea"/>
+        <a:cs typeface="+mn-cs"/>
+      </a:defRPr>
+    </a:lvl1pPr>
+    <a:lvl2pPr marL="457200" algn="l" defTabSz="914400" rtl="0" eaLnBrk="1" latinLnBrk="0" hangingPunct="1">
+      <a:defRPr sz="1200" kern="1200">
+        <a:solidFill>
+          <a:schemeClr val="tx1"/>
+        </a:solidFill>
+        <a:latin typeface="+mn-lt"/>
+        <a:ea typeface="+mn-ea"/>
+        <a:cs typeface="+mn-cs"/>
+      </a:defRPr>
+    </a:lvl2pPr>
+    <a:lvl3pPr marL="914400" algn="l" defTabSz="914400" rtl="0" eaLnBrk="1" latinLnBrk="0" hangingPunct="1">
+      <a:defRPr sz="1200" kern="1200">
+        <a:solidFill>
+          <a:schemeClr val="tx1"/>
+        </a:solidFill>
+        <a:latin typeface="+mn-lt"/>
+        <a:ea typeface="+mn-ea"/>
+        <a:cs typeface="+mn-cs"/>
+      </a:defRPr>
+    </a:lvl3pPr>
+    <a:lvl4pPr marL="1371600" algn="l" defTabSz="914400" rtl="0" eaLnBrk="1" latinLnBrk="0" hangingPunct="1">
+      <a:defRPr sz="1200" kern="1200">
+        <a:solidFill>
+          <a:schemeClr val="tx1"/>
+        </a:solidFill>
+        <a:latin typeface="+mn-lt"/>
+        <a:ea typeface="+mn-ea"/>
+        <a:cs typeface="+mn-cs"/>
+      </a:defRPr>
+    </a:lvl4pPr>
+    <a:lvl5pPr marL="1828800" algn="l" defTabSz="914400" rtl="0" eaLnBrk="1" latinLnBrk="0" hangingPunct="1">
+      <a:defRPr sz="1200" kern="1200">
+        <a:solidFill>
+          <a:schemeClr val="tx1"/>
+        </a:solidFill>
+        <a:latin typeface="+mn-lt"/>
+        <a:ea typeface="+mn-ea"/>
+        <a:cs typeface="+mn-cs"/>
+      </a:defRPr>
+    </a:lvl5pPr>
+    <a:lvl6pPr marL="2286000" algn="l" defTabSz="914400" rtl="0" eaLnBrk="1" latinLnBrk="0" hangingPunct="1">
+      <a:defRPr sz="1200" kern="1200">
+        <a:solidFill>
+          <a:schemeClr val="tx1"/>
+        </a:solidFill>
+        <a:latin typeface="+mn-lt"/>
+        <a:ea typeface="+mn-ea"/>
+        <a:cs typeface="+mn-cs"/>
+      </a:defRPr>
+    </a:lvl6pPr>
+    <a:lvl7pPr marL="2743200" algn="l" defTabSz="914400" rtl="0" eaLnBrk="1" latinLnBrk="0" hangingPunct="1">
+      <a:defRPr sz="1200" kern="1200">
+        <a:solidFill>
+          <a:schemeClr val="tx1"/>
+        </a:solidFill>
+        <a:latin typeface="+mn-lt"/>
+        <a:ea typeface="+mn-ea"/>
+        <a:cs typeface="+mn-cs"/>
+      </a:defRPr>
+    </a:lvl7pPr>
+    <a:lvl8pPr marL="3200400" algn="l" defTabSz="914400" rtl="0" eaLnBrk="1" latinLnBrk="0" hangingPunct="1">
+      <a:defRPr sz="1200" kern="1200">
+        <a:solidFill>
+          <a:schemeClr val="tx1"/>
+        </a:solidFill>
+        <a:latin typeface="+mn-lt"/>
+        <a:ea typeface="+mn-ea"/>
+        <a:cs typeface="+mn-cs"/>
+      </a:defRPr>
+    </a:lvl8pPr>
+    <a:lvl9pPr marL="3657600" algn="l" defTabSz="914400" rtl="0" eaLnBrk="1" latinLnBrk="0" hangingPunct="1">
+      <a:defRPr sz="1200" kern="1200">
+        <a:solidFill>
+          <a:schemeClr val="tx1"/>
+        </a:solidFill>
+        <a:latin typeface="+mn-lt"/>
+        <a:ea typeface="+mn-ea"/>
+        <a:cs typeface="+mn-cs"/>
+      </a:defRPr>
+    </a:lvl9pPr>
+  </p:notesStyle>
+</p:notesMaster>
+</file>
+
+<file path=ppt/notesSlides/notesSlide1.xml><?xml version="1.0" encoding="utf-8"?>
+<p:notes xmlns:a="http://schemas.openxmlformats.org/drawingml/2006/main" xmlns:r="http://schemas.openxmlformats.org/officeDocument/2006/relationships" xmlns:p="http://schemas.openxmlformats.org/presentationml/2006/main">
+  <p:cSld>
+    <p:spTree>
+      <p:nvGrpSpPr>
+        <p:cNvPr id="1" name=""/>
+        <p:cNvGrpSpPr/>
+        <p:nvPr/>
+      </p:nvGrpSpPr>
+      <p:grpSpPr>
+        <a:xfrm>
+          <a:off x="0" y="0"/>
+          <a:ext cx="0" cy="0"/>
+          <a:chOff x="0" y="0"/>
+          <a:chExt cx="0" cy="0"/>
+        </a:xfrm>
+      </p:grpSpPr>
+      <p:sp>
+        <p:nvSpPr>
+          <p:cNvPr id="2" name="Slide Image Placeholder 1"/>
+          <p:cNvSpPr>
+            <a:spLocks noGrp="1" noRot="1" noChangeAspect="1"/>
+          </p:cNvSpPr>
+          <p:nvPr>
+            <p:ph type="sldImg"/>
+          </p:nvPr>
+        </p:nvSpPr>
+        <p:spPr/>
+      </p:sp>
+      <p:sp>
+        <p:nvSpPr>
+          <p:cNvPr id="3" name="Notes Placeholder 2"/>
+          <p:cNvSpPr>
+            <a:spLocks noGrp="1"/>
+          </p:cNvSpPr>
+          <p:nvPr>
+            <p:ph type="body" idx="1"/>
+          </p:nvPr>
+        </p:nvSpPr>
+        <p:spPr/>
+        <p:txBody>
+          <a:bodyPr/>
+          <a:lstStyle/>
+          <a:p>
+            <a:endParaRPr lang="en-US" dirty="0"/>
+          </a:p>
+        </p:txBody>
+      </p:sp>
+      <p:sp>
+        <p:nvSpPr>
+          <p:cNvPr id="4" name="Slide Number Placeholder 3"/>
+          <p:cNvSpPr>
+            <a:spLocks noGrp="1"/>
+          </p:cNvSpPr>
+          <p:nvPr>
+            <p:ph type="sldNum" sz="quarter" idx="10"/>
+          </p:nvPr>
+        </p:nvSpPr>
+        <p:spPr/>
+        <p:txBody>
+          <a:bodyPr/>
+          <a:lstStyle/>
+          <a:p>
+            <a:fld id="{0C995C00-DEB8-4FD0-B394-83981868F57C}" type="slidenum">
+              <a:rPr lang="en-US" smtClean="0"/>
+              <a:t>1</a:t>
+            </a:fld>
+            <a:endParaRPr lang="en-US"/>
+          </a:p>
+        </p:txBody>
+      </p:sp>
+    </p:spTree>
+    <p:extLst>
+      <p:ext uri="{BB962C8B-B14F-4D97-AF65-F5344CB8AC3E}">
+        <p14:creationId xmlns:p14="http://schemas.microsoft.com/office/powerpoint/2010/main" val="4126261858"/>
+      </p:ext>
+    </p:extLst>
+  </p:cSld>
+  <p:clrMapOvr>
+    <a:masterClrMapping/>
+  </p:clrMapOvr>
+</p:notes>
 </file>
 
 <file path=ppt/slideLayouts/slideLayout1.xml><?xml version="1.0" encoding="utf-8"?>
@@ -185,7 +631,7 @@
           <a:p>
             <a:fld id="{C95CED01-24E4-4C43-912C-6F6D3D954174}" type="datetimeFigureOut">
               <a:rPr lang="en-US" smtClean="0"/>
-              <a:t>6/12/2019</a:t>
+              <a:t>10/29/2019</a:t>
             </a:fld>
             <a:endParaRPr lang="en-US"/>
           </a:p>
@@ -2980,7 +3426,7 @@
           <a:p>
             <a:fld id="{C95CED01-24E4-4C43-912C-6F6D3D954174}" type="datetimeFigureOut">
               <a:rPr lang="en-US" smtClean="0"/>
-              <a:t>6/12/2019</a:t>
+              <a:t>10/29/2019</a:t>
             </a:fld>
             <a:endParaRPr lang="en-US"/>
           </a:p>
@@ -3401,7 +3847,7 @@
           <a:p>
             <a:fld id="{C95CED01-24E4-4C43-912C-6F6D3D954174}" type="datetimeFigureOut">
               <a:rPr lang="en-US" smtClean="0"/>
-              <a:t>6/12/2019</a:t>
+              <a:t>10/29/2019</a:t>
             </a:fld>
             <a:endParaRPr lang="en-US"/>
           </a:p>
@@ -3843,7 +4289,7 @@
           <a:p>
             <a:fld id="{C95CED01-24E4-4C43-912C-6F6D3D954174}" type="datetimeFigureOut">
               <a:rPr lang="en-US" smtClean="0"/>
-              <a:t>6/12/2019</a:t>
+              <a:t>10/29/2019</a:t>
             </a:fld>
             <a:endParaRPr lang="en-US"/>
           </a:p>
@@ -3976,7 +4422,7 @@
           <a:p>
             <a:fld id="{C95CED01-24E4-4C43-912C-6F6D3D954174}" type="datetimeFigureOut">
               <a:rPr lang="en-US" smtClean="0"/>
-              <a:t>6/12/2019</a:t>
+              <a:t>10/29/2019</a:t>
             </a:fld>
             <a:endParaRPr lang="en-US"/>
           </a:p>
@@ -4086,7 +4532,7 @@
           <a:p>
             <a:fld id="{C95CED01-24E4-4C43-912C-6F6D3D954174}" type="datetimeFigureOut">
               <a:rPr lang="en-US" smtClean="0"/>
-              <a:t>6/12/2019</a:t>
+              <a:t>10/29/2019</a:t>
             </a:fld>
             <a:endParaRPr lang="en-US"/>
           </a:p>
@@ -4232,7 +4678,7 @@
           <a:p>
             <a:fld id="{C95CED01-24E4-4C43-912C-6F6D3D954174}" type="datetimeFigureOut">
               <a:rPr lang="en-US" smtClean="0"/>
-              <a:t>6/12/2019</a:t>
+              <a:t>10/29/2019</a:t>
             </a:fld>
             <a:endParaRPr lang="en-US"/>
           </a:p>
@@ -4985,7 +5431,7 @@
           <a:p>
             <a:fld id="{C95CED01-24E4-4C43-912C-6F6D3D954174}" type="datetimeFigureOut">
               <a:rPr lang="en-US" smtClean="0"/>
-              <a:t>6/12/2019</a:t>
+              <a:t>10/29/2019</a:t>
             </a:fld>
             <a:endParaRPr lang="en-US"/>
           </a:p>
@@ -7178,6 +7624,490 @@
           <a:p>
             <a:r>
               <a:rPr lang="en-US" dirty="0" smtClean="0"/>
+              <a:t>History of this class</a:t>
+            </a:r>
+            <a:endParaRPr lang="en-US" dirty="0"/>
+          </a:p>
+        </p:txBody>
+      </p:sp>
+      <p:sp>
+        <p:nvSpPr>
+          <p:cNvPr id="3" name="Content Placeholder 2"/>
+          <p:cNvSpPr>
+            <a:spLocks noGrp="1"/>
+          </p:cNvSpPr>
+          <p:nvPr>
+            <p:ph idx="1"/>
+          </p:nvPr>
+        </p:nvSpPr>
+        <p:spPr/>
+        <p:txBody>
+          <a:bodyPr/>
+          <a:lstStyle/>
+          <a:p>
+            <a:r>
+              <a:rPr lang="en-US" dirty="0" smtClean="0"/>
+              <a:t>None</a:t>
+            </a:r>
+            <a:endParaRPr lang="en-US" dirty="0"/>
+          </a:p>
+        </p:txBody>
+      </p:sp>
+    </p:spTree>
+    <p:extLst>
+      <p:ext uri="{BB962C8B-B14F-4D97-AF65-F5344CB8AC3E}">
+        <p14:creationId xmlns:p14="http://schemas.microsoft.com/office/powerpoint/2010/main" val="45321259"/>
+      </p:ext>
+    </p:extLst>
+  </p:cSld>
+  <p:clrMapOvr>
+    <a:masterClrMapping/>
+  </p:clrMapOvr>
+  <p:transition>
+    <p:fade/>
+  </p:transition>
+</p:sld>
+</file>
+
+<file path=ppt/slides/slide3.xml><?xml version="1.0" encoding="utf-8"?>
+<p:sld xmlns:a="http://schemas.openxmlformats.org/drawingml/2006/main" xmlns:r="http://schemas.openxmlformats.org/officeDocument/2006/relationships" xmlns:p="http://schemas.openxmlformats.org/presentationml/2006/main">
+  <p:cSld>
+    <p:spTree>
+      <p:nvGrpSpPr>
+        <p:cNvPr id="1" name=""/>
+        <p:cNvGrpSpPr/>
+        <p:nvPr/>
+      </p:nvGrpSpPr>
+      <p:grpSpPr>
+        <a:xfrm>
+          <a:off x="0" y="0"/>
+          <a:ext cx="0" cy="0"/>
+          <a:chOff x="0" y="0"/>
+          <a:chExt cx="0" cy="0"/>
+        </a:xfrm>
+      </p:grpSpPr>
+      <p:sp>
+        <p:nvSpPr>
+          <p:cNvPr id="2" name="Title 1"/>
+          <p:cNvSpPr>
+            <a:spLocks noGrp="1"/>
+          </p:cNvSpPr>
+          <p:nvPr>
+            <p:ph type="title"/>
+          </p:nvPr>
+        </p:nvSpPr>
+        <p:spPr/>
+        <p:txBody>
+          <a:bodyPr/>
+          <a:lstStyle/>
+          <a:p>
+            <a:r>
+              <a:rPr lang="en-US" dirty="0" smtClean="0"/>
+              <a:t>Water Treatment</a:t>
+            </a:r>
+            <a:endParaRPr lang="en-US" dirty="0"/>
+          </a:p>
+        </p:txBody>
+      </p:sp>
+      <p:sp>
+        <p:nvSpPr>
+          <p:cNvPr id="3" name="Content Placeholder 2"/>
+          <p:cNvSpPr>
+            <a:spLocks noGrp="1"/>
+          </p:cNvSpPr>
+          <p:nvPr>
+            <p:ph idx="1"/>
+          </p:nvPr>
+        </p:nvSpPr>
+        <p:spPr/>
+        <p:txBody>
+          <a:bodyPr/>
+          <a:lstStyle/>
+          <a:p>
+            <a:r>
+              <a:rPr lang="en-US" dirty="0" smtClean="0"/>
+              <a:t>With a focus on physical chemical processes</a:t>
+            </a:r>
+          </a:p>
+          <a:p>
+            <a:r>
+              <a:rPr lang="en-US" dirty="0" smtClean="0"/>
+              <a:t>For water that might be destined for municipal drinking water or injection into an aquifer, or return to a pristine lake</a:t>
+            </a:r>
+          </a:p>
+          <a:p>
+            <a:r>
+              <a:rPr lang="en-US" dirty="0" smtClean="0"/>
+              <a:t>Working with an engineering firm in the United States</a:t>
+            </a:r>
+          </a:p>
+        </p:txBody>
+      </p:sp>
+    </p:spTree>
+    <p:extLst>
+      <p:ext uri="{BB962C8B-B14F-4D97-AF65-F5344CB8AC3E}">
+        <p14:creationId xmlns:p14="http://schemas.microsoft.com/office/powerpoint/2010/main" val="1491593011"/>
+      </p:ext>
+    </p:extLst>
+  </p:cSld>
+  <p:clrMapOvr>
+    <a:masterClrMapping/>
+  </p:clrMapOvr>
+  <p:transition>
+    <p:fade/>
+  </p:transition>
+</p:sld>
+</file>
+
+<file path=ppt/slides/slide4.xml><?xml version="1.0" encoding="utf-8"?>
+<p:sld xmlns:a="http://schemas.openxmlformats.org/drawingml/2006/main" xmlns:r="http://schemas.openxmlformats.org/officeDocument/2006/relationships" xmlns:p="http://schemas.openxmlformats.org/presentationml/2006/main">
+  <p:cSld>
+    <p:spTree>
+      <p:nvGrpSpPr>
+        <p:cNvPr id="1" name=""/>
+        <p:cNvGrpSpPr/>
+        <p:nvPr/>
+      </p:nvGrpSpPr>
+      <p:grpSpPr>
+        <a:xfrm>
+          <a:off x="0" y="0"/>
+          <a:ext cx="0" cy="0"/>
+          <a:chOff x="0" y="0"/>
+          <a:chExt cx="0" cy="0"/>
+        </a:xfrm>
+      </p:grpSpPr>
+      <p:sp>
+        <p:nvSpPr>
+          <p:cNvPr id="2" name="Title 1"/>
+          <p:cNvSpPr>
+            <a:spLocks noGrp="1"/>
+          </p:cNvSpPr>
+          <p:nvPr>
+            <p:ph type="title"/>
+          </p:nvPr>
+        </p:nvSpPr>
+        <p:spPr/>
+        <p:txBody>
+          <a:bodyPr/>
+          <a:lstStyle/>
+          <a:p>
+            <a:r>
+              <a:rPr lang="en-US" dirty="0" smtClean="0"/>
+              <a:t>An introduction to water quality and traditional treatment technologies</a:t>
+            </a:r>
+            <a:endParaRPr lang="en-US" dirty="0"/>
+          </a:p>
+        </p:txBody>
+      </p:sp>
+      <p:sp>
+        <p:nvSpPr>
+          <p:cNvPr id="3" name="Content Placeholder 2"/>
+          <p:cNvSpPr>
+            <a:spLocks noGrp="1"/>
+          </p:cNvSpPr>
+          <p:nvPr>
+            <p:ph idx="1"/>
+          </p:nvPr>
+        </p:nvSpPr>
+        <p:spPr/>
+        <p:txBody>
+          <a:bodyPr/>
+          <a:lstStyle/>
+          <a:p>
+            <a:pPr marL="514350" indent="-514350">
+              <a:buFont typeface="+mj-lt"/>
+              <a:buAutoNum type="arabicPeriod"/>
+            </a:pPr>
+            <a:r>
+              <a:rPr lang="en-US" dirty="0" smtClean="0"/>
+              <a:t>Water </a:t>
+            </a:r>
+            <a:r>
+              <a:rPr lang="en-US" dirty="0"/>
+              <a:t>Quality Considerations</a:t>
+            </a:r>
+          </a:p>
+          <a:p>
+            <a:pPr marL="914400" lvl="1" indent="-514350">
+              <a:buFont typeface="+mj-lt"/>
+              <a:buAutoNum type="arabicPeriod"/>
+            </a:pPr>
+            <a:r>
+              <a:rPr lang="en-US" dirty="0" smtClean="0"/>
+              <a:t>EPA Primary &amp; Secondary MCL; State Primacy Enforcement (Chapter 1 – 4 )</a:t>
+            </a:r>
+          </a:p>
+          <a:p>
+            <a:pPr marL="914400" lvl="1" indent="-514350">
+              <a:buFont typeface="+mj-lt"/>
+              <a:buAutoNum type="arabicPeriod"/>
+            </a:pPr>
+            <a:r>
+              <a:rPr lang="en-US" dirty="0" smtClean="0"/>
+              <a:t>Unregulated Water Quality Issues (Chapter 1 – 4)</a:t>
+            </a:r>
+          </a:p>
+          <a:p>
+            <a:pPr marL="914400" lvl="1" indent="-514350">
+              <a:buFont typeface="+mj-lt"/>
+              <a:buAutoNum type="arabicPeriod"/>
+            </a:pPr>
+            <a:r>
+              <a:rPr lang="en-US" dirty="0" smtClean="0"/>
+              <a:t>Emerging </a:t>
+            </a:r>
+            <a:r>
+              <a:rPr lang="en-US" dirty="0"/>
+              <a:t>Contaminants (Chapter 4, 20)</a:t>
+            </a:r>
+          </a:p>
+          <a:p>
+            <a:pPr marL="514350" indent="-514350">
+              <a:buFont typeface="+mj-lt"/>
+              <a:buAutoNum type="arabicPeriod"/>
+            </a:pPr>
+            <a:r>
+              <a:rPr lang="en-US" dirty="0"/>
+              <a:t>2. Conventional Water Treatment Processes (focus on particles and pathogens)</a:t>
+            </a:r>
+          </a:p>
+          <a:p>
+            <a:pPr marL="914400" lvl="1" indent="-514350">
+              <a:buFont typeface="+mj-lt"/>
+              <a:buAutoNum type="arabicPeriod"/>
+            </a:pPr>
+            <a:r>
+              <a:rPr lang="en-US" dirty="0"/>
+              <a:t>a. Screening, Coagulation, Flocculation (Chapter 9)</a:t>
+            </a:r>
+          </a:p>
+          <a:p>
+            <a:pPr marL="914400" lvl="1" indent="-514350">
+              <a:buFont typeface="+mj-lt"/>
+              <a:buAutoNum type="arabicPeriod"/>
+            </a:pPr>
+            <a:r>
+              <a:rPr lang="en-US" dirty="0"/>
+              <a:t>b. Sedimentation (Chapter 10)</a:t>
+            </a:r>
+          </a:p>
+          <a:p>
+            <a:pPr marL="914400" lvl="1" indent="-514350">
+              <a:buFont typeface="+mj-lt"/>
+              <a:buAutoNum type="arabicPeriod"/>
+            </a:pPr>
+            <a:r>
+              <a:rPr lang="en-US" dirty="0"/>
+              <a:t>c. Granular Filtration (chapter 11)</a:t>
+            </a:r>
+          </a:p>
+          <a:p>
+            <a:pPr marL="914400" lvl="1" indent="-514350">
+              <a:buFont typeface="+mj-lt"/>
+              <a:buAutoNum type="arabicPeriod"/>
+            </a:pPr>
+            <a:r>
+              <a:rPr lang="en-US" dirty="0"/>
+              <a:t>d. Membrane Filtration (Chapter 12)</a:t>
+            </a:r>
+          </a:p>
+          <a:p>
+            <a:pPr marL="914400" lvl="1" indent="-514350">
+              <a:buFont typeface="+mj-lt"/>
+              <a:buAutoNum type="arabicPeriod"/>
+            </a:pPr>
+            <a:r>
+              <a:rPr lang="en-US" dirty="0"/>
+              <a:t>e. Disinfection (Chapter 13)</a:t>
+            </a:r>
+          </a:p>
+          <a:p>
+            <a:pPr marL="514350" indent="-514350">
+              <a:buFont typeface="+mj-lt"/>
+              <a:buAutoNum type="arabicPeriod"/>
+            </a:pPr>
+            <a:r>
+              <a:rPr lang="en-US" dirty="0"/>
+              <a:t>3. Advanced Treatment Technologies (focus on dissolved species and chemicals)</a:t>
+            </a:r>
+          </a:p>
+          <a:p>
+            <a:pPr marL="914400" lvl="1" indent="-514350">
+              <a:buFont typeface="+mj-lt"/>
+              <a:buAutoNum type="arabicPeriod"/>
+            </a:pPr>
+            <a:r>
+              <a:rPr lang="en-US" dirty="0"/>
+              <a:t>a. Granular Activated Carbon (Chapter 15)</a:t>
+            </a:r>
+          </a:p>
+          <a:p>
+            <a:pPr marL="914400" lvl="1" indent="-514350">
+              <a:buFont typeface="+mj-lt"/>
+              <a:buAutoNum type="arabicPeriod"/>
+            </a:pPr>
+            <a:r>
+              <a:rPr lang="en-US" dirty="0"/>
+              <a:t>b. Ion Exchange Resins (Chapter 16)</a:t>
+            </a:r>
+          </a:p>
+          <a:p>
+            <a:pPr marL="914400" lvl="1" indent="-514350">
+              <a:buFont typeface="+mj-lt"/>
+              <a:buAutoNum type="arabicPeriod"/>
+            </a:pPr>
+            <a:r>
+              <a:rPr lang="en-US" dirty="0"/>
+              <a:t>c. High Pressure Membranes (Chapter 17)</a:t>
+            </a:r>
+          </a:p>
+          <a:p>
+            <a:pPr marL="914400" lvl="1" indent="-514350">
+              <a:buFont typeface="+mj-lt"/>
+              <a:buAutoNum type="arabicPeriod"/>
+            </a:pPr>
+            <a:r>
+              <a:rPr lang="en-US" dirty="0"/>
+              <a:t>d. Advanced Oxidation Process (Chapter 18)</a:t>
+            </a:r>
+          </a:p>
+          <a:p>
+            <a:pPr marL="514350" indent="-514350">
+              <a:buFont typeface="+mj-lt"/>
+              <a:buAutoNum type="arabicPeriod"/>
+            </a:pPr>
+            <a:r>
+              <a:rPr lang="en-US" dirty="0"/>
+              <a:t>4. Water Treatment Process Design Procedure (Chapter 23)</a:t>
+            </a:r>
+          </a:p>
+        </p:txBody>
+      </p:sp>
+    </p:spTree>
+    <p:extLst>
+      <p:ext uri="{BB962C8B-B14F-4D97-AF65-F5344CB8AC3E}">
+        <p14:creationId xmlns:p14="http://schemas.microsoft.com/office/powerpoint/2010/main" val="2890413365"/>
+      </p:ext>
+    </p:extLst>
+  </p:cSld>
+  <p:clrMapOvr>
+    <a:masterClrMapping/>
+  </p:clrMapOvr>
+  <p:transition>
+    <p:fade/>
+  </p:transition>
+</p:sld>
+</file>
+
+<file path=ppt/slides/slide5.xml><?xml version="1.0" encoding="utf-8"?>
+<p:sld xmlns:a="http://schemas.openxmlformats.org/drawingml/2006/main" xmlns:r="http://schemas.openxmlformats.org/officeDocument/2006/relationships" xmlns:p="http://schemas.openxmlformats.org/presentationml/2006/main">
+  <p:cSld>
+    <p:spTree>
+      <p:nvGrpSpPr>
+        <p:cNvPr id="1" name=""/>
+        <p:cNvGrpSpPr/>
+        <p:nvPr/>
+      </p:nvGrpSpPr>
+      <p:grpSpPr>
+        <a:xfrm>
+          <a:off x="0" y="0"/>
+          <a:ext cx="0" cy="0"/>
+          <a:chOff x="0" y="0"/>
+          <a:chExt cx="0" cy="0"/>
+        </a:xfrm>
+      </p:grpSpPr>
+      <p:sp>
+        <p:nvSpPr>
+          <p:cNvPr id="2" name="Title 1"/>
+          <p:cNvSpPr>
+            <a:spLocks noGrp="1"/>
+          </p:cNvSpPr>
+          <p:nvPr>
+            <p:ph type="title"/>
+          </p:nvPr>
+        </p:nvSpPr>
+        <p:spPr/>
+        <p:txBody>
+          <a:bodyPr/>
+          <a:lstStyle/>
+          <a:p>
+            <a:r>
+              <a:rPr lang="en-US" dirty="0" smtClean="0"/>
+              <a:t>So we are on an adventure</a:t>
+            </a:r>
+            <a:endParaRPr lang="en-US" dirty="0"/>
+          </a:p>
+        </p:txBody>
+      </p:sp>
+      <p:sp>
+        <p:nvSpPr>
+          <p:cNvPr id="3" name="Content Placeholder 2"/>
+          <p:cNvSpPr>
+            <a:spLocks noGrp="1"/>
+          </p:cNvSpPr>
+          <p:nvPr>
+            <p:ph idx="1"/>
+          </p:nvPr>
+        </p:nvSpPr>
+        <p:spPr/>
+        <p:txBody>
+          <a:bodyPr/>
+          <a:lstStyle/>
+          <a:p>
+            <a:endParaRPr lang="en-US"/>
+          </a:p>
+        </p:txBody>
+      </p:sp>
+    </p:spTree>
+    <p:extLst>
+      <p:ext uri="{BB962C8B-B14F-4D97-AF65-F5344CB8AC3E}">
+        <p14:creationId xmlns:p14="http://schemas.microsoft.com/office/powerpoint/2010/main" val="4238002937"/>
+      </p:ext>
+    </p:extLst>
+  </p:cSld>
+  <p:clrMapOvr>
+    <a:masterClrMapping/>
+  </p:clrMapOvr>
+  <p:transition>
+    <p:fade/>
+  </p:transition>
+</p:sld>
+</file>
+
+<file path=ppt/slides/slide6.xml><?xml version="1.0" encoding="utf-8"?>
+<p:sld xmlns:a="http://schemas.openxmlformats.org/drawingml/2006/main" xmlns:r="http://schemas.openxmlformats.org/officeDocument/2006/relationships" xmlns:p="http://schemas.openxmlformats.org/presentationml/2006/main">
+  <p:cSld>
+    <p:spTree>
+      <p:nvGrpSpPr>
+        <p:cNvPr id="1" name=""/>
+        <p:cNvGrpSpPr/>
+        <p:nvPr/>
+      </p:nvGrpSpPr>
+      <p:grpSpPr>
+        <a:xfrm>
+          <a:off x="0" y="0"/>
+          <a:ext cx="0" cy="0"/>
+          <a:chOff x="0" y="0"/>
+          <a:chExt cx="0" cy="0"/>
+        </a:xfrm>
+      </p:grpSpPr>
+      <p:sp>
+        <p:nvSpPr>
+          <p:cNvPr id="2" name="Title 1"/>
+          <p:cNvSpPr>
+            <a:spLocks noGrp="1"/>
+          </p:cNvSpPr>
+          <p:nvPr>
+            <p:ph type="title"/>
+          </p:nvPr>
+        </p:nvSpPr>
+        <p:spPr/>
+        <p:txBody>
+          <a:bodyPr/>
+          <a:lstStyle/>
+          <a:p>
+            <a:r>
+              <a:rPr lang="en-US" dirty="0" smtClean="0"/>
               <a:t>Generalize the design process </a:t>
             </a:r>
             <a:endParaRPr lang="en-US" dirty="0"/>
@@ -7785,7 +8715,7 @@
 </p:sld>
 </file>
 
-<file path=ppt/slides/slide3.xml><?xml version="1.0" encoding="utf-8"?>
+<file path=ppt/slides/slide7.xml><?xml version="1.0" encoding="utf-8"?>
 <p:sld xmlns:a="http://schemas.openxmlformats.org/drawingml/2006/main" xmlns:r="http://schemas.openxmlformats.org/officeDocument/2006/relationships" xmlns:p="http://schemas.openxmlformats.org/presentationml/2006/main">
   <p:cSld>
     <p:spTree>
@@ -9137,4 +10067,265 @@
     </a:extraClrScheme>
   </a:extraClrSchemeLst>
 </a:theme>
+</file>
+
+<file path=ppt/theme/theme4.xml><?xml version="1.0" encoding="utf-8"?>
+<a:theme xmlns:a="http://schemas.openxmlformats.org/drawingml/2006/main" name="Office Theme">
+  <a:themeElements>
+    <a:clrScheme name="Office">
+      <a:dk1>
+        <a:sysClr val="windowText" lastClr="000000"/>
+      </a:dk1>
+      <a:lt1>
+        <a:sysClr val="window" lastClr="FFFFFF"/>
+      </a:lt1>
+      <a:dk2>
+        <a:srgbClr val="44546A"/>
+      </a:dk2>
+      <a:lt2>
+        <a:srgbClr val="E7E6E6"/>
+      </a:lt2>
+      <a:accent1>
+        <a:srgbClr val="5B9BD5"/>
+      </a:accent1>
+      <a:accent2>
+        <a:srgbClr val="ED7D31"/>
+      </a:accent2>
+      <a:accent3>
+        <a:srgbClr val="A5A5A5"/>
+      </a:accent3>
+      <a:accent4>
+        <a:srgbClr val="FFC000"/>
+      </a:accent4>
+      <a:accent5>
+        <a:srgbClr val="4472C4"/>
+      </a:accent5>
+      <a:accent6>
+        <a:srgbClr val="70AD47"/>
+      </a:accent6>
+      <a:hlink>
+        <a:srgbClr val="0563C1"/>
+      </a:hlink>
+      <a:folHlink>
+        <a:srgbClr val="954F72"/>
+      </a:folHlink>
+    </a:clrScheme>
+    <a:fontScheme name="Office">
+      <a:majorFont>
+        <a:latin typeface="Calibri Light" panose="020F0302020204030204"/>
+        <a:ea typeface=""/>
+        <a:cs typeface=""/>
+        <a:font script="Jpan" typeface="游ゴシック Light"/>
+        <a:font script="Hang" typeface="맑은 고딕"/>
+        <a:font script="Hans" typeface="等线 Light"/>
+        <a:font script="Hant" typeface="新細明體"/>
+        <a:font script="Arab" typeface="Times New Roman"/>
+        <a:font script="Hebr" typeface="Times New Roman"/>
+        <a:font script="Thai" typeface="Angsana New"/>
+        <a:font script="Ethi" typeface="Nyala"/>
+        <a:font script="Beng" typeface="Vrinda"/>
+        <a:font script="Gujr" typeface="Shruti"/>
+        <a:font script="Khmr" typeface="MoolBoran"/>
+        <a:font script="Knda" typeface="Tunga"/>
+        <a:font script="Guru" typeface="Raavi"/>
+        <a:font script="Cans" typeface="Euphemia"/>
+        <a:font script="Cher" typeface="Plantagenet Cherokee"/>
+        <a:font script="Yiii" typeface="Microsoft Yi Baiti"/>
+        <a:font script="Tibt" typeface="Microsoft Himalaya"/>
+        <a:font script="Thaa" typeface="MV Boli"/>
+        <a:font script="Deva" typeface="Mangal"/>
+        <a:font script="Telu" typeface="Gautami"/>
+        <a:font script="Taml" typeface="Latha"/>
+        <a:font script="Syrc" typeface="Estrangelo Edessa"/>
+        <a:font script="Orya" typeface="Kalinga"/>
+        <a:font script="Mlym" typeface="Kartika"/>
+        <a:font script="Laoo" typeface="DokChampa"/>
+        <a:font script="Sinh" typeface="Iskoola Pota"/>
+        <a:font script="Mong" typeface="Mongolian Baiti"/>
+        <a:font script="Viet" typeface="Times New Roman"/>
+        <a:font script="Uigh" typeface="Microsoft Uighur"/>
+        <a:font script="Geor" typeface="Sylfaen"/>
+      </a:majorFont>
+      <a:minorFont>
+        <a:latin typeface="Calibri" panose="020F0502020204030204"/>
+        <a:ea typeface=""/>
+        <a:cs typeface=""/>
+        <a:font script="Jpan" typeface="游ゴシック"/>
+        <a:font script="Hang" typeface="맑은 고딕"/>
+        <a:font script="Hans" typeface="等线"/>
+        <a:font script="Hant" typeface="新細明體"/>
+        <a:font script="Arab" typeface="Arial"/>
+        <a:font script="Hebr" typeface="Arial"/>
+        <a:font script="Thai" typeface="Cordia New"/>
+        <a:font script="Ethi" typeface="Nyala"/>
+        <a:font script="Beng" typeface="Vrinda"/>
+        <a:font script="Gujr" typeface="Shruti"/>
+        <a:font script="Khmr" typeface="DaunPenh"/>
+        <a:font script="Knda" typeface="Tunga"/>
+        <a:font script="Guru" typeface="Raavi"/>
+        <a:font script="Cans" typeface="Euphemia"/>
+        <a:font script="Cher" typeface="Plantagenet Cherokee"/>
+        <a:font script="Yiii" typeface="Microsoft Yi Baiti"/>
+        <a:font script="Tibt" typeface="Microsoft Himalaya"/>
+        <a:font script="Thaa" typeface="MV Boli"/>
+        <a:font script="Deva" typeface="Mangal"/>
+        <a:font script="Telu" typeface="Gautami"/>
+        <a:font script="Taml" typeface="Latha"/>
+        <a:font script="Syrc" typeface="Estrangelo Edessa"/>
+        <a:font script="Orya" typeface="Kalinga"/>
+        <a:font script="Mlym" typeface="Kartika"/>
+        <a:font script="Laoo" typeface="DokChampa"/>
+        <a:font script="Sinh" typeface="Iskoola Pota"/>
+        <a:font script="Mong" typeface="Mongolian Baiti"/>
+        <a:font script="Viet" typeface="Arial"/>
+        <a:font script="Uigh" typeface="Microsoft Uighur"/>
+        <a:font script="Geor" typeface="Sylfaen"/>
+      </a:minorFont>
+    </a:fontScheme>
+    <a:fmtScheme name="Office">
+      <a:fillStyleLst>
+        <a:solidFill>
+          <a:schemeClr val="phClr"/>
+        </a:solidFill>
+        <a:gradFill rotWithShape="1">
+          <a:gsLst>
+            <a:gs pos="0">
+              <a:schemeClr val="phClr">
+                <a:lumMod val="110000"/>
+                <a:satMod val="105000"/>
+                <a:tint val="67000"/>
+              </a:schemeClr>
+            </a:gs>
+            <a:gs pos="50000">
+              <a:schemeClr val="phClr">
+                <a:lumMod val="105000"/>
+                <a:satMod val="103000"/>
+                <a:tint val="73000"/>
+              </a:schemeClr>
+            </a:gs>
+            <a:gs pos="100000">
+              <a:schemeClr val="phClr">
+                <a:lumMod val="105000"/>
+                <a:satMod val="109000"/>
+                <a:tint val="81000"/>
+              </a:schemeClr>
+            </a:gs>
+          </a:gsLst>
+          <a:lin ang="5400000" scaled="0"/>
+        </a:gradFill>
+        <a:gradFill rotWithShape="1">
+          <a:gsLst>
+            <a:gs pos="0">
+              <a:schemeClr val="phClr">
+                <a:satMod val="103000"/>
+                <a:lumMod val="102000"/>
+                <a:tint val="94000"/>
+              </a:schemeClr>
+            </a:gs>
+            <a:gs pos="50000">
+              <a:schemeClr val="phClr">
+                <a:satMod val="110000"/>
+                <a:lumMod val="100000"/>
+                <a:shade val="100000"/>
+              </a:schemeClr>
+            </a:gs>
+            <a:gs pos="100000">
+              <a:schemeClr val="phClr">
+                <a:lumMod val="99000"/>
+                <a:satMod val="120000"/>
+                <a:shade val="78000"/>
+              </a:schemeClr>
+            </a:gs>
+          </a:gsLst>
+          <a:lin ang="5400000" scaled="0"/>
+        </a:gradFill>
+      </a:fillStyleLst>
+      <a:lnStyleLst>
+        <a:ln w="6350" cap="flat" cmpd="sng" algn="ctr">
+          <a:solidFill>
+            <a:schemeClr val="phClr"/>
+          </a:solidFill>
+          <a:prstDash val="solid"/>
+          <a:miter lim="800000"/>
+        </a:ln>
+        <a:ln w="12700" cap="flat" cmpd="sng" algn="ctr">
+          <a:solidFill>
+            <a:schemeClr val="phClr"/>
+          </a:solidFill>
+          <a:prstDash val="solid"/>
+          <a:miter lim="800000"/>
+        </a:ln>
+        <a:ln w="19050" cap="flat" cmpd="sng" algn="ctr">
+          <a:solidFill>
+            <a:schemeClr val="phClr"/>
+          </a:solidFill>
+          <a:prstDash val="solid"/>
+          <a:miter lim="800000"/>
+        </a:ln>
+      </a:lnStyleLst>
+      <a:effectStyleLst>
+        <a:effectStyle>
+          <a:effectLst/>
+        </a:effectStyle>
+        <a:effectStyle>
+          <a:effectLst/>
+        </a:effectStyle>
+        <a:effectStyle>
+          <a:effectLst>
+            <a:outerShdw blurRad="57150" dist="19050" dir="5400000" algn="ctr" rotWithShape="0">
+              <a:srgbClr val="000000">
+                <a:alpha val="63000"/>
+              </a:srgbClr>
+            </a:outerShdw>
+          </a:effectLst>
+        </a:effectStyle>
+      </a:effectStyleLst>
+      <a:bgFillStyleLst>
+        <a:solidFill>
+          <a:schemeClr val="phClr"/>
+        </a:solidFill>
+        <a:solidFill>
+          <a:schemeClr val="phClr">
+            <a:tint val="95000"/>
+            <a:satMod val="170000"/>
+          </a:schemeClr>
+        </a:solidFill>
+        <a:gradFill rotWithShape="1">
+          <a:gsLst>
+            <a:gs pos="0">
+              <a:schemeClr val="phClr">
+                <a:tint val="93000"/>
+                <a:satMod val="150000"/>
+                <a:shade val="98000"/>
+                <a:lumMod val="102000"/>
+              </a:schemeClr>
+            </a:gs>
+            <a:gs pos="50000">
+              <a:schemeClr val="phClr">
+                <a:tint val="98000"/>
+                <a:satMod val="130000"/>
+                <a:shade val="90000"/>
+                <a:lumMod val="103000"/>
+              </a:schemeClr>
+            </a:gs>
+            <a:gs pos="100000">
+              <a:schemeClr val="phClr">
+                <a:shade val="63000"/>
+                <a:satMod val="120000"/>
+              </a:schemeClr>
+            </a:gs>
+          </a:gsLst>
+          <a:lin ang="5400000" scaled="0"/>
+        </a:gradFill>
+      </a:bgFillStyleLst>
+    </a:fmtScheme>
+  </a:themeElements>
+  <a:objectDefaults/>
+  <a:extraClrSchemeLst/>
+  <a:extLst>
+    <a:ext uri="{05A4C25C-085E-4340-85A3-A5531E510DB2}">
+      <thm15:themeFamily xmlns:thm15="http://schemas.microsoft.com/office/thememl/2012/main" name="Office Theme" id="{62F939B6-93AF-4DB8-9C6B-D6C7DFDC589F}" vid="{4A3C46E8-61CC-4603-A589-7422A47A8E4A}"/>
+    </a:ext>
+  </a:extLst>
+</a:theme>
 </file>
--- a/Lectures/Introduction.pptx
+++ b/Lectures/Introduction.pptx
@@ -7,16 +7,37 @@
     <p:sldMasterId id="2147483676" r:id="rId3"/>
   </p:sldMasterIdLst>
   <p:notesMasterIdLst>
-    <p:notesMasterId r:id="rId11"/>
+    <p:notesMasterId r:id="rId32"/>
   </p:notesMasterIdLst>
   <p:sldIdLst>
     <p:sldId id="256" r:id="rId4"/>
     <p:sldId id="259" r:id="rId5"/>
-    <p:sldId id="261" r:id="rId6"/>
-    <p:sldId id="262" r:id="rId7"/>
-    <p:sldId id="260" r:id="rId8"/>
-    <p:sldId id="257" r:id="rId9"/>
-    <p:sldId id="258" r:id="rId10"/>
+    <p:sldId id="264" r:id="rId6"/>
+    <p:sldId id="266" r:id="rId7"/>
+    <p:sldId id="278" r:id="rId8"/>
+    <p:sldId id="277" r:id="rId9"/>
+    <p:sldId id="276" r:id="rId10"/>
+    <p:sldId id="265" r:id="rId11"/>
+    <p:sldId id="261" r:id="rId12"/>
+    <p:sldId id="262" r:id="rId13"/>
+    <p:sldId id="270" r:id="rId14"/>
+    <p:sldId id="271" r:id="rId15"/>
+    <p:sldId id="272" r:id="rId16"/>
+    <p:sldId id="273" r:id="rId17"/>
+    <p:sldId id="269" r:id="rId18"/>
+    <p:sldId id="275" r:id="rId19"/>
+    <p:sldId id="274" r:id="rId20"/>
+    <p:sldId id="280" r:id="rId21"/>
+    <p:sldId id="282" r:id="rId22"/>
+    <p:sldId id="281" r:id="rId23"/>
+    <p:sldId id="283" r:id="rId24"/>
+    <p:sldId id="279" r:id="rId25"/>
+    <p:sldId id="260" r:id="rId26"/>
+    <p:sldId id="257" r:id="rId27"/>
+    <p:sldId id="258" r:id="rId28"/>
+    <p:sldId id="268" r:id="rId29"/>
+    <p:sldId id="267" r:id="rId30"/>
+    <p:sldId id="263" r:id="rId31"/>
   </p:sldIdLst>
   <p:sldSz cx="12192000" cy="6858000"/>
   <p:notesSz cx="6858000" cy="9144000"/>
@@ -205,7 +226,7 @@
           <a:p>
             <a:fld id="{57A37EFE-C1AE-4115-BB28-1A5FB3DD261C}" type="datetimeFigureOut">
               <a:rPr lang="en-US" smtClean="0"/>
-              <a:t>10/29/2019</a:t>
+              <a:t>1/14/2020</a:t>
             </a:fld>
             <a:endParaRPr lang="en-US"/>
           </a:p>
@@ -557,6 +578,910 @@
 </p:notes>
 </file>
 
+<file path=ppt/notesSlides/notesSlide2.xml><?xml version="1.0" encoding="utf-8"?>
+<p:notes xmlns:a="http://schemas.openxmlformats.org/drawingml/2006/main" xmlns:r="http://schemas.openxmlformats.org/officeDocument/2006/relationships" xmlns:p="http://schemas.openxmlformats.org/presentationml/2006/main">
+  <p:cSld>
+    <p:spTree>
+      <p:nvGrpSpPr>
+        <p:cNvPr id="1" name=""/>
+        <p:cNvGrpSpPr/>
+        <p:nvPr/>
+      </p:nvGrpSpPr>
+      <p:grpSpPr>
+        <a:xfrm>
+          <a:off x="0" y="0"/>
+          <a:ext cx="0" cy="0"/>
+          <a:chOff x="0" y="0"/>
+          <a:chExt cx="0" cy="0"/>
+        </a:xfrm>
+      </p:grpSpPr>
+      <p:sp>
+        <p:nvSpPr>
+          <p:cNvPr id="2" name="Slide Image Placeholder 1"/>
+          <p:cNvSpPr>
+            <a:spLocks noGrp="1" noRot="1" noChangeAspect="1"/>
+          </p:cNvSpPr>
+          <p:nvPr>
+            <p:ph type="sldImg"/>
+          </p:nvPr>
+        </p:nvSpPr>
+        <p:spPr/>
+      </p:sp>
+      <p:sp>
+        <p:nvSpPr>
+          <p:cNvPr id="3" name="Notes Placeholder 2"/>
+          <p:cNvSpPr>
+            <a:spLocks noGrp="1"/>
+          </p:cNvSpPr>
+          <p:nvPr>
+            <p:ph type="body" idx="1"/>
+          </p:nvPr>
+        </p:nvSpPr>
+        <p:spPr/>
+        <p:txBody>
+          <a:bodyPr/>
+          <a:lstStyle/>
+          <a:p>
+            <a:r>
+              <a:rPr lang="en-US" sz="1200" b="0" i="0" kern="1200" dirty="0" smtClean="0">
+                <a:solidFill>
+                  <a:schemeClr val="tx1"/>
+                </a:solidFill>
+                <a:effectLst/>
+                <a:latin typeface="+mn-lt"/>
+                <a:ea typeface="+mn-ea"/>
+                <a:cs typeface="+mn-cs"/>
+              </a:rPr>
+              <a:t>Engineering Justice Transforming Engineering Education and Practice</a:t>
+            </a:r>
+          </a:p>
+          <a:p>
+            <a:r>
+              <a:rPr lang="en-US" sz="1200" b="0" i="0" kern="1200" dirty="0" smtClean="0">
+                <a:solidFill>
+                  <a:schemeClr val="tx1"/>
+                </a:solidFill>
+                <a:effectLst/>
+                <a:latin typeface="+mn-lt"/>
+                <a:ea typeface="+mn-ea"/>
+                <a:cs typeface="+mn-cs"/>
+              </a:rPr>
+              <a:t>Jon A </a:t>
+            </a:r>
+            <a:r>
+              <a:rPr lang="en-US" sz="1200" b="0" i="0" kern="1200" dirty="0" err="1" smtClean="0">
+                <a:solidFill>
+                  <a:schemeClr val="tx1"/>
+                </a:solidFill>
+                <a:effectLst/>
+                <a:latin typeface="+mn-lt"/>
+                <a:ea typeface="+mn-ea"/>
+                <a:cs typeface="+mn-cs"/>
+              </a:rPr>
+              <a:t>Leydens</a:t>
+            </a:r>
+            <a:r>
+              <a:rPr lang="en-US" sz="1200" b="0" i="0" kern="1200" dirty="0" smtClean="0">
+                <a:solidFill>
+                  <a:schemeClr val="tx1"/>
+                </a:solidFill>
+                <a:effectLst/>
+                <a:latin typeface="+mn-lt"/>
+                <a:ea typeface="+mn-ea"/>
+                <a:cs typeface="+mn-cs"/>
+              </a:rPr>
+              <a:t>, Juan C. </a:t>
+            </a:r>
+            <a:r>
+              <a:rPr lang="en-US" sz="1200" b="0" i="0" kern="1200" dirty="0" err="1" smtClean="0">
+                <a:solidFill>
+                  <a:schemeClr val="tx1"/>
+                </a:solidFill>
+                <a:effectLst/>
+                <a:latin typeface="+mn-lt"/>
+                <a:ea typeface="+mn-ea"/>
+                <a:cs typeface="+mn-cs"/>
+              </a:rPr>
+              <a:t>Lucena</a:t>
+            </a:r>
+            <a:r>
+              <a:rPr lang="en-US" sz="1200" b="0" i="0" kern="1200" dirty="0" smtClean="0">
+                <a:solidFill>
+                  <a:schemeClr val="tx1"/>
+                </a:solidFill>
+                <a:effectLst/>
+                <a:latin typeface="+mn-lt"/>
+                <a:ea typeface="+mn-ea"/>
+                <a:cs typeface="+mn-cs"/>
+              </a:rPr>
+              <a:t> IEEE PCS Professional Engineering Communication Series: Traci Nathans-Kelly, Series Editor (2018)</a:t>
+            </a:r>
+          </a:p>
+          <a:p>
+            <a:endParaRPr lang="en-US" dirty="0"/>
+          </a:p>
+        </p:txBody>
+      </p:sp>
+      <p:sp>
+        <p:nvSpPr>
+          <p:cNvPr id="4" name="Slide Number Placeholder 3"/>
+          <p:cNvSpPr>
+            <a:spLocks noGrp="1"/>
+          </p:cNvSpPr>
+          <p:nvPr>
+            <p:ph type="sldNum" sz="quarter" idx="10"/>
+          </p:nvPr>
+        </p:nvSpPr>
+        <p:spPr/>
+        <p:txBody>
+          <a:bodyPr/>
+          <a:lstStyle/>
+          <a:p>
+            <a:fld id="{0C995C00-DEB8-4FD0-B394-83981868F57C}" type="slidenum">
+              <a:rPr lang="en-US" smtClean="0"/>
+              <a:t>3</a:t>
+            </a:fld>
+            <a:endParaRPr lang="en-US"/>
+          </a:p>
+        </p:txBody>
+      </p:sp>
+    </p:spTree>
+    <p:extLst>
+      <p:ext uri="{BB962C8B-B14F-4D97-AF65-F5344CB8AC3E}">
+        <p14:creationId xmlns:p14="http://schemas.microsoft.com/office/powerpoint/2010/main" val="857184901"/>
+      </p:ext>
+    </p:extLst>
+  </p:cSld>
+  <p:clrMapOvr>
+    <a:masterClrMapping/>
+  </p:clrMapOvr>
+</p:notes>
+</file>
+
+<file path=ppt/notesSlides/notesSlide3.xml><?xml version="1.0" encoding="utf-8"?>
+<p:notes xmlns:a="http://schemas.openxmlformats.org/drawingml/2006/main" xmlns:r="http://schemas.openxmlformats.org/officeDocument/2006/relationships" xmlns:p="http://schemas.openxmlformats.org/presentationml/2006/main">
+  <p:cSld>
+    <p:spTree>
+      <p:nvGrpSpPr>
+        <p:cNvPr id="1" name=""/>
+        <p:cNvGrpSpPr/>
+        <p:nvPr/>
+      </p:nvGrpSpPr>
+      <p:grpSpPr>
+        <a:xfrm>
+          <a:off x="0" y="0"/>
+          <a:ext cx="0" cy="0"/>
+          <a:chOff x="0" y="0"/>
+          <a:chExt cx="0" cy="0"/>
+        </a:xfrm>
+      </p:grpSpPr>
+      <p:sp>
+        <p:nvSpPr>
+          <p:cNvPr id="2" name="Slide Image Placeholder 1"/>
+          <p:cNvSpPr>
+            <a:spLocks noGrp="1" noRot="1" noChangeAspect="1"/>
+          </p:cNvSpPr>
+          <p:nvPr>
+            <p:ph type="sldImg"/>
+          </p:nvPr>
+        </p:nvSpPr>
+        <p:spPr/>
+      </p:sp>
+      <p:sp>
+        <p:nvSpPr>
+          <p:cNvPr id="3" name="Notes Placeholder 2"/>
+          <p:cNvSpPr>
+            <a:spLocks noGrp="1"/>
+          </p:cNvSpPr>
+          <p:nvPr>
+            <p:ph type="body" idx="1"/>
+          </p:nvPr>
+        </p:nvSpPr>
+        <p:spPr/>
+        <p:txBody>
+          <a:bodyPr/>
+          <a:lstStyle/>
+          <a:p>
+            <a:r>
+              <a:rPr lang="en-US" dirty="0" smtClean="0"/>
+              <a:t>It assumes that the problems that need to be solved have</a:t>
+            </a:r>
+            <a:r>
+              <a:rPr lang="en-US" baseline="0" dirty="0" smtClean="0"/>
+              <a:t> already been solved in the textbooks.</a:t>
+            </a:r>
+          </a:p>
+          <a:p>
+            <a:r>
+              <a:rPr lang="en-US" baseline="0" dirty="0" smtClean="0"/>
+              <a:t>It is the same fallacy as the idea that we can close the patent office.</a:t>
+            </a:r>
+          </a:p>
+          <a:p>
+            <a:r>
+              <a:rPr lang="en-US" dirty="0" smtClean="0"/>
+              <a:t>When there is a new problem it</a:t>
+            </a:r>
+            <a:r>
+              <a:rPr lang="en-US" baseline="0" dirty="0" smtClean="0"/>
+              <a:t> is time to hire a new widget.</a:t>
+            </a:r>
+          </a:p>
+          <a:p>
+            <a:r>
+              <a:rPr lang="en-US" baseline="0" dirty="0" smtClean="0"/>
+              <a:t>Fails to recognize our ability to learn</a:t>
+            </a:r>
+            <a:endParaRPr lang="en-US" dirty="0"/>
+          </a:p>
+        </p:txBody>
+      </p:sp>
+      <p:sp>
+        <p:nvSpPr>
+          <p:cNvPr id="4" name="Slide Number Placeholder 3"/>
+          <p:cNvSpPr>
+            <a:spLocks noGrp="1"/>
+          </p:cNvSpPr>
+          <p:nvPr>
+            <p:ph type="sldNum" sz="quarter" idx="10"/>
+          </p:nvPr>
+        </p:nvSpPr>
+        <p:spPr/>
+        <p:txBody>
+          <a:bodyPr/>
+          <a:lstStyle/>
+          <a:p>
+            <a:fld id="{0C995C00-DEB8-4FD0-B394-83981868F57C}" type="slidenum">
+              <a:rPr lang="en-US" smtClean="0"/>
+              <a:t>5</a:t>
+            </a:fld>
+            <a:endParaRPr lang="en-US"/>
+          </a:p>
+        </p:txBody>
+      </p:sp>
+    </p:spTree>
+    <p:extLst>
+      <p:ext uri="{BB962C8B-B14F-4D97-AF65-F5344CB8AC3E}">
+        <p14:creationId xmlns:p14="http://schemas.microsoft.com/office/powerpoint/2010/main" val="3463781563"/>
+      </p:ext>
+    </p:extLst>
+  </p:cSld>
+  <p:clrMapOvr>
+    <a:masterClrMapping/>
+  </p:clrMapOvr>
+</p:notes>
+</file>
+
+<file path=ppt/notesSlides/notesSlide4.xml><?xml version="1.0" encoding="utf-8"?>
+<p:notes xmlns:a="http://schemas.openxmlformats.org/drawingml/2006/main" xmlns:r="http://schemas.openxmlformats.org/officeDocument/2006/relationships" xmlns:p="http://schemas.openxmlformats.org/presentationml/2006/main">
+  <p:cSld>
+    <p:spTree>
+      <p:nvGrpSpPr>
+        <p:cNvPr id="1" name=""/>
+        <p:cNvGrpSpPr/>
+        <p:nvPr/>
+      </p:nvGrpSpPr>
+      <p:grpSpPr>
+        <a:xfrm>
+          <a:off x="0" y="0"/>
+          <a:ext cx="0" cy="0"/>
+          <a:chOff x="0" y="0"/>
+          <a:chExt cx="0" cy="0"/>
+        </a:xfrm>
+      </p:grpSpPr>
+      <p:sp>
+        <p:nvSpPr>
+          <p:cNvPr id="2" name="Slide Image Placeholder 1"/>
+          <p:cNvSpPr>
+            <a:spLocks noGrp="1" noRot="1" noChangeAspect="1"/>
+          </p:cNvSpPr>
+          <p:nvPr>
+            <p:ph type="sldImg"/>
+          </p:nvPr>
+        </p:nvSpPr>
+        <p:spPr/>
+      </p:sp>
+      <p:sp>
+        <p:nvSpPr>
+          <p:cNvPr id="3" name="Notes Placeholder 2"/>
+          <p:cNvSpPr>
+            <a:spLocks noGrp="1"/>
+          </p:cNvSpPr>
+          <p:nvPr>
+            <p:ph type="body" idx="1"/>
+          </p:nvPr>
+        </p:nvSpPr>
+        <p:spPr/>
+        <p:txBody>
+          <a:bodyPr/>
+          <a:lstStyle/>
+          <a:p>
+            <a:r>
+              <a:rPr lang="en-US" dirty="0" smtClean="0"/>
+              <a:t>Have students work on this in teams. Think</a:t>
+            </a:r>
+            <a:r>
+              <a:rPr lang="en-US" baseline="0" dirty="0" smtClean="0"/>
+              <a:t> about </a:t>
+            </a:r>
+          </a:p>
+          <a:p>
+            <a:r>
+              <a:rPr lang="en-US" baseline="0" dirty="0" smtClean="0"/>
+              <a:t>What should be done in class time?</a:t>
+            </a:r>
+          </a:p>
+          <a:p>
+            <a:r>
+              <a:rPr lang="en-US" baseline="0" dirty="0" smtClean="0"/>
+              <a:t>What type of educational activities or learning opportunities should be provided?</a:t>
+            </a:r>
+          </a:p>
+          <a:p>
+            <a:r>
+              <a:rPr lang="en-US" baseline="0" dirty="0" smtClean="0"/>
+              <a:t>Type of prelims</a:t>
+            </a:r>
+          </a:p>
+          <a:p>
+            <a:endParaRPr lang="en-US" baseline="0" dirty="0" smtClean="0"/>
+          </a:p>
+          <a:p>
+            <a:r>
+              <a:rPr lang="en-US" baseline="0" dirty="0" smtClean="0"/>
+              <a:t>What is my role?</a:t>
+            </a:r>
+          </a:p>
+          <a:p>
+            <a:r>
+              <a:rPr lang="en-US" baseline="0" dirty="0" smtClean="0"/>
+              <a:t>Librarian (curator of resources)</a:t>
+            </a:r>
+          </a:p>
+          <a:p>
+            <a:r>
+              <a:rPr lang="en-US" baseline="0" dirty="0" smtClean="0"/>
+              <a:t>Devise authentic learning experiences (What does authentic mean) </a:t>
+            </a:r>
+          </a:p>
+          <a:p>
+            <a:r>
+              <a:rPr lang="en-US" baseline="0" dirty="0" smtClean="0"/>
+              <a:t>Goal is to develop skills that will translate to new problems.</a:t>
+            </a:r>
+          </a:p>
+          <a:p>
+            <a:r>
+              <a:rPr lang="en-US" baseline="0" dirty="0" smtClean="0"/>
+              <a:t>NOT FE exam style </a:t>
+            </a:r>
+            <a:r>
+              <a:rPr lang="en-US" baseline="0" dirty="0" err="1" smtClean="0"/>
+              <a:t>prblems</a:t>
+            </a:r>
+            <a:endParaRPr lang="en-US" baseline="0" dirty="0" smtClean="0"/>
+          </a:p>
+          <a:p>
+            <a:endParaRPr lang="en-US" dirty="0"/>
+          </a:p>
+        </p:txBody>
+      </p:sp>
+      <p:sp>
+        <p:nvSpPr>
+          <p:cNvPr id="4" name="Slide Number Placeholder 3"/>
+          <p:cNvSpPr>
+            <a:spLocks noGrp="1"/>
+          </p:cNvSpPr>
+          <p:nvPr>
+            <p:ph type="sldNum" sz="quarter" idx="10"/>
+          </p:nvPr>
+        </p:nvSpPr>
+        <p:spPr/>
+        <p:txBody>
+          <a:bodyPr/>
+          <a:lstStyle/>
+          <a:p>
+            <a:fld id="{0C995C00-DEB8-4FD0-B394-83981868F57C}" type="slidenum">
+              <a:rPr lang="en-US" smtClean="0"/>
+              <a:t>7</a:t>
+            </a:fld>
+            <a:endParaRPr lang="en-US"/>
+          </a:p>
+        </p:txBody>
+      </p:sp>
+    </p:spTree>
+    <p:extLst>
+      <p:ext uri="{BB962C8B-B14F-4D97-AF65-F5344CB8AC3E}">
+        <p14:creationId xmlns:p14="http://schemas.microsoft.com/office/powerpoint/2010/main" val="1716209895"/>
+      </p:ext>
+    </p:extLst>
+  </p:cSld>
+  <p:clrMapOvr>
+    <a:masterClrMapping/>
+  </p:clrMapOvr>
+</p:notes>
+</file>
+
+<file path=ppt/notesSlides/notesSlide5.xml><?xml version="1.0" encoding="utf-8"?>
+<p:notes xmlns:a="http://schemas.openxmlformats.org/drawingml/2006/main" xmlns:r="http://schemas.openxmlformats.org/officeDocument/2006/relationships" xmlns:p="http://schemas.openxmlformats.org/presentationml/2006/main">
+  <p:cSld>
+    <p:spTree>
+      <p:nvGrpSpPr>
+        <p:cNvPr id="1" name=""/>
+        <p:cNvGrpSpPr/>
+        <p:nvPr/>
+      </p:nvGrpSpPr>
+      <p:grpSpPr>
+        <a:xfrm>
+          <a:off x="0" y="0"/>
+          <a:ext cx="0" cy="0"/>
+          <a:chOff x="0" y="0"/>
+          <a:chExt cx="0" cy="0"/>
+        </a:xfrm>
+      </p:grpSpPr>
+      <p:sp>
+        <p:nvSpPr>
+          <p:cNvPr id="2" name="Slide Image Placeholder 1"/>
+          <p:cNvSpPr>
+            <a:spLocks noGrp="1" noRot="1" noChangeAspect="1"/>
+          </p:cNvSpPr>
+          <p:nvPr>
+            <p:ph type="sldImg"/>
+          </p:nvPr>
+        </p:nvSpPr>
+        <p:spPr/>
+      </p:sp>
+      <p:sp>
+        <p:nvSpPr>
+          <p:cNvPr id="3" name="Notes Placeholder 2"/>
+          <p:cNvSpPr>
+            <a:spLocks noGrp="1"/>
+          </p:cNvSpPr>
+          <p:nvPr>
+            <p:ph type="body" idx="1"/>
+          </p:nvPr>
+        </p:nvSpPr>
+        <p:spPr/>
+        <p:txBody>
+          <a:bodyPr/>
+          <a:lstStyle/>
+          <a:p>
+            <a:r>
+              <a:rPr lang="en-US" dirty="0" smtClean="0"/>
+              <a:t>Brainstorm</a:t>
+            </a:r>
+          </a:p>
+          <a:p>
+            <a:r>
+              <a:rPr lang="en-US" dirty="0" smtClean="0"/>
+              <a:t>Dimensions</a:t>
+            </a:r>
+            <a:r>
+              <a:rPr lang="en-US" baseline="0" dirty="0" smtClean="0"/>
+              <a:t> that are better for uniform mixing?</a:t>
+            </a:r>
+          </a:p>
+          <a:p>
+            <a:r>
+              <a:rPr lang="en-US" dirty="0" smtClean="0"/>
+              <a:t>How do</a:t>
+            </a:r>
+            <a:r>
+              <a:rPr lang="en-US" baseline="0" dirty="0" smtClean="0"/>
+              <a:t> the flocculators fit in with the rest of the water treatment plant? (both plan view and elevation view)</a:t>
+            </a:r>
+          </a:p>
+          <a:p>
+            <a:r>
+              <a:rPr lang="en-US" baseline="0" dirty="0" smtClean="0"/>
+              <a:t>Might it make sense to have the </a:t>
+            </a:r>
+            <a:r>
+              <a:rPr lang="en-US" baseline="0" dirty="0" err="1" smtClean="0"/>
+              <a:t>sed</a:t>
+            </a:r>
+            <a:r>
+              <a:rPr lang="en-US" baseline="0" dirty="0" smtClean="0"/>
+              <a:t> tanks and the flocculator share the same bottom elevation for ease of construction?</a:t>
+            </a:r>
+          </a:p>
+        </p:txBody>
+      </p:sp>
+      <p:sp>
+        <p:nvSpPr>
+          <p:cNvPr id="4" name="Slide Number Placeholder 3"/>
+          <p:cNvSpPr>
+            <a:spLocks noGrp="1"/>
+          </p:cNvSpPr>
+          <p:nvPr>
+            <p:ph type="sldNum" sz="quarter" idx="10"/>
+          </p:nvPr>
+        </p:nvSpPr>
+        <p:spPr/>
+        <p:txBody>
+          <a:bodyPr/>
+          <a:lstStyle/>
+          <a:p>
+            <a:fld id="{0C995C00-DEB8-4FD0-B394-83981868F57C}" type="slidenum">
+              <a:rPr lang="en-US" smtClean="0"/>
+              <a:t>14</a:t>
+            </a:fld>
+            <a:endParaRPr lang="en-US"/>
+          </a:p>
+        </p:txBody>
+      </p:sp>
+    </p:spTree>
+    <p:extLst>
+      <p:ext uri="{BB962C8B-B14F-4D97-AF65-F5344CB8AC3E}">
+        <p14:creationId xmlns:p14="http://schemas.microsoft.com/office/powerpoint/2010/main" val="1731758713"/>
+      </p:ext>
+    </p:extLst>
+  </p:cSld>
+  <p:clrMapOvr>
+    <a:masterClrMapping/>
+  </p:clrMapOvr>
+</p:notes>
+</file>
+
+<file path=ppt/notesSlides/notesSlide6.xml><?xml version="1.0" encoding="utf-8"?>
+<p:notes xmlns:a="http://schemas.openxmlformats.org/drawingml/2006/main" xmlns:r="http://schemas.openxmlformats.org/officeDocument/2006/relationships" xmlns:p="http://schemas.openxmlformats.org/presentationml/2006/main">
+  <p:cSld>
+    <p:spTree>
+      <p:nvGrpSpPr>
+        <p:cNvPr id="1" name=""/>
+        <p:cNvGrpSpPr/>
+        <p:nvPr/>
+      </p:nvGrpSpPr>
+      <p:grpSpPr>
+        <a:xfrm>
+          <a:off x="0" y="0"/>
+          <a:ext cx="0" cy="0"/>
+          <a:chOff x="0" y="0"/>
+          <a:chExt cx="0" cy="0"/>
+        </a:xfrm>
+      </p:grpSpPr>
+      <p:sp>
+        <p:nvSpPr>
+          <p:cNvPr id="2" name="Slide Image Placeholder 1"/>
+          <p:cNvSpPr>
+            <a:spLocks noGrp="1" noRot="1" noChangeAspect="1"/>
+          </p:cNvSpPr>
+          <p:nvPr>
+            <p:ph type="sldImg"/>
+          </p:nvPr>
+        </p:nvSpPr>
+        <p:spPr/>
+      </p:sp>
+      <p:sp>
+        <p:nvSpPr>
+          <p:cNvPr id="3" name="Notes Placeholder 2"/>
+          <p:cNvSpPr>
+            <a:spLocks noGrp="1"/>
+          </p:cNvSpPr>
+          <p:nvPr>
+            <p:ph type="body" idx="1"/>
+          </p:nvPr>
+        </p:nvSpPr>
+        <p:spPr/>
+        <p:txBody>
+          <a:bodyPr/>
+          <a:lstStyle/>
+          <a:p>
+            <a:r>
+              <a:rPr lang="en-US" dirty="0" smtClean="0"/>
+              <a:t>Filtration</a:t>
+            </a:r>
+            <a:r>
+              <a:rPr lang="en-US" baseline="0" dirty="0" smtClean="0"/>
+              <a:t> equations only describe clean bed, but can’t predict how long a filter run will last or how deep the filter should be</a:t>
+            </a:r>
+          </a:p>
+          <a:p>
+            <a:r>
+              <a:rPr lang="en-US" baseline="0" dirty="0" smtClean="0"/>
+              <a:t>Flocculation equations couldn’t predict the settled water turbidity.</a:t>
+            </a:r>
+          </a:p>
+          <a:p>
+            <a:r>
+              <a:rPr lang="en-US" baseline="0" dirty="0" smtClean="0"/>
+              <a:t>Flocculation equations can’t predict the optimal velocity gradient</a:t>
+            </a:r>
+          </a:p>
+          <a:p>
+            <a:r>
+              <a:rPr lang="en-US" baseline="0" dirty="0" smtClean="0"/>
+              <a:t>Plate settler equations couldn’t predict the </a:t>
+            </a:r>
+            <a:endParaRPr lang="en-US" dirty="0"/>
+          </a:p>
+        </p:txBody>
+      </p:sp>
+      <p:sp>
+        <p:nvSpPr>
+          <p:cNvPr id="4" name="Slide Number Placeholder 3"/>
+          <p:cNvSpPr>
+            <a:spLocks noGrp="1"/>
+          </p:cNvSpPr>
+          <p:nvPr>
+            <p:ph type="sldNum" sz="quarter" idx="10"/>
+          </p:nvPr>
+        </p:nvSpPr>
+        <p:spPr/>
+        <p:txBody>
+          <a:bodyPr/>
+          <a:lstStyle/>
+          <a:p>
+            <a:fld id="{0C995C00-DEB8-4FD0-B394-83981868F57C}" type="slidenum">
+              <a:rPr lang="en-US" smtClean="0"/>
+              <a:t>22</a:t>
+            </a:fld>
+            <a:endParaRPr lang="en-US"/>
+          </a:p>
+        </p:txBody>
+      </p:sp>
+    </p:spTree>
+    <p:extLst>
+      <p:ext uri="{BB962C8B-B14F-4D97-AF65-F5344CB8AC3E}">
+        <p14:creationId xmlns:p14="http://schemas.microsoft.com/office/powerpoint/2010/main" val="1476550711"/>
+      </p:ext>
+    </p:extLst>
+  </p:cSld>
+  <p:clrMapOvr>
+    <a:masterClrMapping/>
+  </p:clrMapOvr>
+</p:notes>
+</file>
+
+<file path=ppt/notesSlides/notesSlide7.xml><?xml version="1.0" encoding="utf-8"?>
+<p:notes xmlns:a="http://schemas.openxmlformats.org/drawingml/2006/main" xmlns:r="http://schemas.openxmlformats.org/officeDocument/2006/relationships" xmlns:p="http://schemas.openxmlformats.org/presentationml/2006/main">
+  <p:cSld>
+    <p:spTree>
+      <p:nvGrpSpPr>
+        <p:cNvPr id="1" name=""/>
+        <p:cNvGrpSpPr/>
+        <p:nvPr/>
+      </p:nvGrpSpPr>
+      <p:grpSpPr>
+        <a:xfrm>
+          <a:off x="0" y="0"/>
+          <a:ext cx="0" cy="0"/>
+          <a:chOff x="0" y="0"/>
+          <a:chExt cx="0" cy="0"/>
+        </a:xfrm>
+      </p:grpSpPr>
+      <p:sp>
+        <p:nvSpPr>
+          <p:cNvPr id="2" name="Slide Image Placeholder 1"/>
+          <p:cNvSpPr>
+            <a:spLocks noGrp="1" noRot="1" noChangeAspect="1"/>
+          </p:cNvSpPr>
+          <p:nvPr>
+            <p:ph type="sldImg"/>
+          </p:nvPr>
+        </p:nvSpPr>
+        <p:spPr/>
+      </p:sp>
+      <p:sp>
+        <p:nvSpPr>
+          <p:cNvPr id="3" name="Notes Placeholder 2"/>
+          <p:cNvSpPr>
+            <a:spLocks noGrp="1"/>
+          </p:cNvSpPr>
+          <p:nvPr>
+            <p:ph type="body" idx="1"/>
+          </p:nvPr>
+        </p:nvSpPr>
+        <p:spPr/>
+        <p:txBody>
+          <a:bodyPr/>
+          <a:lstStyle/>
+          <a:p>
+            <a:pPr fontAlgn="b"/>
+            <a:r>
+              <a:rPr lang="en-US" sz="1200" b="0" kern="1200" dirty="0" smtClean="0">
+                <a:solidFill>
+                  <a:schemeClr val="tx1"/>
+                </a:solidFill>
+                <a:effectLst/>
+                <a:latin typeface="+mn-lt"/>
+                <a:ea typeface="+mn-ea"/>
+                <a:cs typeface="+mn-cs"/>
+              </a:rPr>
+              <a:t>a. Screening, Coagulation, Flocculation (Chapter 9)</a:t>
+            </a:r>
+          </a:p>
+          <a:p>
+            <a:pPr fontAlgn="b"/>
+            <a:r>
+              <a:rPr lang="en-US" sz="1200" b="0" kern="1200" dirty="0" smtClean="0">
+                <a:solidFill>
+                  <a:schemeClr val="tx1"/>
+                </a:solidFill>
+                <a:effectLst/>
+                <a:latin typeface="+mn-lt"/>
+                <a:ea typeface="+mn-ea"/>
+                <a:cs typeface="+mn-cs"/>
+              </a:rPr>
+              <a:t>b. Sedimentation (Chapter 10)</a:t>
+            </a:r>
+          </a:p>
+          <a:p>
+            <a:pPr fontAlgn="b"/>
+            <a:r>
+              <a:rPr lang="en-US" sz="1200" b="0" kern="1200" dirty="0" smtClean="0">
+                <a:solidFill>
+                  <a:schemeClr val="tx1"/>
+                </a:solidFill>
+                <a:effectLst/>
+                <a:latin typeface="+mn-lt"/>
+                <a:ea typeface="+mn-ea"/>
+                <a:cs typeface="+mn-cs"/>
+              </a:rPr>
+              <a:t>c. Granular Filtration (chapter 11)</a:t>
+            </a:r>
+          </a:p>
+          <a:p>
+            <a:pPr fontAlgn="b"/>
+            <a:r>
+              <a:rPr lang="en-US" sz="1200" b="0" kern="1200" dirty="0" smtClean="0">
+                <a:solidFill>
+                  <a:schemeClr val="tx1"/>
+                </a:solidFill>
+                <a:effectLst/>
+                <a:latin typeface="+mn-lt"/>
+                <a:ea typeface="+mn-ea"/>
+                <a:cs typeface="+mn-cs"/>
+              </a:rPr>
+              <a:t>d. Membrane Filtration (Chapter 12)</a:t>
+            </a:r>
+          </a:p>
+          <a:p>
+            <a:pPr fontAlgn="b"/>
+            <a:r>
+              <a:rPr lang="en-US" sz="1200" b="0" kern="1200" dirty="0" smtClean="0">
+                <a:solidFill>
+                  <a:schemeClr val="tx1"/>
+                </a:solidFill>
+                <a:effectLst/>
+                <a:latin typeface="+mn-lt"/>
+                <a:ea typeface="+mn-ea"/>
+                <a:cs typeface="+mn-cs"/>
+              </a:rPr>
+              <a:t>e. Disinfection (Chapter 13)</a:t>
+            </a:r>
+          </a:p>
+          <a:p>
+            <a:pPr fontAlgn="b"/>
+            <a:r>
+              <a:rPr lang="en-US" sz="1200" b="0" kern="1200" dirty="0" smtClean="0">
+                <a:solidFill>
+                  <a:schemeClr val="tx1"/>
+                </a:solidFill>
+                <a:effectLst/>
+                <a:latin typeface="+mn-lt"/>
+                <a:ea typeface="+mn-ea"/>
+                <a:cs typeface="+mn-cs"/>
+              </a:rPr>
+              <a:t>3. Advanced Treatment Technologies (focus on dissolved species and chemicals)</a:t>
+            </a:r>
+          </a:p>
+          <a:p>
+            <a:pPr fontAlgn="b"/>
+            <a:r>
+              <a:rPr lang="en-US" sz="1200" b="0" kern="1200" dirty="0" smtClean="0">
+                <a:solidFill>
+                  <a:schemeClr val="tx1"/>
+                </a:solidFill>
+                <a:effectLst/>
+                <a:latin typeface="+mn-lt"/>
+                <a:ea typeface="+mn-ea"/>
+                <a:cs typeface="+mn-cs"/>
+              </a:rPr>
+              <a:t>a. Granular Activated Carbon (Chapter 15)</a:t>
+            </a:r>
+          </a:p>
+          <a:p>
+            <a:pPr fontAlgn="b"/>
+            <a:r>
+              <a:rPr lang="en-US" sz="1200" b="0" kern="1200" dirty="0" smtClean="0">
+                <a:solidFill>
+                  <a:schemeClr val="tx1"/>
+                </a:solidFill>
+                <a:effectLst/>
+                <a:latin typeface="+mn-lt"/>
+                <a:ea typeface="+mn-ea"/>
+                <a:cs typeface="+mn-cs"/>
+              </a:rPr>
+              <a:t>b. Ion Exchange Resins (Chapter 16)</a:t>
+            </a:r>
+          </a:p>
+          <a:p>
+            <a:pPr fontAlgn="b"/>
+            <a:r>
+              <a:rPr lang="en-US" sz="1200" b="0" kern="1200" dirty="0" smtClean="0">
+                <a:solidFill>
+                  <a:schemeClr val="tx1"/>
+                </a:solidFill>
+                <a:effectLst/>
+                <a:latin typeface="+mn-lt"/>
+                <a:ea typeface="+mn-ea"/>
+                <a:cs typeface="+mn-cs"/>
+              </a:rPr>
+              <a:t>c. High Pressure Membranes (Chapter 17)</a:t>
+            </a:r>
+          </a:p>
+          <a:p>
+            <a:pPr fontAlgn="b"/>
+            <a:r>
+              <a:rPr lang="en-US" sz="1200" b="0" kern="1200" dirty="0" smtClean="0">
+                <a:solidFill>
+                  <a:schemeClr val="tx1"/>
+                </a:solidFill>
+                <a:effectLst/>
+                <a:latin typeface="+mn-lt"/>
+                <a:ea typeface="+mn-ea"/>
+                <a:cs typeface="+mn-cs"/>
+              </a:rPr>
+              <a:t>d. Advanced Oxidation Process (Chapter 18)</a:t>
+            </a:r>
+          </a:p>
+          <a:p>
+            <a:pPr fontAlgn="b"/>
+            <a:r>
+              <a:rPr lang="en-US" sz="1200" b="0" kern="1200" dirty="0" smtClean="0">
+                <a:solidFill>
+                  <a:schemeClr val="tx1"/>
+                </a:solidFill>
+                <a:effectLst/>
+                <a:latin typeface="+mn-lt"/>
+                <a:ea typeface="+mn-ea"/>
+                <a:cs typeface="+mn-cs"/>
+              </a:rPr>
+              <a:t>4. Water Treatment Process Design Procedure (Chapter 23)</a:t>
+            </a:r>
+          </a:p>
+          <a:p>
+            <a:endParaRPr lang="en-US" dirty="0"/>
+          </a:p>
+        </p:txBody>
+      </p:sp>
+      <p:sp>
+        <p:nvSpPr>
+          <p:cNvPr id="4" name="Slide Number Placeholder 3"/>
+          <p:cNvSpPr>
+            <a:spLocks noGrp="1"/>
+          </p:cNvSpPr>
+          <p:nvPr>
+            <p:ph type="sldNum" sz="quarter" idx="10"/>
+          </p:nvPr>
+        </p:nvSpPr>
+        <p:spPr/>
+        <p:txBody>
+          <a:bodyPr/>
+          <a:lstStyle/>
+          <a:p>
+            <a:fld id="{0C995C00-DEB8-4FD0-B394-83981868F57C}" type="slidenum">
+              <a:rPr lang="en-US" smtClean="0"/>
+              <a:t>25</a:t>
+            </a:fld>
+            <a:endParaRPr lang="en-US"/>
+          </a:p>
+        </p:txBody>
+      </p:sp>
+    </p:spTree>
+    <p:extLst>
+      <p:ext uri="{BB962C8B-B14F-4D97-AF65-F5344CB8AC3E}">
+        <p14:creationId xmlns:p14="http://schemas.microsoft.com/office/powerpoint/2010/main" val="1965954970"/>
+      </p:ext>
+    </p:extLst>
+  </p:cSld>
+  <p:clrMapOvr>
+    <a:masterClrMapping/>
+  </p:clrMapOvr>
+</p:notes>
+</file>
+
 <file path=ppt/slideLayouts/slideLayout1.xml><?xml version="1.0" encoding="utf-8"?>
 <p:sldLayout xmlns:a="http://schemas.openxmlformats.org/drawingml/2006/main" xmlns:r="http://schemas.openxmlformats.org/officeDocument/2006/relationships" xmlns:p="http://schemas.openxmlformats.org/presentationml/2006/main" showMasterSp="0" type="title" preserve="1">
   <p:cSld name="Title Slide">
@@ -631,7 +1556,7 @@
           <a:p>
             <a:fld id="{C95CED01-24E4-4C43-912C-6F6D3D954174}" type="datetimeFigureOut">
               <a:rPr lang="en-US" smtClean="0"/>
-              <a:t>10/29/2019</a:t>
+              <a:t>1/14/2020</a:t>
             </a:fld>
             <a:endParaRPr lang="en-US"/>
           </a:p>
@@ -3426,7 +4351,7 @@
           <a:p>
             <a:fld id="{C95CED01-24E4-4C43-912C-6F6D3D954174}" type="datetimeFigureOut">
               <a:rPr lang="en-US" smtClean="0"/>
-              <a:t>10/29/2019</a:t>
+              <a:t>1/14/2020</a:t>
             </a:fld>
             <a:endParaRPr lang="en-US"/>
           </a:p>
@@ -3847,7 +4772,7 @@
           <a:p>
             <a:fld id="{C95CED01-24E4-4C43-912C-6F6D3D954174}" type="datetimeFigureOut">
               <a:rPr lang="en-US" smtClean="0"/>
-              <a:t>10/29/2019</a:t>
+              <a:t>1/14/2020</a:t>
             </a:fld>
             <a:endParaRPr lang="en-US"/>
           </a:p>
@@ -4289,7 +5214,7 @@
           <a:p>
             <a:fld id="{C95CED01-24E4-4C43-912C-6F6D3D954174}" type="datetimeFigureOut">
               <a:rPr lang="en-US" smtClean="0"/>
-              <a:t>10/29/2019</a:t>
+              <a:t>1/14/2020</a:t>
             </a:fld>
             <a:endParaRPr lang="en-US"/>
           </a:p>
@@ -4422,7 +5347,7 @@
           <a:p>
             <a:fld id="{C95CED01-24E4-4C43-912C-6F6D3D954174}" type="datetimeFigureOut">
               <a:rPr lang="en-US" smtClean="0"/>
-              <a:t>10/29/2019</a:t>
+              <a:t>1/14/2020</a:t>
             </a:fld>
             <a:endParaRPr lang="en-US"/>
           </a:p>
@@ -4532,7 +5457,7 @@
           <a:p>
             <a:fld id="{C95CED01-24E4-4C43-912C-6F6D3D954174}" type="datetimeFigureOut">
               <a:rPr lang="en-US" smtClean="0"/>
-              <a:t>10/29/2019</a:t>
+              <a:t>1/14/2020</a:t>
             </a:fld>
             <a:endParaRPr lang="en-US"/>
           </a:p>
@@ -4678,7 +5603,7 @@
           <a:p>
             <a:fld id="{C95CED01-24E4-4C43-912C-6F6D3D954174}" type="datetimeFigureOut">
               <a:rPr lang="en-US" smtClean="0"/>
-              <a:t>10/29/2019</a:t>
+              <a:t>1/14/2020</a:t>
             </a:fld>
             <a:endParaRPr lang="en-US"/>
           </a:p>
@@ -5431,7 +6356,7 @@
           <a:p>
             <a:fld id="{C95CED01-24E4-4C43-912C-6F6D3D954174}" type="datetimeFigureOut">
               <a:rPr lang="en-US" smtClean="0"/>
-              <a:t>10/29/2019</a:t>
+              <a:t>1/14/2020</a:t>
             </a:fld>
             <a:endParaRPr lang="en-US"/>
           </a:p>
@@ -7590,6 +8515,1811 @@
 </p:sld>
 </file>
 
+<file path=ppt/slides/slide10.xml><?xml version="1.0" encoding="utf-8"?>
+<p:sld xmlns:a="http://schemas.openxmlformats.org/drawingml/2006/main" xmlns:r="http://schemas.openxmlformats.org/officeDocument/2006/relationships" xmlns:p="http://schemas.openxmlformats.org/presentationml/2006/main">
+  <p:cSld>
+    <p:spTree>
+      <p:nvGrpSpPr>
+        <p:cNvPr id="1" name=""/>
+        <p:cNvGrpSpPr/>
+        <p:nvPr/>
+      </p:nvGrpSpPr>
+      <p:grpSpPr>
+        <a:xfrm>
+          <a:off x="0" y="0"/>
+          <a:ext cx="0" cy="0"/>
+          <a:chOff x="0" y="0"/>
+          <a:chExt cx="0" cy="0"/>
+        </a:xfrm>
+      </p:grpSpPr>
+      <p:sp>
+        <p:nvSpPr>
+          <p:cNvPr id="2" name="Title 1"/>
+          <p:cNvSpPr>
+            <a:spLocks noGrp="1"/>
+          </p:cNvSpPr>
+          <p:nvPr>
+            <p:ph type="title"/>
+          </p:nvPr>
+        </p:nvSpPr>
+        <p:spPr/>
+        <p:txBody>
+          <a:bodyPr/>
+          <a:lstStyle/>
+          <a:p>
+            <a:r>
+              <a:rPr lang="en-US" dirty="0" smtClean="0"/>
+              <a:t>An introduction to water quality and traditional treatment technologies</a:t>
+            </a:r>
+            <a:endParaRPr lang="en-US" dirty="0"/>
+          </a:p>
+        </p:txBody>
+      </p:sp>
+      <p:sp>
+        <p:nvSpPr>
+          <p:cNvPr id="3" name="Content Placeholder 2"/>
+          <p:cNvSpPr>
+            <a:spLocks noGrp="1"/>
+          </p:cNvSpPr>
+          <p:nvPr>
+            <p:ph idx="1"/>
+          </p:nvPr>
+        </p:nvSpPr>
+        <p:spPr/>
+        <p:txBody>
+          <a:bodyPr/>
+          <a:lstStyle/>
+          <a:p>
+            <a:pPr marL="514350" indent="-514350">
+              <a:buFont typeface="+mj-lt"/>
+              <a:buAutoNum type="arabicPeriod"/>
+            </a:pPr>
+            <a:r>
+              <a:rPr lang="en-US" sz="1800" dirty="0" smtClean="0"/>
+              <a:t>Water </a:t>
+            </a:r>
+            <a:r>
+              <a:rPr lang="en-US" sz="1800" dirty="0"/>
+              <a:t>Quality Considerations</a:t>
+            </a:r>
+          </a:p>
+          <a:p>
+            <a:pPr marL="914400" lvl="1" indent="-514350">
+              <a:buFont typeface="+mj-lt"/>
+              <a:buAutoNum type="arabicPeriod"/>
+            </a:pPr>
+            <a:r>
+              <a:rPr lang="en-US" sz="1600" dirty="0" smtClean="0"/>
+              <a:t>EPA Primary &amp; Secondary MCL; State Primacy Enforcement (Chapter 1 – 4 )</a:t>
+            </a:r>
+          </a:p>
+          <a:p>
+            <a:pPr marL="914400" lvl="1" indent="-514350">
+              <a:buFont typeface="+mj-lt"/>
+              <a:buAutoNum type="arabicPeriod"/>
+            </a:pPr>
+            <a:r>
+              <a:rPr lang="en-US" sz="1600" dirty="0" smtClean="0"/>
+              <a:t>Unregulated Water Quality Issues (Chapter 1 – 4)</a:t>
+            </a:r>
+          </a:p>
+          <a:p>
+            <a:pPr marL="914400" lvl="1" indent="-514350">
+              <a:buFont typeface="+mj-lt"/>
+              <a:buAutoNum type="arabicPeriod"/>
+            </a:pPr>
+            <a:r>
+              <a:rPr lang="en-US" sz="1600" dirty="0" smtClean="0"/>
+              <a:t>Emerging </a:t>
+            </a:r>
+            <a:r>
+              <a:rPr lang="en-US" sz="1600" dirty="0"/>
+              <a:t>Contaminants (Chapter 4, 20)</a:t>
+            </a:r>
+          </a:p>
+          <a:p>
+            <a:pPr marL="514350" indent="-514350">
+              <a:buFont typeface="+mj-lt"/>
+              <a:buAutoNum type="arabicPeriod"/>
+            </a:pPr>
+            <a:r>
+              <a:rPr lang="en-US" sz="1800" dirty="0" smtClean="0"/>
+              <a:t>Conventional </a:t>
+            </a:r>
+            <a:r>
+              <a:rPr lang="en-US" sz="1800" dirty="0"/>
+              <a:t>Water Treatment Processes (focus on particles and pathogens)</a:t>
+            </a:r>
+          </a:p>
+          <a:p>
+            <a:pPr marL="914400" lvl="1" indent="-514350">
+              <a:buFont typeface="+mj-lt"/>
+              <a:buAutoNum type="arabicPeriod"/>
+            </a:pPr>
+            <a:r>
+              <a:rPr lang="en-US" sz="1600" dirty="0" smtClean="0"/>
+              <a:t>Screening</a:t>
+            </a:r>
+            <a:r>
+              <a:rPr lang="en-US" sz="1600" dirty="0"/>
+              <a:t>, Coagulation, Flocculation (Chapter 9)</a:t>
+            </a:r>
+          </a:p>
+          <a:p>
+            <a:pPr marL="914400" lvl="1" indent="-514350">
+              <a:buFont typeface="+mj-lt"/>
+              <a:buAutoNum type="arabicPeriod"/>
+            </a:pPr>
+            <a:r>
+              <a:rPr lang="en-US" sz="1600" dirty="0" smtClean="0"/>
+              <a:t>Sedimentation </a:t>
+            </a:r>
+            <a:r>
+              <a:rPr lang="en-US" sz="1600" dirty="0"/>
+              <a:t>(Chapter 10)</a:t>
+            </a:r>
+          </a:p>
+          <a:p>
+            <a:pPr marL="914400" lvl="1" indent="-514350">
+              <a:buFont typeface="+mj-lt"/>
+              <a:buAutoNum type="arabicPeriod"/>
+            </a:pPr>
+            <a:r>
+              <a:rPr lang="en-US" sz="1600" dirty="0" smtClean="0"/>
+              <a:t>Granular </a:t>
+            </a:r>
+            <a:r>
+              <a:rPr lang="en-US" sz="1600" dirty="0"/>
+              <a:t>Filtration (chapter 11)</a:t>
+            </a:r>
+          </a:p>
+          <a:p>
+            <a:pPr marL="914400" lvl="1" indent="-514350">
+              <a:buFont typeface="+mj-lt"/>
+              <a:buAutoNum type="arabicPeriod"/>
+            </a:pPr>
+            <a:r>
+              <a:rPr lang="en-US" sz="1600" dirty="0" smtClean="0"/>
+              <a:t>Membrane </a:t>
+            </a:r>
+            <a:r>
+              <a:rPr lang="en-US" sz="1600" dirty="0"/>
+              <a:t>Filtration (Chapter 12)</a:t>
+            </a:r>
+          </a:p>
+          <a:p>
+            <a:pPr marL="914400" lvl="1" indent="-514350">
+              <a:buFont typeface="+mj-lt"/>
+              <a:buAutoNum type="arabicPeriod"/>
+            </a:pPr>
+            <a:r>
+              <a:rPr lang="en-US" sz="1600" dirty="0" smtClean="0"/>
+              <a:t>Disinfection </a:t>
+            </a:r>
+            <a:r>
+              <a:rPr lang="en-US" sz="1600" dirty="0"/>
+              <a:t>(Chapter 13)</a:t>
+            </a:r>
+          </a:p>
+          <a:p>
+            <a:pPr marL="514350" indent="-514350">
+              <a:buFont typeface="+mj-lt"/>
+              <a:buAutoNum type="arabicPeriod"/>
+            </a:pPr>
+            <a:r>
+              <a:rPr lang="en-US" sz="1800" dirty="0" smtClean="0"/>
+              <a:t>Advanced </a:t>
+            </a:r>
+            <a:r>
+              <a:rPr lang="en-US" sz="1800" dirty="0"/>
+              <a:t>Treatment Technologies (focus on dissolved species and chemicals)</a:t>
+            </a:r>
+          </a:p>
+          <a:p>
+            <a:pPr marL="914400" lvl="1" indent="-514350">
+              <a:buFont typeface="+mj-lt"/>
+              <a:buAutoNum type="arabicPeriod"/>
+            </a:pPr>
+            <a:r>
+              <a:rPr lang="en-US" sz="1600" dirty="0" smtClean="0"/>
+              <a:t>Granular </a:t>
+            </a:r>
+            <a:r>
+              <a:rPr lang="en-US" sz="1600" dirty="0"/>
+              <a:t>Activated Carbon (Chapter 15)</a:t>
+            </a:r>
+          </a:p>
+          <a:p>
+            <a:pPr marL="914400" lvl="1" indent="-514350">
+              <a:buFont typeface="+mj-lt"/>
+              <a:buAutoNum type="arabicPeriod"/>
+            </a:pPr>
+            <a:r>
+              <a:rPr lang="en-US" sz="1600" dirty="0" smtClean="0"/>
+              <a:t>Ion </a:t>
+            </a:r>
+            <a:r>
+              <a:rPr lang="en-US" sz="1600" dirty="0"/>
+              <a:t>Exchange Resins (Chapter 16)</a:t>
+            </a:r>
+          </a:p>
+          <a:p>
+            <a:pPr marL="914400" lvl="1" indent="-514350">
+              <a:buFont typeface="+mj-lt"/>
+              <a:buAutoNum type="arabicPeriod"/>
+            </a:pPr>
+            <a:r>
+              <a:rPr lang="en-US" sz="1600" dirty="0" smtClean="0"/>
+              <a:t>High </a:t>
+            </a:r>
+            <a:r>
+              <a:rPr lang="en-US" sz="1600" dirty="0"/>
+              <a:t>Pressure Membranes (Chapter 17)</a:t>
+            </a:r>
+          </a:p>
+          <a:p>
+            <a:pPr marL="914400" lvl="1" indent="-514350">
+              <a:buFont typeface="+mj-lt"/>
+              <a:buAutoNum type="arabicPeriod"/>
+            </a:pPr>
+            <a:r>
+              <a:rPr lang="en-US" sz="1600" dirty="0" smtClean="0"/>
+              <a:t>Advanced </a:t>
+            </a:r>
+            <a:r>
+              <a:rPr lang="en-US" sz="1600" dirty="0"/>
+              <a:t>Oxidation Process (Chapter 18)</a:t>
+            </a:r>
+          </a:p>
+          <a:p>
+            <a:pPr marL="514350" indent="-514350">
+              <a:buFont typeface="+mj-lt"/>
+              <a:buAutoNum type="arabicPeriod"/>
+            </a:pPr>
+            <a:r>
+              <a:rPr lang="en-US" sz="1800" dirty="0" smtClean="0"/>
+              <a:t>Water </a:t>
+            </a:r>
+            <a:r>
+              <a:rPr lang="en-US" sz="1800" dirty="0"/>
+              <a:t>Treatment Process Design Procedure (Chapter 23)</a:t>
+            </a:r>
+          </a:p>
+        </p:txBody>
+      </p:sp>
+    </p:spTree>
+    <p:extLst>
+      <p:ext uri="{BB962C8B-B14F-4D97-AF65-F5344CB8AC3E}">
+        <p14:creationId xmlns:p14="http://schemas.microsoft.com/office/powerpoint/2010/main" val="2890413365"/>
+      </p:ext>
+    </p:extLst>
+  </p:cSld>
+  <p:clrMapOvr>
+    <a:masterClrMapping/>
+  </p:clrMapOvr>
+  <p:transition>
+    <p:fade/>
+  </p:transition>
+</p:sld>
+</file>
+
+<file path=ppt/slides/slide11.xml><?xml version="1.0" encoding="utf-8"?>
+<p:sld xmlns:a="http://schemas.openxmlformats.org/drawingml/2006/main" xmlns:r="http://schemas.openxmlformats.org/officeDocument/2006/relationships" xmlns:p="http://schemas.openxmlformats.org/presentationml/2006/main">
+  <p:cSld>
+    <p:spTree>
+      <p:nvGrpSpPr>
+        <p:cNvPr id="1" name=""/>
+        <p:cNvGrpSpPr/>
+        <p:nvPr/>
+      </p:nvGrpSpPr>
+      <p:grpSpPr>
+        <a:xfrm>
+          <a:off x="0" y="0"/>
+          <a:ext cx="0" cy="0"/>
+          <a:chOff x="0" y="0"/>
+          <a:chExt cx="0" cy="0"/>
+        </a:xfrm>
+      </p:grpSpPr>
+      <p:sp>
+        <p:nvSpPr>
+          <p:cNvPr id="2" name="Title 1"/>
+          <p:cNvSpPr>
+            <a:spLocks noGrp="1"/>
+          </p:cNvSpPr>
+          <p:nvPr>
+            <p:ph type="title"/>
+          </p:nvPr>
+        </p:nvSpPr>
+        <p:spPr/>
+        <p:txBody>
+          <a:bodyPr/>
+          <a:lstStyle/>
+          <a:p>
+            <a:r>
+              <a:rPr lang="en-US" dirty="0" smtClean="0"/>
+              <a:t>My experience with the predecessor of this course in 1985</a:t>
+            </a:r>
+            <a:endParaRPr lang="en-US" dirty="0"/>
+          </a:p>
+        </p:txBody>
+      </p:sp>
+      <p:sp>
+        <p:nvSpPr>
+          <p:cNvPr id="3" name="Content Placeholder 2"/>
+          <p:cNvSpPr>
+            <a:spLocks noGrp="1"/>
+          </p:cNvSpPr>
+          <p:nvPr>
+            <p:ph idx="1"/>
+          </p:nvPr>
+        </p:nvSpPr>
+        <p:spPr/>
+        <p:txBody>
+          <a:bodyPr/>
+          <a:lstStyle/>
+          <a:p>
+            <a:r>
+              <a:rPr lang="en-US" dirty="0" smtClean="0"/>
+              <a:t>I felt like I didn’t really know how to design any of the unit processes</a:t>
+            </a:r>
+          </a:p>
+          <a:p>
+            <a:r>
+              <a:rPr lang="en-US" dirty="0" smtClean="0"/>
+              <a:t>I certainly didn’t know what would happen if I tweaked the design</a:t>
+            </a:r>
+          </a:p>
+          <a:p>
+            <a:endParaRPr lang="en-US" dirty="0" smtClean="0"/>
+          </a:p>
+        </p:txBody>
+      </p:sp>
+    </p:spTree>
+    <p:extLst>
+      <p:ext uri="{BB962C8B-B14F-4D97-AF65-F5344CB8AC3E}">
+        <p14:creationId xmlns:p14="http://schemas.microsoft.com/office/powerpoint/2010/main" val="2197473658"/>
+      </p:ext>
+    </p:extLst>
+  </p:cSld>
+  <p:clrMapOvr>
+    <a:masterClrMapping/>
+  </p:clrMapOvr>
+  <p:transition>
+    <p:fade/>
+  </p:transition>
+</p:sld>
+</file>
+
+<file path=ppt/slides/slide12.xml><?xml version="1.0" encoding="utf-8"?>
+<p:sld xmlns:a="http://schemas.openxmlformats.org/drawingml/2006/main" xmlns:r="http://schemas.openxmlformats.org/officeDocument/2006/relationships" xmlns:p="http://schemas.openxmlformats.org/presentationml/2006/main">
+  <p:cSld>
+    <p:spTree>
+      <p:nvGrpSpPr>
+        <p:cNvPr id="1" name=""/>
+        <p:cNvGrpSpPr/>
+        <p:nvPr/>
+      </p:nvGrpSpPr>
+      <p:grpSpPr>
+        <a:xfrm>
+          <a:off x="0" y="0"/>
+          <a:ext cx="0" cy="0"/>
+          <a:chOff x="0" y="0"/>
+          <a:chExt cx="0" cy="0"/>
+        </a:xfrm>
+      </p:grpSpPr>
+      <p:sp>
+        <p:nvSpPr>
+          <p:cNvPr id="2" name="Title 1"/>
+          <p:cNvSpPr>
+            <a:spLocks noGrp="1"/>
+          </p:cNvSpPr>
+          <p:nvPr>
+            <p:ph type="title"/>
+          </p:nvPr>
+        </p:nvSpPr>
+        <p:spPr/>
+        <p:txBody>
+          <a:bodyPr/>
+          <a:lstStyle/>
+          <a:p>
+            <a:r>
+              <a:rPr lang="en-US" dirty="0" smtClean="0"/>
+              <a:t>How did I know that I didn’t know how to design???</a:t>
+            </a:r>
+            <a:endParaRPr lang="en-US" dirty="0"/>
+          </a:p>
+        </p:txBody>
+      </p:sp>
+      <p:sp>
+        <p:nvSpPr>
+          <p:cNvPr id="3" name="Content Placeholder 2"/>
+          <p:cNvSpPr>
+            <a:spLocks noGrp="1"/>
+          </p:cNvSpPr>
+          <p:nvPr>
+            <p:ph idx="1"/>
+          </p:nvPr>
+        </p:nvSpPr>
+        <p:spPr/>
+        <p:txBody>
+          <a:bodyPr/>
+          <a:lstStyle/>
+          <a:p>
+            <a:r>
+              <a:rPr lang="en-US" dirty="0" smtClean="0"/>
+              <a:t>Before I studied engineering I built furniture in a wood shop</a:t>
+            </a:r>
+          </a:p>
+          <a:p>
+            <a:r>
+              <a:rPr lang="en-US" dirty="0" smtClean="0"/>
+              <a:t>When you build things you quickly learn that there aren’t ANY dimensions that can be set to any value you want</a:t>
+            </a:r>
+          </a:p>
+          <a:p>
+            <a:r>
+              <a:rPr lang="en-US" dirty="0" smtClean="0"/>
+              <a:t>ALL DIMENSIONS MATTER</a:t>
+            </a:r>
+          </a:p>
+          <a:p>
+            <a:r>
+              <a:rPr lang="en-US" dirty="0" smtClean="0"/>
+              <a:t>So I learned how to design a flocculator…</a:t>
+            </a:r>
+            <a:endParaRPr lang="en-US" dirty="0"/>
+          </a:p>
+        </p:txBody>
+      </p:sp>
+    </p:spTree>
+    <p:extLst>
+      <p:ext uri="{BB962C8B-B14F-4D97-AF65-F5344CB8AC3E}">
+        <p14:creationId xmlns:p14="http://schemas.microsoft.com/office/powerpoint/2010/main" val="689059993"/>
+      </p:ext>
+    </p:extLst>
+  </p:cSld>
+  <p:clrMapOvr>
+    <a:masterClrMapping/>
+  </p:clrMapOvr>
+  <p:transition>
+    <p:fade/>
+  </p:transition>
+</p:sld>
+</file>
+
+<file path=ppt/slides/slide13.xml><?xml version="1.0" encoding="utf-8"?>
+<p:sld xmlns:a="http://schemas.openxmlformats.org/drawingml/2006/main" xmlns:r="http://schemas.openxmlformats.org/officeDocument/2006/relationships" xmlns:p="http://schemas.openxmlformats.org/presentationml/2006/main">
+  <p:cSld>
+    <p:spTree>
+      <p:nvGrpSpPr>
+        <p:cNvPr id="1" name=""/>
+        <p:cNvGrpSpPr/>
+        <p:nvPr/>
+      </p:nvGrpSpPr>
+      <p:grpSpPr>
+        <a:xfrm>
+          <a:off x="0" y="0"/>
+          <a:ext cx="0" cy="0"/>
+          <a:chOff x="0" y="0"/>
+          <a:chExt cx="0" cy="0"/>
+        </a:xfrm>
+      </p:grpSpPr>
+      <p:sp>
+        <p:nvSpPr>
+          <p:cNvPr id="2" name="Title 1"/>
+          <p:cNvSpPr>
+            <a:spLocks noGrp="1"/>
+          </p:cNvSpPr>
+          <p:nvPr>
+            <p:ph type="title"/>
+          </p:nvPr>
+        </p:nvSpPr>
+        <p:spPr/>
+        <p:txBody>
+          <a:bodyPr/>
+          <a:lstStyle/>
+          <a:p>
+            <a:r>
+              <a:rPr lang="en-US" dirty="0" smtClean="0"/>
+              <a:t>Flocculator design 101</a:t>
+            </a:r>
+            <a:endParaRPr lang="en-US" dirty="0"/>
+          </a:p>
+        </p:txBody>
+      </p:sp>
+      <p:sp>
+        <p:nvSpPr>
+          <p:cNvPr id="3" name="Content Placeholder 2"/>
+          <p:cNvSpPr>
+            <a:spLocks noGrp="1"/>
+          </p:cNvSpPr>
+          <p:nvPr>
+            <p:ph idx="1"/>
+          </p:nvPr>
+        </p:nvSpPr>
+        <p:spPr/>
+        <p:txBody>
+          <a:bodyPr/>
+          <a:lstStyle/>
+          <a:p>
+            <a:r>
+              <a:rPr lang="en-US" dirty="0" smtClean="0"/>
+              <a:t>30 minute residence time</a:t>
+            </a:r>
+          </a:p>
+          <a:p>
+            <a:r>
+              <a:rPr lang="en-US" dirty="0" smtClean="0"/>
+              <a:t>3 equal sized tanks (10 minutes each) with mixers in each flocculator</a:t>
+            </a:r>
+          </a:p>
+          <a:p>
+            <a:r>
+              <a:rPr lang="en-US" dirty="0" smtClean="0"/>
+              <a:t>3 different power inputs (tapered flocculation)</a:t>
+            </a:r>
+          </a:p>
+          <a:p>
+            <a:r>
+              <a:rPr lang="en-US" dirty="0" smtClean="0"/>
+              <a:t>Design flow (let’s take 1000 L/s)</a:t>
+            </a:r>
+          </a:p>
+          <a:p>
+            <a:r>
+              <a:rPr lang="en-US" dirty="0" smtClean="0"/>
+              <a:t>Maybe 2 treatment trains (500 L/s each)</a:t>
+            </a:r>
+          </a:p>
+          <a:p>
+            <a:r>
+              <a:rPr lang="en-US" dirty="0" smtClean="0"/>
+              <a:t>Each tank is 600 s * 500 L/s = 300,000 L = 300 cubic meters</a:t>
+            </a:r>
+          </a:p>
+          <a:p>
+            <a:r>
+              <a:rPr lang="en-US" dirty="0" smtClean="0"/>
+              <a:t>Random 6 m deep and 7x7 square</a:t>
+            </a:r>
+          </a:p>
+          <a:p>
+            <a:r>
+              <a:rPr lang="en-US" dirty="0" smtClean="0"/>
+              <a:t>Done</a:t>
+            </a:r>
+          </a:p>
+          <a:p>
+            <a:endParaRPr lang="en-US" dirty="0"/>
+          </a:p>
+        </p:txBody>
+      </p:sp>
+    </p:spTree>
+    <p:extLst>
+      <p:ext uri="{BB962C8B-B14F-4D97-AF65-F5344CB8AC3E}">
+        <p14:creationId xmlns:p14="http://schemas.microsoft.com/office/powerpoint/2010/main" val="632037147"/>
+      </p:ext>
+    </p:extLst>
+  </p:cSld>
+  <p:clrMapOvr>
+    <a:masterClrMapping/>
+  </p:clrMapOvr>
+  <p:transition>
+    <p:fade/>
+  </p:transition>
+</p:sld>
+</file>
+
+<file path=ppt/slides/slide14.xml><?xml version="1.0" encoding="utf-8"?>
+<p:sld xmlns:a="http://schemas.openxmlformats.org/drawingml/2006/main" xmlns:r="http://schemas.openxmlformats.org/officeDocument/2006/relationships" xmlns:p="http://schemas.openxmlformats.org/presentationml/2006/main">
+  <p:cSld>
+    <p:spTree>
+      <p:nvGrpSpPr>
+        <p:cNvPr id="1" name=""/>
+        <p:cNvGrpSpPr/>
+        <p:nvPr/>
+      </p:nvGrpSpPr>
+      <p:grpSpPr>
+        <a:xfrm>
+          <a:off x="0" y="0"/>
+          <a:ext cx="0" cy="0"/>
+          <a:chOff x="0" y="0"/>
+          <a:chExt cx="0" cy="0"/>
+        </a:xfrm>
+      </p:grpSpPr>
+      <p:sp>
+        <p:nvSpPr>
+          <p:cNvPr id="2" name="Title 1"/>
+          <p:cNvSpPr>
+            <a:spLocks noGrp="1"/>
+          </p:cNvSpPr>
+          <p:nvPr>
+            <p:ph type="title"/>
+          </p:nvPr>
+        </p:nvSpPr>
+        <p:spPr/>
+        <p:txBody>
+          <a:bodyPr/>
+          <a:lstStyle/>
+          <a:p>
+            <a:r>
+              <a:rPr lang="en-US" dirty="0" smtClean="0"/>
+              <a:t>The tanks each have 3 dimensions</a:t>
+            </a:r>
+            <a:br>
+              <a:rPr lang="en-US" dirty="0" smtClean="0"/>
+            </a:br>
+            <a:r>
+              <a:rPr lang="en-US" dirty="0" smtClean="0"/>
+              <a:t>I only knew the volume!</a:t>
+            </a:r>
+            <a:endParaRPr lang="en-US" dirty="0"/>
+          </a:p>
+        </p:txBody>
+      </p:sp>
+      <p:sp>
+        <p:nvSpPr>
+          <p:cNvPr id="3" name="Content Placeholder 2"/>
+          <p:cNvSpPr>
+            <a:spLocks noGrp="1"/>
+          </p:cNvSpPr>
+          <p:nvPr>
+            <p:ph idx="1"/>
+          </p:nvPr>
+        </p:nvSpPr>
+        <p:spPr/>
+        <p:txBody>
+          <a:bodyPr/>
+          <a:lstStyle/>
+          <a:p>
+            <a:r>
+              <a:rPr lang="en-US" dirty="0" smtClean="0"/>
+              <a:t>There were 2 more degrees of freedom</a:t>
+            </a:r>
+          </a:p>
+          <a:p>
+            <a:r>
+              <a:rPr lang="en-US" dirty="0" smtClean="0"/>
+              <a:t>How might those be selected in the real world?</a:t>
+            </a:r>
+            <a:endParaRPr lang="en-US" dirty="0"/>
+          </a:p>
+        </p:txBody>
+      </p:sp>
+    </p:spTree>
+    <p:extLst>
+      <p:ext uri="{BB962C8B-B14F-4D97-AF65-F5344CB8AC3E}">
+        <p14:creationId xmlns:p14="http://schemas.microsoft.com/office/powerpoint/2010/main" val="3994722882"/>
+      </p:ext>
+    </p:extLst>
+  </p:cSld>
+  <p:clrMapOvr>
+    <a:masterClrMapping/>
+  </p:clrMapOvr>
+  <p:transition>
+    <p:fade/>
+  </p:transition>
+</p:sld>
+</file>
+
+<file path=ppt/slides/slide15.xml><?xml version="1.0" encoding="utf-8"?>
+<p:sld xmlns:a="http://schemas.openxmlformats.org/drawingml/2006/main" xmlns:r="http://schemas.openxmlformats.org/officeDocument/2006/relationships" xmlns:p="http://schemas.openxmlformats.org/presentationml/2006/main">
+  <p:cSld>
+    <p:spTree>
+      <p:nvGrpSpPr>
+        <p:cNvPr id="1" name=""/>
+        <p:cNvGrpSpPr/>
+        <p:nvPr/>
+      </p:nvGrpSpPr>
+      <p:grpSpPr>
+        <a:xfrm>
+          <a:off x="0" y="0"/>
+          <a:ext cx="0" cy="0"/>
+          <a:chOff x="0" y="0"/>
+          <a:chExt cx="0" cy="0"/>
+        </a:xfrm>
+      </p:grpSpPr>
+      <p:sp>
+        <p:nvSpPr>
+          <p:cNvPr id="2" name="Title 1"/>
+          <p:cNvSpPr>
+            <a:spLocks noGrp="1"/>
+          </p:cNvSpPr>
+          <p:nvPr>
+            <p:ph type="title"/>
+          </p:nvPr>
+        </p:nvSpPr>
+        <p:spPr/>
+        <p:txBody>
+          <a:bodyPr/>
+          <a:lstStyle/>
+          <a:p>
+            <a:r>
+              <a:rPr lang="en-US" dirty="0" smtClean="0"/>
+              <a:t>Resources Matrix</a:t>
+            </a:r>
+            <a:endParaRPr lang="en-US" dirty="0"/>
+          </a:p>
+        </p:txBody>
+      </p:sp>
+      <p:sp>
+        <p:nvSpPr>
+          <p:cNvPr id="3" name="Content Placeholder 2"/>
+          <p:cNvSpPr>
+            <a:spLocks noGrp="1"/>
+          </p:cNvSpPr>
+          <p:nvPr>
+            <p:ph idx="1"/>
+          </p:nvPr>
+        </p:nvSpPr>
+        <p:spPr/>
+        <p:txBody>
+          <a:bodyPr/>
+          <a:lstStyle/>
+          <a:p>
+            <a:r>
+              <a:rPr lang="en-US" dirty="0" smtClean="0"/>
+              <a:t>We have multiple resources (and, of course, the internet)</a:t>
+            </a:r>
+          </a:p>
+          <a:p>
+            <a:pPr lvl="1"/>
+            <a:r>
+              <a:rPr lang="en-US" dirty="0" smtClean="0"/>
+              <a:t>MWH</a:t>
+            </a:r>
+          </a:p>
+          <a:p>
+            <a:pPr lvl="1"/>
+            <a:r>
+              <a:rPr lang="en-US" dirty="0" smtClean="0"/>
+              <a:t>AguaClara</a:t>
+            </a:r>
+          </a:p>
+          <a:p>
+            <a:pPr lvl="1"/>
+            <a:r>
+              <a:rPr lang="en-US" dirty="0" smtClean="0"/>
+              <a:t>Lectures given in a previous version of this course</a:t>
+            </a:r>
+          </a:p>
+          <a:p>
+            <a:pPr lvl="1"/>
+            <a:r>
+              <a:rPr lang="en-US" dirty="0" smtClean="0"/>
+              <a:t>EPA Water Treatability Database</a:t>
+            </a:r>
+          </a:p>
+          <a:p>
+            <a:endParaRPr lang="en-US" dirty="0"/>
+          </a:p>
+        </p:txBody>
+      </p:sp>
+    </p:spTree>
+    <p:extLst>
+      <p:ext uri="{BB962C8B-B14F-4D97-AF65-F5344CB8AC3E}">
+        <p14:creationId xmlns:p14="http://schemas.microsoft.com/office/powerpoint/2010/main" val="1206237552"/>
+      </p:ext>
+    </p:extLst>
+  </p:cSld>
+  <p:clrMapOvr>
+    <a:masterClrMapping/>
+  </p:clrMapOvr>
+  <p:transition>
+    <p:fade/>
+  </p:transition>
+</p:sld>
+</file>
+
+<file path=ppt/slides/slide16.xml><?xml version="1.0" encoding="utf-8"?>
+<p:sld xmlns:a="http://schemas.openxmlformats.org/drawingml/2006/main" xmlns:r="http://schemas.openxmlformats.org/officeDocument/2006/relationships" xmlns:p="http://schemas.openxmlformats.org/presentationml/2006/main">
+  <p:cSld>
+    <p:spTree>
+      <p:nvGrpSpPr>
+        <p:cNvPr id="1" name=""/>
+        <p:cNvGrpSpPr/>
+        <p:nvPr/>
+      </p:nvGrpSpPr>
+      <p:grpSpPr>
+        <a:xfrm>
+          <a:off x="0" y="0"/>
+          <a:ext cx="0" cy="0"/>
+          <a:chOff x="0" y="0"/>
+          <a:chExt cx="0" cy="0"/>
+        </a:xfrm>
+      </p:grpSpPr>
+      <p:sp>
+        <p:nvSpPr>
+          <p:cNvPr id="2" name="Title 1"/>
+          <p:cNvSpPr>
+            <a:spLocks noGrp="1"/>
+          </p:cNvSpPr>
+          <p:nvPr>
+            <p:ph type="title"/>
+          </p:nvPr>
+        </p:nvSpPr>
+        <p:spPr/>
+        <p:txBody>
+          <a:bodyPr/>
+          <a:lstStyle/>
+          <a:p>
+            <a:r>
+              <a:rPr lang="en-US" dirty="0" smtClean="0"/>
+              <a:t>How do consulting firms, construction firms, venders, municipalities (clients) create a project?</a:t>
+            </a:r>
+            <a:endParaRPr lang="en-US" dirty="0"/>
+          </a:p>
+        </p:txBody>
+      </p:sp>
+      <p:sp>
+        <p:nvSpPr>
+          <p:cNvPr id="3" name="Content Placeholder 2"/>
+          <p:cNvSpPr>
+            <a:spLocks noGrp="1"/>
+          </p:cNvSpPr>
+          <p:nvPr>
+            <p:ph idx="1"/>
+          </p:nvPr>
+        </p:nvSpPr>
+        <p:spPr/>
+        <p:txBody>
+          <a:bodyPr/>
+          <a:lstStyle/>
+          <a:p>
+            <a:endParaRPr lang="en-US" dirty="0"/>
+          </a:p>
+        </p:txBody>
+      </p:sp>
+    </p:spTree>
+    <p:extLst>
+      <p:ext uri="{BB962C8B-B14F-4D97-AF65-F5344CB8AC3E}">
+        <p14:creationId xmlns:p14="http://schemas.microsoft.com/office/powerpoint/2010/main" val="2545919832"/>
+      </p:ext>
+    </p:extLst>
+  </p:cSld>
+  <p:clrMapOvr>
+    <a:masterClrMapping/>
+  </p:clrMapOvr>
+  <p:transition>
+    <p:fade/>
+  </p:transition>
+</p:sld>
+</file>
+
+<file path=ppt/slides/slide17.xml><?xml version="1.0" encoding="utf-8"?>
+<p:sld xmlns:a="http://schemas.openxmlformats.org/drawingml/2006/main" xmlns:r="http://schemas.openxmlformats.org/officeDocument/2006/relationships" xmlns:p="http://schemas.openxmlformats.org/presentationml/2006/main">
+  <p:cSld>
+    <p:spTree>
+      <p:nvGrpSpPr>
+        <p:cNvPr id="1" name=""/>
+        <p:cNvGrpSpPr/>
+        <p:nvPr/>
+      </p:nvGrpSpPr>
+      <p:grpSpPr>
+        <a:xfrm>
+          <a:off x="0" y="0"/>
+          <a:ext cx="0" cy="0"/>
+          <a:chOff x="0" y="0"/>
+          <a:chExt cx="0" cy="0"/>
+        </a:xfrm>
+      </p:grpSpPr>
+      <p:sp>
+        <p:nvSpPr>
+          <p:cNvPr id="2" name="Title 1"/>
+          <p:cNvSpPr>
+            <a:spLocks noGrp="1"/>
+          </p:cNvSpPr>
+          <p:nvPr>
+            <p:ph type="title"/>
+          </p:nvPr>
+        </p:nvSpPr>
+        <p:spPr/>
+        <p:txBody>
+          <a:bodyPr/>
+          <a:lstStyle/>
+          <a:p>
+            <a:r>
+              <a:rPr lang="en-US" dirty="0"/>
+              <a:t>How do you </a:t>
+            </a:r>
+            <a:r>
+              <a:rPr lang="en-US" dirty="0" smtClean="0"/>
+              <a:t>skim and evaluate </a:t>
+            </a:r>
+            <a:r>
+              <a:rPr lang="en-US" dirty="0"/>
+              <a:t>the resources</a:t>
+            </a:r>
+            <a:r>
+              <a:rPr lang="en-US" dirty="0" smtClean="0"/>
+              <a:t>?</a:t>
+            </a:r>
+            <a:br>
+              <a:rPr lang="en-US" dirty="0" smtClean="0"/>
+            </a:br>
+            <a:r>
+              <a:rPr lang="en-US" dirty="0" smtClean="0"/>
+              <a:t>Skepticism!</a:t>
+            </a:r>
+            <a:endParaRPr lang="en-US" dirty="0"/>
+          </a:p>
+        </p:txBody>
+      </p:sp>
+      <p:sp>
+        <p:nvSpPr>
+          <p:cNvPr id="3" name="Content Placeholder 2"/>
+          <p:cNvSpPr>
+            <a:spLocks noGrp="1"/>
+          </p:cNvSpPr>
+          <p:nvPr>
+            <p:ph idx="1"/>
+          </p:nvPr>
+        </p:nvSpPr>
+        <p:spPr/>
+        <p:txBody>
+          <a:bodyPr/>
+          <a:lstStyle/>
+          <a:p>
+            <a:r>
+              <a:rPr lang="en-US" dirty="0" smtClean="0"/>
+              <a:t>Traditional explanations of rapid mix, flocculation, floc blankets, and sand filtration should be viewed with skepticism because none of those processes have been well understood</a:t>
+            </a:r>
+          </a:p>
+          <a:p>
+            <a:endParaRPr lang="en-US" dirty="0" smtClean="0"/>
+          </a:p>
+        </p:txBody>
+      </p:sp>
+    </p:spTree>
+    <p:extLst>
+      <p:ext uri="{BB962C8B-B14F-4D97-AF65-F5344CB8AC3E}">
+        <p14:creationId xmlns:p14="http://schemas.microsoft.com/office/powerpoint/2010/main" val="2393417721"/>
+      </p:ext>
+    </p:extLst>
+  </p:cSld>
+  <p:clrMapOvr>
+    <a:masterClrMapping/>
+  </p:clrMapOvr>
+  <p:transition>
+    <p:fade/>
+  </p:transition>
+</p:sld>
+</file>
+
+<file path=ppt/slides/slide18.xml><?xml version="1.0" encoding="utf-8"?>
+<p:sld xmlns:a="http://schemas.openxmlformats.org/drawingml/2006/main" xmlns:r="http://schemas.openxmlformats.org/officeDocument/2006/relationships" xmlns:p="http://schemas.openxmlformats.org/presentationml/2006/main">
+  <p:cSld>
+    <p:spTree>
+      <p:nvGrpSpPr>
+        <p:cNvPr id="1" name=""/>
+        <p:cNvGrpSpPr/>
+        <p:nvPr/>
+      </p:nvGrpSpPr>
+      <p:grpSpPr>
+        <a:xfrm>
+          <a:off x="0" y="0"/>
+          <a:ext cx="0" cy="0"/>
+          <a:chOff x="0" y="0"/>
+          <a:chExt cx="0" cy="0"/>
+        </a:xfrm>
+      </p:grpSpPr>
+      <p:sp>
+        <p:nvSpPr>
+          <p:cNvPr id="2" name="Title 1"/>
+          <p:cNvSpPr>
+            <a:spLocks noGrp="1"/>
+          </p:cNvSpPr>
+          <p:nvPr>
+            <p:ph type="title"/>
+          </p:nvPr>
+        </p:nvSpPr>
+        <p:spPr/>
+        <p:txBody>
+          <a:bodyPr/>
+          <a:lstStyle/>
+          <a:p>
+            <a:r>
+              <a:rPr lang="en-US" dirty="0" smtClean="0"/>
+              <a:t>Aware of what we know</a:t>
+            </a:r>
+            <a:endParaRPr lang="en-US" dirty="0"/>
+          </a:p>
+        </p:txBody>
+      </p:sp>
+      <p:cxnSp>
+        <p:nvCxnSpPr>
+          <p:cNvPr id="5" name="Straight Arrow Connector 4"/>
+          <p:cNvCxnSpPr/>
+          <p:nvPr/>
+        </p:nvCxnSpPr>
+        <p:spPr>
+          <a:xfrm>
+            <a:off x="3775934" y="6142613"/>
+            <a:ext cx="4572000" cy="0"/>
+          </a:xfrm>
+          <a:prstGeom prst="straightConnector1">
+            <a:avLst/>
+          </a:prstGeom>
+          <a:ln w="38100">
+            <a:headEnd type="none" w="med" len="med"/>
+            <a:tailEnd type="arrow" w="med" len="med"/>
+          </a:ln>
+        </p:spPr>
+        <p:style>
+          <a:lnRef idx="1">
+            <a:schemeClr val="accent1"/>
+          </a:lnRef>
+          <a:fillRef idx="0">
+            <a:schemeClr val="accent1"/>
+          </a:fillRef>
+          <a:effectRef idx="0">
+            <a:schemeClr val="accent1"/>
+          </a:effectRef>
+          <a:fontRef idx="minor">
+            <a:schemeClr val="tx1"/>
+          </a:fontRef>
+        </p:style>
+      </p:cxnSp>
+      <p:cxnSp>
+        <p:nvCxnSpPr>
+          <p:cNvPr id="8" name="Straight Arrow Connector 7"/>
+          <p:cNvCxnSpPr/>
+          <p:nvPr/>
+        </p:nvCxnSpPr>
+        <p:spPr>
+          <a:xfrm flipH="1" flipV="1">
+            <a:off x="3775934" y="1570613"/>
+            <a:ext cx="0" cy="4572000"/>
+          </a:xfrm>
+          <a:prstGeom prst="straightConnector1">
+            <a:avLst/>
+          </a:prstGeom>
+          <a:ln w="38100">
+            <a:headEnd type="none" w="med" len="med"/>
+            <a:tailEnd type="arrow" w="med" len="med"/>
+          </a:ln>
+        </p:spPr>
+        <p:style>
+          <a:lnRef idx="1">
+            <a:schemeClr val="accent1"/>
+          </a:lnRef>
+          <a:fillRef idx="0">
+            <a:schemeClr val="accent1"/>
+          </a:fillRef>
+          <a:effectRef idx="0">
+            <a:schemeClr val="accent1"/>
+          </a:effectRef>
+          <a:fontRef idx="minor">
+            <a:schemeClr val="tx1"/>
+          </a:fontRef>
+        </p:style>
+      </p:cxnSp>
+      <p:sp>
+        <p:nvSpPr>
+          <p:cNvPr id="10" name="TextBox 9"/>
+          <p:cNvSpPr txBox="1"/>
+          <p:nvPr/>
+        </p:nvSpPr>
+        <p:spPr>
+          <a:xfrm>
+            <a:off x="4267693" y="2000919"/>
+            <a:ext cx="1133644" cy="646331"/>
+          </a:xfrm>
+          <a:prstGeom prst="rect">
+            <a:avLst/>
+          </a:prstGeom>
+          <a:noFill/>
+        </p:spPr>
+        <p:txBody>
+          <a:bodyPr wrap="none" rtlCol="0">
+            <a:spAutoFit/>
+          </a:bodyPr>
+          <a:lstStyle/>
+          <a:p>
+            <a:r>
+              <a:rPr lang="en-US" dirty="0" smtClean="0">
+                <a:solidFill>
+                  <a:schemeClr val="accent1">
+                    <a:lumMod val="60000"/>
+                    <a:lumOff val="40000"/>
+                  </a:schemeClr>
+                </a:solidFill>
+              </a:rPr>
+              <a:t>Unknown</a:t>
+            </a:r>
+          </a:p>
+          <a:p>
+            <a:r>
+              <a:rPr lang="en-US" dirty="0" smtClean="0">
+                <a:solidFill>
+                  <a:srgbClr val="00B050"/>
+                </a:solidFill>
+              </a:rPr>
+              <a:t>Knowns</a:t>
+            </a:r>
+            <a:endParaRPr lang="en-US" dirty="0">
+              <a:solidFill>
+                <a:srgbClr val="00B050"/>
+              </a:solidFill>
+            </a:endParaRPr>
+          </a:p>
+        </p:txBody>
+      </p:sp>
+      <p:sp>
+        <p:nvSpPr>
+          <p:cNvPr id="11" name="TextBox 10"/>
+          <p:cNvSpPr txBox="1"/>
+          <p:nvPr/>
+        </p:nvSpPr>
+        <p:spPr>
+          <a:xfrm rot="16200000">
+            <a:off x="1703902" y="3671947"/>
+            <a:ext cx="3467616" cy="369332"/>
+          </a:xfrm>
+          <a:prstGeom prst="rect">
+            <a:avLst/>
+          </a:prstGeom>
+          <a:noFill/>
+        </p:spPr>
+        <p:txBody>
+          <a:bodyPr wrap="none" rtlCol="0">
+            <a:spAutoFit/>
+          </a:bodyPr>
+          <a:lstStyle/>
+          <a:p>
+            <a:r>
+              <a:rPr lang="en-US" dirty="0" smtClean="0">
+                <a:solidFill>
+                  <a:srgbClr val="00B050"/>
+                </a:solidFill>
+              </a:rPr>
+              <a:t>Unknown – (Knowledge) - Known</a:t>
+            </a:r>
+            <a:endParaRPr lang="en-US" dirty="0">
+              <a:solidFill>
+                <a:srgbClr val="00B050"/>
+              </a:solidFill>
+            </a:endParaRPr>
+          </a:p>
+        </p:txBody>
+      </p:sp>
+      <p:sp>
+        <p:nvSpPr>
+          <p:cNvPr id="12" name="TextBox 11"/>
+          <p:cNvSpPr txBox="1"/>
+          <p:nvPr/>
+        </p:nvSpPr>
+        <p:spPr>
+          <a:xfrm>
+            <a:off x="4441608" y="6226827"/>
+            <a:ext cx="3304431" cy="369332"/>
+          </a:xfrm>
+          <a:prstGeom prst="rect">
+            <a:avLst/>
+          </a:prstGeom>
+          <a:noFill/>
+        </p:spPr>
+        <p:txBody>
+          <a:bodyPr wrap="none" rtlCol="0">
+            <a:spAutoFit/>
+          </a:bodyPr>
+          <a:lstStyle/>
+          <a:p>
+            <a:r>
+              <a:rPr lang="en-US" dirty="0" smtClean="0">
+                <a:solidFill>
+                  <a:schemeClr val="tx2">
+                    <a:lumMod val="50000"/>
+                    <a:lumOff val="50000"/>
+                  </a:schemeClr>
+                </a:solidFill>
+              </a:rPr>
+              <a:t>Unaware – (Awareness) - Aware</a:t>
+            </a:r>
+            <a:endParaRPr lang="en-US" dirty="0">
+              <a:solidFill>
+                <a:schemeClr val="tx2">
+                  <a:lumMod val="50000"/>
+                  <a:lumOff val="50000"/>
+                </a:schemeClr>
+              </a:solidFill>
+            </a:endParaRPr>
+          </a:p>
+        </p:txBody>
+      </p:sp>
+      <p:sp>
+        <p:nvSpPr>
+          <p:cNvPr id="13" name="TextBox 12"/>
+          <p:cNvSpPr txBox="1"/>
+          <p:nvPr/>
+        </p:nvSpPr>
+        <p:spPr>
+          <a:xfrm>
+            <a:off x="4441608" y="4788942"/>
+            <a:ext cx="1196161" cy="646331"/>
+          </a:xfrm>
+          <a:prstGeom prst="rect">
+            <a:avLst/>
+          </a:prstGeom>
+          <a:noFill/>
+        </p:spPr>
+        <p:txBody>
+          <a:bodyPr wrap="none" rtlCol="0">
+            <a:spAutoFit/>
+          </a:bodyPr>
+          <a:lstStyle/>
+          <a:p>
+            <a:r>
+              <a:rPr lang="en-US" dirty="0" smtClean="0">
+                <a:solidFill>
+                  <a:schemeClr val="accent1">
+                    <a:lumMod val="60000"/>
+                    <a:lumOff val="40000"/>
+                  </a:schemeClr>
+                </a:solidFill>
+              </a:rPr>
+              <a:t>Unknown</a:t>
+            </a:r>
+          </a:p>
+          <a:p>
+            <a:r>
+              <a:rPr lang="en-US" dirty="0" smtClean="0">
+                <a:solidFill>
+                  <a:srgbClr val="00B050"/>
+                </a:solidFill>
+              </a:rPr>
+              <a:t>unknowns</a:t>
+            </a:r>
+            <a:endParaRPr lang="en-US" dirty="0">
+              <a:solidFill>
+                <a:srgbClr val="00B050"/>
+              </a:solidFill>
+            </a:endParaRPr>
+          </a:p>
+        </p:txBody>
+      </p:sp>
+      <p:sp>
+        <p:nvSpPr>
+          <p:cNvPr id="14" name="TextBox 13"/>
+          <p:cNvSpPr txBox="1"/>
+          <p:nvPr/>
+        </p:nvSpPr>
+        <p:spPr>
+          <a:xfrm>
+            <a:off x="6906901" y="4788941"/>
+            <a:ext cx="1196161" cy="646331"/>
+          </a:xfrm>
+          <a:prstGeom prst="rect">
+            <a:avLst/>
+          </a:prstGeom>
+          <a:noFill/>
+        </p:spPr>
+        <p:txBody>
+          <a:bodyPr wrap="none" rtlCol="0">
+            <a:spAutoFit/>
+          </a:bodyPr>
+          <a:lstStyle/>
+          <a:p>
+            <a:r>
+              <a:rPr lang="en-US" dirty="0" smtClean="0">
+                <a:solidFill>
+                  <a:schemeClr val="accent1">
+                    <a:lumMod val="60000"/>
+                    <a:lumOff val="40000"/>
+                  </a:schemeClr>
+                </a:solidFill>
+              </a:rPr>
+              <a:t>Known</a:t>
+            </a:r>
+          </a:p>
+          <a:p>
+            <a:r>
+              <a:rPr lang="en-US" dirty="0" smtClean="0">
+                <a:solidFill>
+                  <a:srgbClr val="00B050"/>
+                </a:solidFill>
+              </a:rPr>
+              <a:t>unknowns</a:t>
+            </a:r>
+            <a:endParaRPr lang="en-US" dirty="0">
+              <a:solidFill>
+                <a:srgbClr val="00B050"/>
+              </a:solidFill>
+            </a:endParaRPr>
+          </a:p>
+        </p:txBody>
+      </p:sp>
+      <p:sp>
+        <p:nvSpPr>
+          <p:cNvPr id="15" name="TextBox 14"/>
+          <p:cNvSpPr txBox="1"/>
+          <p:nvPr/>
+        </p:nvSpPr>
+        <p:spPr>
+          <a:xfrm>
+            <a:off x="6906900" y="2000918"/>
+            <a:ext cx="971741" cy="646331"/>
+          </a:xfrm>
+          <a:prstGeom prst="rect">
+            <a:avLst/>
+          </a:prstGeom>
+          <a:noFill/>
+        </p:spPr>
+        <p:txBody>
+          <a:bodyPr wrap="none" rtlCol="0">
+            <a:spAutoFit/>
+          </a:bodyPr>
+          <a:lstStyle/>
+          <a:p>
+            <a:r>
+              <a:rPr lang="en-US" dirty="0" smtClean="0">
+                <a:solidFill>
+                  <a:schemeClr val="accent1">
+                    <a:lumMod val="60000"/>
+                    <a:lumOff val="40000"/>
+                  </a:schemeClr>
+                </a:solidFill>
+              </a:rPr>
+              <a:t>Known</a:t>
+            </a:r>
+          </a:p>
+          <a:p>
+            <a:r>
+              <a:rPr lang="en-US" dirty="0" smtClean="0">
+                <a:solidFill>
+                  <a:srgbClr val="00B050"/>
+                </a:solidFill>
+              </a:rPr>
+              <a:t>Knowns</a:t>
+            </a:r>
+            <a:endParaRPr lang="en-US" dirty="0">
+              <a:solidFill>
+                <a:srgbClr val="00B050"/>
+              </a:solidFill>
+            </a:endParaRPr>
+          </a:p>
+        </p:txBody>
+      </p:sp>
+      <p:sp>
+        <p:nvSpPr>
+          <p:cNvPr id="18" name="TextBox 17"/>
+          <p:cNvSpPr txBox="1"/>
+          <p:nvPr/>
+        </p:nvSpPr>
+        <p:spPr>
+          <a:xfrm>
+            <a:off x="4152182" y="3157454"/>
+            <a:ext cx="1775012" cy="1754326"/>
+          </a:xfrm>
+          <a:prstGeom prst="rect">
+            <a:avLst/>
+          </a:prstGeom>
+          <a:noFill/>
+        </p:spPr>
+        <p:txBody>
+          <a:bodyPr wrap="square" rtlCol="0">
+            <a:spAutoFit/>
+          </a:bodyPr>
+          <a:lstStyle/>
+          <a:p>
+            <a:r>
+              <a:rPr lang="en-US" dirty="0" smtClean="0"/>
+              <a:t>Things that we think we understand that we don’t actually understand</a:t>
+            </a:r>
+            <a:endParaRPr lang="en-US" dirty="0"/>
+          </a:p>
+        </p:txBody>
+      </p:sp>
+    </p:spTree>
+    <p:extLst>
+      <p:ext uri="{BB962C8B-B14F-4D97-AF65-F5344CB8AC3E}">
+        <p14:creationId xmlns:p14="http://schemas.microsoft.com/office/powerpoint/2010/main" val="1394858923"/>
+      </p:ext>
+    </p:extLst>
+  </p:cSld>
+  <p:clrMapOvr>
+    <a:masterClrMapping/>
+  </p:clrMapOvr>
+  <p:transition>
+    <p:fade/>
+  </p:transition>
+  <p:timing>
+    <p:tnLst>
+      <p:par>
+        <p:cTn id="1" dur="indefinite" restart="never" nodeType="tmRoot"/>
+      </p:par>
+    </p:tnLst>
+  </p:timing>
+</p:sld>
+</file>
+
+<file path=ppt/slides/slide19.xml><?xml version="1.0" encoding="utf-8"?>
+<p:sld xmlns:a="http://schemas.openxmlformats.org/drawingml/2006/main" xmlns:r="http://schemas.openxmlformats.org/officeDocument/2006/relationships" xmlns:p="http://schemas.openxmlformats.org/presentationml/2006/main">
+  <p:cSld>
+    <p:spTree>
+      <p:nvGrpSpPr>
+        <p:cNvPr id="1" name=""/>
+        <p:cNvGrpSpPr/>
+        <p:nvPr/>
+      </p:nvGrpSpPr>
+      <p:grpSpPr>
+        <a:xfrm>
+          <a:off x="0" y="0"/>
+          <a:ext cx="0" cy="0"/>
+          <a:chOff x="0" y="0"/>
+          <a:chExt cx="0" cy="0"/>
+        </a:xfrm>
+      </p:grpSpPr>
+      <p:sp>
+        <p:nvSpPr>
+          <p:cNvPr id="2" name="Title 1"/>
+          <p:cNvSpPr>
+            <a:spLocks noGrp="1"/>
+          </p:cNvSpPr>
+          <p:nvPr>
+            <p:ph type="title"/>
+          </p:nvPr>
+        </p:nvSpPr>
+        <p:spPr/>
+        <p:txBody>
+          <a:bodyPr/>
+          <a:lstStyle/>
+          <a:p>
+            <a:r>
+              <a:rPr lang="en-US" dirty="0" smtClean="0"/>
+              <a:t>What I thought I knew</a:t>
+            </a:r>
+            <a:endParaRPr lang="en-US" dirty="0"/>
+          </a:p>
+        </p:txBody>
+      </p:sp>
+      <p:cxnSp>
+        <p:nvCxnSpPr>
+          <p:cNvPr id="5" name="Straight Arrow Connector 4"/>
+          <p:cNvCxnSpPr/>
+          <p:nvPr/>
+        </p:nvCxnSpPr>
+        <p:spPr>
+          <a:xfrm>
+            <a:off x="3775934" y="6142613"/>
+            <a:ext cx="4572000" cy="0"/>
+          </a:xfrm>
+          <a:prstGeom prst="straightConnector1">
+            <a:avLst/>
+          </a:prstGeom>
+          <a:ln w="38100">
+            <a:headEnd type="none" w="med" len="med"/>
+            <a:tailEnd type="arrow" w="med" len="med"/>
+          </a:ln>
+        </p:spPr>
+        <p:style>
+          <a:lnRef idx="1">
+            <a:schemeClr val="accent1"/>
+          </a:lnRef>
+          <a:fillRef idx="0">
+            <a:schemeClr val="accent1"/>
+          </a:fillRef>
+          <a:effectRef idx="0">
+            <a:schemeClr val="accent1"/>
+          </a:effectRef>
+          <a:fontRef idx="minor">
+            <a:schemeClr val="tx1"/>
+          </a:fontRef>
+        </p:style>
+      </p:cxnSp>
+      <p:cxnSp>
+        <p:nvCxnSpPr>
+          <p:cNvPr id="8" name="Straight Arrow Connector 7"/>
+          <p:cNvCxnSpPr/>
+          <p:nvPr/>
+        </p:nvCxnSpPr>
+        <p:spPr>
+          <a:xfrm flipH="1" flipV="1">
+            <a:off x="3775934" y="1570613"/>
+            <a:ext cx="0" cy="4572000"/>
+          </a:xfrm>
+          <a:prstGeom prst="straightConnector1">
+            <a:avLst/>
+          </a:prstGeom>
+          <a:ln w="38100">
+            <a:headEnd type="none" w="med" len="med"/>
+            <a:tailEnd type="arrow" w="med" len="med"/>
+          </a:ln>
+        </p:spPr>
+        <p:style>
+          <a:lnRef idx="1">
+            <a:schemeClr val="accent1"/>
+          </a:lnRef>
+          <a:fillRef idx="0">
+            <a:schemeClr val="accent1"/>
+          </a:fillRef>
+          <a:effectRef idx="0">
+            <a:schemeClr val="accent1"/>
+          </a:effectRef>
+          <a:fontRef idx="minor">
+            <a:schemeClr val="tx1"/>
+          </a:fontRef>
+        </p:style>
+      </p:cxnSp>
+      <p:sp>
+        <p:nvSpPr>
+          <p:cNvPr id="11" name="TextBox 10"/>
+          <p:cNvSpPr txBox="1"/>
+          <p:nvPr/>
+        </p:nvSpPr>
+        <p:spPr>
+          <a:xfrm rot="16200000">
+            <a:off x="1703902" y="3671947"/>
+            <a:ext cx="3467616" cy="369332"/>
+          </a:xfrm>
+          <a:prstGeom prst="rect">
+            <a:avLst/>
+          </a:prstGeom>
+          <a:noFill/>
+        </p:spPr>
+        <p:txBody>
+          <a:bodyPr wrap="none" rtlCol="0">
+            <a:spAutoFit/>
+          </a:bodyPr>
+          <a:lstStyle/>
+          <a:p>
+            <a:r>
+              <a:rPr lang="en-US" dirty="0" smtClean="0">
+                <a:solidFill>
+                  <a:srgbClr val="00B050"/>
+                </a:solidFill>
+              </a:rPr>
+              <a:t>Unknown – (Knowledge) - Known</a:t>
+            </a:r>
+            <a:endParaRPr lang="en-US" dirty="0">
+              <a:solidFill>
+                <a:srgbClr val="00B050"/>
+              </a:solidFill>
+            </a:endParaRPr>
+          </a:p>
+        </p:txBody>
+      </p:sp>
+      <p:sp>
+        <p:nvSpPr>
+          <p:cNvPr id="12" name="TextBox 11"/>
+          <p:cNvSpPr txBox="1"/>
+          <p:nvPr/>
+        </p:nvSpPr>
+        <p:spPr>
+          <a:xfrm>
+            <a:off x="4441608" y="6226827"/>
+            <a:ext cx="3304431" cy="369332"/>
+          </a:xfrm>
+          <a:prstGeom prst="rect">
+            <a:avLst/>
+          </a:prstGeom>
+          <a:noFill/>
+        </p:spPr>
+        <p:txBody>
+          <a:bodyPr wrap="none" rtlCol="0">
+            <a:spAutoFit/>
+          </a:bodyPr>
+          <a:lstStyle/>
+          <a:p>
+            <a:r>
+              <a:rPr lang="en-US" dirty="0" smtClean="0">
+                <a:solidFill>
+                  <a:schemeClr val="tx2">
+                    <a:lumMod val="50000"/>
+                    <a:lumOff val="50000"/>
+                  </a:schemeClr>
+                </a:solidFill>
+              </a:rPr>
+              <a:t>Unaware – (Awareness) - Aware</a:t>
+            </a:r>
+            <a:endParaRPr lang="en-US" dirty="0">
+              <a:solidFill>
+                <a:schemeClr val="tx2">
+                  <a:lumMod val="50000"/>
+                  <a:lumOff val="50000"/>
+                </a:schemeClr>
+              </a:solidFill>
+            </a:endParaRPr>
+          </a:p>
+        </p:txBody>
+      </p:sp>
+      <p:sp>
+        <p:nvSpPr>
+          <p:cNvPr id="13" name="TextBox 12"/>
+          <p:cNvSpPr txBox="1"/>
+          <p:nvPr/>
+        </p:nvSpPr>
+        <p:spPr>
+          <a:xfrm>
+            <a:off x="6664855" y="2050976"/>
+            <a:ext cx="1765554" cy="923330"/>
+          </a:xfrm>
+          <a:prstGeom prst="rect">
+            <a:avLst/>
+          </a:prstGeom>
+          <a:noFill/>
+        </p:spPr>
+        <p:txBody>
+          <a:bodyPr wrap="square" rtlCol="0">
+            <a:spAutoFit/>
+          </a:bodyPr>
+          <a:lstStyle/>
+          <a:p>
+            <a:pPr algn="ctr"/>
+            <a:r>
+              <a:rPr lang="en-US" dirty="0" smtClean="0"/>
+              <a:t>Flocculation is charge neutralization</a:t>
+            </a:r>
+            <a:endParaRPr lang="en-US" dirty="0"/>
+          </a:p>
+        </p:txBody>
+      </p:sp>
+      <p:sp>
+        <p:nvSpPr>
+          <p:cNvPr id="15" name="TextBox 14"/>
+          <p:cNvSpPr txBox="1"/>
+          <p:nvPr/>
+        </p:nvSpPr>
+        <p:spPr>
+          <a:xfrm>
+            <a:off x="6582380" y="4577012"/>
+            <a:ext cx="1765554" cy="1200329"/>
+          </a:xfrm>
+          <a:prstGeom prst="rect">
+            <a:avLst/>
+          </a:prstGeom>
+          <a:noFill/>
+        </p:spPr>
+        <p:txBody>
+          <a:bodyPr wrap="square" rtlCol="0">
+            <a:spAutoFit/>
+          </a:bodyPr>
+          <a:lstStyle/>
+          <a:p>
+            <a:pPr algn="ctr"/>
+            <a:r>
+              <a:rPr lang="en-US" dirty="0" smtClean="0"/>
+              <a:t>Observations are inconsistent with charge neutralization</a:t>
+            </a:r>
+            <a:endParaRPr lang="en-US" dirty="0"/>
+          </a:p>
+        </p:txBody>
+      </p:sp>
+    </p:spTree>
+    <p:extLst>
+      <p:ext uri="{BB962C8B-B14F-4D97-AF65-F5344CB8AC3E}">
+        <p14:creationId xmlns:p14="http://schemas.microsoft.com/office/powerpoint/2010/main" val="3400308796"/>
+      </p:ext>
+    </p:extLst>
+  </p:cSld>
+  <p:clrMapOvr>
+    <a:masterClrMapping/>
+  </p:clrMapOvr>
+  <p:transition>
+    <p:fade/>
+  </p:transition>
+  <p:timing>
+    <p:tnLst>
+      <p:par>
+        <p:cTn id="1" dur="indefinite" restart="never" nodeType="tmRoot">
+          <p:childTnLst>
+            <p:seq concurrent="1" nextAc="seek">
+              <p:cTn id="2" dur="indefinite" nodeType="mainSeq">
+                <p:childTnLst>
+                  <p:par>
+                    <p:cTn id="3" fill="hold">
+                      <p:stCondLst>
+                        <p:cond delay="indefinite"/>
+                      </p:stCondLst>
+                      <p:childTnLst>
+                        <p:par>
+                          <p:cTn id="4" fill="hold">
+                            <p:stCondLst>
+                              <p:cond delay="0"/>
+                            </p:stCondLst>
+                            <p:childTnLst>
+                              <p:par>
+                                <p:cTn id="5" presetID="1" presetClass="entr" presetSubtype="0" fill="hold" grpId="0" nodeType="clickEffect">
+                                  <p:stCondLst>
+                                    <p:cond delay="0"/>
+                                  </p:stCondLst>
+                                  <p:childTnLst>
+                                    <p:set>
+                                      <p:cBhvr>
+                                        <p:cTn id="6" dur="1" fill="hold">
+                                          <p:stCondLst>
+                                            <p:cond delay="0"/>
+                                          </p:stCondLst>
+                                        </p:cTn>
+                                        <p:tgtEl>
+                                          <p:spTgt spid="15"/>
+                                        </p:tgtEl>
+                                        <p:attrNameLst>
+                                          <p:attrName>style.visibility</p:attrName>
+                                        </p:attrNameLst>
+                                      </p:cBhvr>
+                                      <p:to>
+                                        <p:strVal val="visible"/>
+                                      </p:to>
+                                    </p:set>
+                                  </p:childTnLst>
+                                </p:cTn>
+                              </p:par>
+                            </p:childTnLst>
+                          </p:cTn>
+                        </p:par>
+                      </p:childTnLst>
+                    </p:cTn>
+                  </p:par>
+                  <p:par>
+                    <p:cTn id="7" fill="hold">
+                      <p:stCondLst>
+                        <p:cond delay="indefinite"/>
+                      </p:stCondLst>
+                      <p:childTnLst>
+                        <p:par>
+                          <p:cTn id="8" fill="hold">
+                            <p:stCondLst>
+                              <p:cond delay="0"/>
+                            </p:stCondLst>
+                            <p:childTnLst>
+                              <p:par>
+                                <p:cTn id="9" presetID="42" presetClass="path" presetSubtype="0" accel="50000" decel="50000" fill="hold" grpId="0" nodeType="clickEffect">
+                                  <p:stCondLst>
+                                    <p:cond delay="0"/>
+                                  </p:stCondLst>
+                                  <p:childTnLst>
+                                    <p:animMotion origin="layout" path="M -4.16667E-7 4.81481E-6 L -0.20963 0.38495 " pathEditMode="relative" rAng="0" ptsTypes="AA">
+                                      <p:cBhvr>
+                                        <p:cTn id="10" dur="2000" fill="hold"/>
+                                        <p:tgtEl>
+                                          <p:spTgt spid="13"/>
+                                        </p:tgtEl>
+                                        <p:attrNameLst>
+                                          <p:attrName>ppt_x</p:attrName>
+                                          <p:attrName>ppt_y</p:attrName>
+                                        </p:attrNameLst>
+                                      </p:cBhvr>
+                                      <p:rCtr x="-10482" y="19236"/>
+                                    </p:animMotion>
+                                  </p:childTnLst>
+                                </p:cTn>
+                              </p:par>
+                            </p:childTnLst>
+                          </p:cTn>
+                        </p:par>
+                      </p:childTnLst>
+                    </p:cTn>
+                  </p:par>
+                </p:childTnLst>
+              </p:cTn>
+              <p:prevCondLst>
+                <p:cond evt="onPrev" delay="0">
+                  <p:tgtEl>
+                    <p:sldTgt/>
+                  </p:tgtEl>
+                </p:cond>
+              </p:prevCondLst>
+              <p:nextCondLst>
+                <p:cond evt="onNext" delay="0">
+                  <p:tgtEl>
+                    <p:sldTgt/>
+                  </p:tgtEl>
+                </p:cond>
+              </p:nextCondLst>
+            </p:seq>
+          </p:childTnLst>
+        </p:cTn>
+      </p:par>
+    </p:tnLst>
+    <p:bldLst>
+      <p:bldP spid="13" grpId="0"/>
+      <p:bldP spid="15" grpId="0"/>
+    </p:bldLst>
+  </p:timing>
+</p:sld>
+</file>
+
 <file path=ppt/slides/slide2.xml><?xml version="1.0" encoding="utf-8"?>
 <p:sld xmlns:a="http://schemas.openxmlformats.org/drawingml/2006/main" xmlns:r="http://schemas.openxmlformats.org/officeDocument/2006/relationships" xmlns:p="http://schemas.openxmlformats.org/presentationml/2006/main">
   <p:cSld>
@@ -7669,7 +10399,7 @@
 </p:sld>
 </file>
 
-<file path=ppt/slides/slide3.xml><?xml version="1.0" encoding="utf-8"?>
+<file path=ppt/slides/slide20.xml><?xml version="1.0" encoding="utf-8"?>
 <p:sld xmlns:a="http://schemas.openxmlformats.org/drawingml/2006/main" xmlns:r="http://schemas.openxmlformats.org/officeDocument/2006/relationships" xmlns:p="http://schemas.openxmlformats.org/presentationml/2006/main">
   <p:cSld>
     <p:spTree>
@@ -7703,50 +10433,429 @@
           <a:p>
             <a:r>
               <a:rPr lang="en-US" dirty="0" smtClean="0"/>
-              <a:t>Water Treatment</a:t>
+              <a:t>Aware of what I know</a:t>
             </a:r>
             <a:endParaRPr lang="en-US" dirty="0"/>
           </a:p>
         </p:txBody>
       </p:sp>
-      <p:sp>
-        <p:nvSpPr>
-          <p:cNvPr id="3" name="Content Placeholder 2"/>
-          <p:cNvSpPr>
-            <a:spLocks noGrp="1"/>
-          </p:cNvSpPr>
-          <p:nvPr>
-            <p:ph idx="1"/>
-          </p:nvPr>
-        </p:nvSpPr>
-        <p:spPr/>
-        <p:txBody>
-          <a:bodyPr/>
+      <p:cxnSp>
+        <p:nvCxnSpPr>
+          <p:cNvPr id="5" name="Straight Arrow Connector 4"/>
+          <p:cNvCxnSpPr/>
+          <p:nvPr/>
+        </p:nvCxnSpPr>
+        <p:spPr>
+          <a:xfrm>
+            <a:off x="3775934" y="6142613"/>
+            <a:ext cx="4572000" cy="0"/>
+          </a:xfrm>
+          <a:prstGeom prst="straightConnector1">
+            <a:avLst/>
+          </a:prstGeom>
+          <a:ln w="38100">
+            <a:headEnd type="none" w="med" len="med"/>
+            <a:tailEnd type="arrow" w="med" len="med"/>
+          </a:ln>
+        </p:spPr>
+        <p:style>
+          <a:lnRef idx="1">
+            <a:schemeClr val="accent1"/>
+          </a:lnRef>
+          <a:fillRef idx="0">
+            <a:schemeClr val="accent1"/>
+          </a:fillRef>
+          <a:effectRef idx="0">
+            <a:schemeClr val="accent1"/>
+          </a:effectRef>
+          <a:fontRef idx="minor">
+            <a:schemeClr val="tx1"/>
+          </a:fontRef>
+        </p:style>
+      </p:cxnSp>
+      <p:cxnSp>
+        <p:nvCxnSpPr>
+          <p:cNvPr id="8" name="Straight Arrow Connector 7"/>
+          <p:cNvCxnSpPr/>
+          <p:nvPr/>
+        </p:nvCxnSpPr>
+        <p:spPr>
+          <a:xfrm flipH="1" flipV="1">
+            <a:off x="3775934" y="1570613"/>
+            <a:ext cx="0" cy="4572000"/>
+          </a:xfrm>
+          <a:prstGeom prst="straightConnector1">
+            <a:avLst/>
+          </a:prstGeom>
+          <a:ln w="38100">
+            <a:headEnd type="none" w="med" len="med"/>
+            <a:tailEnd type="arrow" w="med" len="med"/>
+          </a:ln>
+        </p:spPr>
+        <p:style>
+          <a:lnRef idx="1">
+            <a:schemeClr val="accent1"/>
+          </a:lnRef>
+          <a:fillRef idx="0">
+            <a:schemeClr val="accent1"/>
+          </a:fillRef>
+          <a:effectRef idx="0">
+            <a:schemeClr val="accent1"/>
+          </a:effectRef>
+          <a:fontRef idx="minor">
+            <a:schemeClr val="tx1"/>
+          </a:fontRef>
+        </p:style>
+      </p:cxnSp>
+      <p:sp>
+        <p:nvSpPr>
+          <p:cNvPr id="11" name="TextBox 10"/>
+          <p:cNvSpPr txBox="1"/>
+          <p:nvPr/>
+        </p:nvSpPr>
+        <p:spPr>
+          <a:xfrm rot="16200000">
+            <a:off x="1703902" y="3671947"/>
+            <a:ext cx="3467616" cy="369332"/>
+          </a:xfrm>
+          <a:prstGeom prst="rect">
+            <a:avLst/>
+          </a:prstGeom>
+          <a:noFill/>
+        </p:spPr>
+        <p:txBody>
+          <a:bodyPr wrap="none" rtlCol="0">
+            <a:spAutoFit/>
+          </a:bodyPr>
           <a:lstStyle/>
           <a:p>
             <a:r>
+              <a:rPr lang="en-US" dirty="0" smtClean="0">
+                <a:solidFill>
+                  <a:srgbClr val="00B050"/>
+                </a:solidFill>
+              </a:rPr>
+              <a:t>Unknown – (Knowledge) - Known</a:t>
+            </a:r>
+            <a:endParaRPr lang="en-US" dirty="0">
+              <a:solidFill>
+                <a:srgbClr val="00B050"/>
+              </a:solidFill>
+            </a:endParaRPr>
+          </a:p>
+        </p:txBody>
+      </p:sp>
+      <p:sp>
+        <p:nvSpPr>
+          <p:cNvPr id="12" name="TextBox 11"/>
+          <p:cNvSpPr txBox="1"/>
+          <p:nvPr/>
+        </p:nvSpPr>
+        <p:spPr>
+          <a:xfrm>
+            <a:off x="4441608" y="6226827"/>
+            <a:ext cx="3304431" cy="369332"/>
+          </a:xfrm>
+          <a:prstGeom prst="rect">
+            <a:avLst/>
+          </a:prstGeom>
+          <a:noFill/>
+        </p:spPr>
+        <p:txBody>
+          <a:bodyPr wrap="none" rtlCol="0">
+            <a:spAutoFit/>
+          </a:bodyPr>
+          <a:lstStyle/>
+          <a:p>
+            <a:r>
+              <a:rPr lang="en-US" dirty="0" smtClean="0">
+                <a:solidFill>
+                  <a:schemeClr val="tx2">
+                    <a:lumMod val="50000"/>
+                    <a:lumOff val="50000"/>
+                  </a:schemeClr>
+                </a:solidFill>
+              </a:rPr>
+              <a:t>Unaware – (Awareness) - Aware</a:t>
+            </a:r>
+            <a:endParaRPr lang="en-US" dirty="0">
+              <a:solidFill>
+                <a:schemeClr val="tx2">
+                  <a:lumMod val="50000"/>
+                  <a:lumOff val="50000"/>
+                </a:schemeClr>
+              </a:solidFill>
+            </a:endParaRPr>
+          </a:p>
+        </p:txBody>
+      </p:sp>
+      <p:sp>
+        <p:nvSpPr>
+          <p:cNvPr id="16" name="TextBox 15"/>
+          <p:cNvSpPr txBox="1"/>
+          <p:nvPr/>
+        </p:nvSpPr>
+        <p:spPr>
+          <a:xfrm>
+            <a:off x="4296380" y="4715512"/>
+            <a:ext cx="1765554" cy="923330"/>
+          </a:xfrm>
+          <a:prstGeom prst="rect">
+            <a:avLst/>
+          </a:prstGeom>
+          <a:noFill/>
+        </p:spPr>
+        <p:txBody>
+          <a:bodyPr wrap="square" rtlCol="0">
+            <a:spAutoFit/>
+          </a:bodyPr>
+          <a:lstStyle/>
+          <a:p>
+            <a:pPr algn="ctr"/>
+            <a:r>
               <a:rPr lang="en-US" dirty="0" smtClean="0"/>
-              <a:t>With a focus on physical chemical processes</a:t>
-            </a:r>
-          </a:p>
-          <a:p>
+              <a:t>Flocculation is charge neutralization</a:t>
+            </a:r>
+            <a:endParaRPr lang="en-US" dirty="0"/>
+          </a:p>
+        </p:txBody>
+      </p:sp>
+      <p:sp>
+        <p:nvSpPr>
+          <p:cNvPr id="17" name="TextBox 16"/>
+          <p:cNvSpPr txBox="1"/>
+          <p:nvPr/>
+        </p:nvSpPr>
+        <p:spPr>
+          <a:xfrm>
+            <a:off x="6582380" y="4577012"/>
+            <a:ext cx="1765554" cy="1200329"/>
+          </a:xfrm>
+          <a:prstGeom prst="rect">
+            <a:avLst/>
+          </a:prstGeom>
+          <a:noFill/>
+        </p:spPr>
+        <p:txBody>
+          <a:bodyPr wrap="square" rtlCol="0">
+            <a:spAutoFit/>
+          </a:bodyPr>
+          <a:lstStyle/>
+          <a:p>
+            <a:pPr algn="ctr"/>
             <a:r>
               <a:rPr lang="en-US" dirty="0" smtClean="0"/>
-              <a:t>For water that might be destined for municipal drinking water or injection into an aquifer, or return to a pristine lake</a:t>
-            </a:r>
-          </a:p>
-          <a:p>
+              <a:t>Observations are inconsistent with charge neutralization</a:t>
+            </a:r>
+            <a:endParaRPr lang="en-US" dirty="0"/>
+          </a:p>
+        </p:txBody>
+      </p:sp>
+      <p:sp>
+        <p:nvSpPr>
+          <p:cNvPr id="18" name="TextBox 17"/>
+          <p:cNvSpPr txBox="1"/>
+          <p:nvPr/>
+        </p:nvSpPr>
+        <p:spPr>
+          <a:xfrm>
+            <a:off x="6582380" y="2122805"/>
+            <a:ext cx="1765554" cy="923330"/>
+          </a:xfrm>
+          <a:prstGeom prst="rect">
+            <a:avLst/>
+          </a:prstGeom>
+          <a:noFill/>
+        </p:spPr>
+        <p:txBody>
+          <a:bodyPr wrap="square" rtlCol="0">
+            <a:spAutoFit/>
+          </a:bodyPr>
+          <a:lstStyle/>
+          <a:p>
+            <a:pPr algn="ctr"/>
             <a:r>
               <a:rPr lang="en-US" dirty="0" smtClean="0"/>
-              <a:t>Working with an engineering firm in the United States</a:t>
-            </a:r>
+              <a:t>New flocculation model</a:t>
+            </a:r>
+            <a:endParaRPr lang="en-US" dirty="0"/>
+          </a:p>
+        </p:txBody>
+      </p:sp>
+      <p:cxnSp>
+        <p:nvCxnSpPr>
+          <p:cNvPr id="19" name="Straight Arrow Connector 18"/>
+          <p:cNvCxnSpPr>
+            <a:endCxn id="17" idx="1"/>
+          </p:cNvCxnSpPr>
+          <p:nvPr/>
+        </p:nvCxnSpPr>
+        <p:spPr>
+          <a:xfrm>
+            <a:off x="6093823" y="5177176"/>
+            <a:ext cx="488557" cy="1"/>
+          </a:xfrm>
+          <a:prstGeom prst="straightConnector1">
+            <a:avLst/>
+          </a:prstGeom>
+          <a:ln w="38100">
+            <a:headEnd type="none" w="med" len="med"/>
+            <a:tailEnd type="arrow" w="med" len="med"/>
+          </a:ln>
+        </p:spPr>
+        <p:style>
+          <a:lnRef idx="1">
+            <a:schemeClr val="accent1"/>
+          </a:lnRef>
+          <a:fillRef idx="0">
+            <a:schemeClr val="accent1"/>
+          </a:fillRef>
+          <a:effectRef idx="0">
+            <a:schemeClr val="accent1"/>
+          </a:effectRef>
+          <a:fontRef idx="minor">
+            <a:schemeClr val="tx1"/>
+          </a:fontRef>
+        </p:style>
+      </p:cxnSp>
+      <p:cxnSp>
+        <p:nvCxnSpPr>
+          <p:cNvPr id="20" name="Straight Arrow Connector 19"/>
+          <p:cNvCxnSpPr>
+            <a:endCxn id="18" idx="2"/>
+          </p:cNvCxnSpPr>
+          <p:nvPr/>
+        </p:nvCxnSpPr>
+        <p:spPr>
+          <a:xfrm flipV="1">
+            <a:off x="7465156" y="3046135"/>
+            <a:ext cx="1" cy="1523271"/>
+          </a:xfrm>
+          <a:prstGeom prst="straightConnector1">
+            <a:avLst/>
+          </a:prstGeom>
+          <a:ln w="38100">
+            <a:headEnd type="none" w="med" len="med"/>
+            <a:tailEnd type="arrow" w="med" len="med"/>
+          </a:ln>
+        </p:spPr>
+        <p:style>
+          <a:lnRef idx="1">
+            <a:schemeClr val="accent1"/>
+          </a:lnRef>
+          <a:fillRef idx="0">
+            <a:schemeClr val="accent1"/>
+          </a:fillRef>
+          <a:effectRef idx="0">
+            <a:schemeClr val="accent1"/>
+          </a:effectRef>
+          <a:fontRef idx="minor">
+            <a:schemeClr val="tx1"/>
+          </a:fontRef>
+        </p:style>
+      </p:cxnSp>
+      <p:sp>
+        <p:nvSpPr>
+          <p:cNvPr id="22" name="Freeform 21"/>
+          <p:cNvSpPr/>
+          <p:nvPr/>
+        </p:nvSpPr>
+        <p:spPr>
+          <a:xfrm>
+            <a:off x="5088367" y="2506530"/>
+            <a:ext cx="2223230" cy="2571078"/>
+          </a:xfrm>
+          <a:custGeom>
+            <a:avLst/>
+            <a:gdLst>
+              <a:gd name="connsiteX0" fmla="*/ 1753497 w 2377440"/>
+              <a:gd name="connsiteY0" fmla="*/ 75304 h 2474259"/>
+              <a:gd name="connsiteX1" fmla="*/ 0 w 2377440"/>
+              <a:gd name="connsiteY1" fmla="*/ 2474259 h 2474259"/>
+              <a:gd name="connsiteX2" fmla="*/ 2355925 w 2377440"/>
+              <a:gd name="connsiteY2" fmla="*/ 2409713 h 2474259"/>
+              <a:gd name="connsiteX3" fmla="*/ 2377440 w 2377440"/>
+              <a:gd name="connsiteY3" fmla="*/ 0 h 2474259"/>
+              <a:gd name="connsiteX0" fmla="*/ 2121619 w 2377440"/>
+              <a:gd name="connsiteY0" fmla="*/ 127067 h 2474259"/>
+              <a:gd name="connsiteX1" fmla="*/ 0 w 2377440"/>
+              <a:gd name="connsiteY1" fmla="*/ 2474259 h 2474259"/>
+              <a:gd name="connsiteX2" fmla="*/ 2355925 w 2377440"/>
+              <a:gd name="connsiteY2" fmla="*/ 2409713 h 2474259"/>
+              <a:gd name="connsiteX3" fmla="*/ 2377440 w 2377440"/>
+              <a:gd name="connsiteY3" fmla="*/ 0 h 2474259"/>
+            </a:gdLst>
+            <a:ahLst/>
+            <a:cxnLst>
+              <a:cxn ang="0">
+                <a:pos x="connsiteX0" y="connsiteY0"/>
+              </a:cxn>
+              <a:cxn ang="0">
+                <a:pos x="connsiteX1" y="connsiteY1"/>
+              </a:cxn>
+              <a:cxn ang="0">
+                <a:pos x="connsiteX2" y="connsiteY2"/>
+              </a:cxn>
+              <a:cxn ang="0">
+                <a:pos x="connsiteX3" y="connsiteY3"/>
+              </a:cxn>
+            </a:cxnLst>
+            <a:rect l="l" t="t" r="r" b="b"/>
+            <a:pathLst>
+              <a:path w="2377440" h="2474259">
+                <a:moveTo>
+                  <a:pt x="2121619" y="127067"/>
+                </a:moveTo>
+                <a:lnTo>
+                  <a:pt x="0" y="2474259"/>
+                </a:lnTo>
+                <a:lnTo>
+                  <a:pt x="2355925" y="2409713"/>
+                </a:lnTo>
+                <a:lnTo>
+                  <a:pt x="2377440" y="0"/>
+                </a:lnTo>
+              </a:path>
+            </a:pathLst>
+          </a:custGeom>
+          <a:noFill/>
+          <a:ln w="38100">
+            <a:solidFill>
+              <a:srgbClr val="FF0000"/>
+            </a:solidFill>
+            <a:headEnd type="none" w="med" len="med"/>
+            <a:tailEnd type="triangle" w="med" len="med"/>
+          </a:ln>
+        </p:spPr>
+        <p:style>
+          <a:lnRef idx="2">
+            <a:schemeClr val="accent1">
+              <a:shade val="50000"/>
+            </a:schemeClr>
+          </a:lnRef>
+          <a:fillRef idx="1">
+            <a:schemeClr val="accent1"/>
+          </a:fillRef>
+          <a:effectRef idx="0">
+            <a:schemeClr val="accent1"/>
+          </a:effectRef>
+          <a:fontRef idx="minor">
+            <a:schemeClr val="lt1"/>
+          </a:fontRef>
+        </p:style>
+        <p:txBody>
+          <a:bodyPr rtlCol="0" anchor="ctr"/>
+          <a:lstStyle/>
+          <a:p>
+            <a:pPr algn="ctr"/>
+            <a:endParaRPr lang="en-US"/>
           </a:p>
         </p:txBody>
       </p:sp>
     </p:spTree>
     <p:extLst>
       <p:ext uri="{BB962C8B-B14F-4D97-AF65-F5344CB8AC3E}">
-        <p14:creationId xmlns:p14="http://schemas.microsoft.com/office/powerpoint/2010/main" val="1491593011"/>
+        <p14:creationId xmlns:p14="http://schemas.microsoft.com/office/powerpoint/2010/main" val="560856155"/>
       </p:ext>
     </p:extLst>
   </p:cSld>
@@ -7756,10 +10865,17 @@
   <p:transition>
     <p:fade/>
   </p:transition>
+  <p:timing>
+    <p:tnLst>
+      <p:par>
+        <p:cTn id="1" dur="indefinite" restart="never" nodeType="tmRoot"/>
+      </p:par>
+    </p:tnLst>
+  </p:timing>
 </p:sld>
 </file>
 
-<file path=ppt/slides/slide4.xml><?xml version="1.0" encoding="utf-8"?>
+<file path=ppt/slides/slide21.xml><?xml version="1.0" encoding="utf-8"?>
 <p:sld xmlns:a="http://schemas.openxmlformats.org/drawingml/2006/main" xmlns:r="http://schemas.openxmlformats.org/officeDocument/2006/relationships" xmlns:p="http://schemas.openxmlformats.org/presentationml/2006/main">
   <p:cSld>
     <p:spTree>
@@ -7793,7 +10909,7 @@
           <a:p>
             <a:r>
               <a:rPr lang="en-US" dirty="0" smtClean="0"/>
-              <a:t>An introduction to water quality and traditional treatment technologies</a:t>
+              <a:t>Reflections</a:t>
             </a:r>
             <a:endParaRPr lang="en-US" dirty="0"/>
           </a:p>
@@ -7814,179 +10930,26 @@
           <a:bodyPr/>
           <a:lstStyle/>
           <a:p>
-            <a:pPr marL="514350" indent="-514350">
-              <a:buFont typeface="+mj-lt"/>
-              <a:buAutoNum type="arabicPeriod"/>
-            </a:pPr>
             <a:r>
               <a:rPr lang="en-US" dirty="0" smtClean="0"/>
-              <a:t>Water </a:t>
-            </a:r>
-            <a:r>
-              <a:rPr lang="en-US" dirty="0"/>
-              <a:t>Quality Considerations</a:t>
-            </a:r>
-          </a:p>
-          <a:p>
-            <a:pPr marL="914400" lvl="1" indent="-514350">
-              <a:buFont typeface="+mj-lt"/>
-              <a:buAutoNum type="arabicPeriod"/>
-            </a:pPr>
+              <a:t>What is something that you were confident that you knew that you then realized was incorrect?</a:t>
+            </a:r>
+          </a:p>
+          <a:p>
             <a:r>
               <a:rPr lang="en-US" dirty="0" smtClean="0"/>
-              <a:t>EPA Primary &amp; Secondary MCL; State Primacy Enforcement (Chapter 1 – 4 )</a:t>
-            </a:r>
-          </a:p>
-          <a:p>
-            <a:pPr marL="914400" lvl="1" indent="-514350">
-              <a:buFont typeface="+mj-lt"/>
-              <a:buAutoNum type="arabicPeriod"/>
-            </a:pPr>
-            <a:r>
-              <a:rPr lang="en-US" dirty="0" smtClean="0"/>
-              <a:t>Unregulated Water Quality Issues (Chapter 1 – 4)</a:t>
-            </a:r>
-          </a:p>
-          <a:p>
-            <a:pPr marL="914400" lvl="1" indent="-514350">
-              <a:buFont typeface="+mj-lt"/>
-              <a:buAutoNum type="arabicPeriod"/>
-            </a:pPr>
-            <a:r>
-              <a:rPr lang="en-US" dirty="0" smtClean="0"/>
-              <a:t>Emerging </a:t>
-            </a:r>
-            <a:r>
-              <a:rPr lang="en-US" dirty="0"/>
-              <a:t>Contaminants (Chapter 4, 20)</a:t>
-            </a:r>
-          </a:p>
-          <a:p>
-            <a:pPr marL="514350" indent="-514350">
-              <a:buFont typeface="+mj-lt"/>
-              <a:buAutoNum type="arabicPeriod"/>
-            </a:pPr>
-            <a:r>
-              <a:rPr lang="en-US" dirty="0"/>
-              <a:t>2. Conventional Water Treatment Processes (focus on particles and pathogens)</a:t>
-            </a:r>
-          </a:p>
-          <a:p>
-            <a:pPr marL="914400" lvl="1" indent="-514350">
-              <a:buFont typeface="+mj-lt"/>
-              <a:buAutoNum type="arabicPeriod"/>
-            </a:pPr>
-            <a:r>
-              <a:rPr lang="en-US" dirty="0"/>
-              <a:t>a. Screening, Coagulation, Flocculation (Chapter 9)</a:t>
-            </a:r>
-          </a:p>
-          <a:p>
-            <a:pPr marL="914400" lvl="1" indent="-514350">
-              <a:buFont typeface="+mj-lt"/>
-              <a:buAutoNum type="arabicPeriod"/>
-            </a:pPr>
-            <a:r>
-              <a:rPr lang="en-US" dirty="0"/>
-              <a:t>b. Sedimentation (Chapter 10)</a:t>
-            </a:r>
-          </a:p>
-          <a:p>
-            <a:pPr marL="914400" lvl="1" indent="-514350">
-              <a:buFont typeface="+mj-lt"/>
-              <a:buAutoNum type="arabicPeriod"/>
-            </a:pPr>
-            <a:r>
-              <a:rPr lang="en-US" dirty="0"/>
-              <a:t>c. Granular Filtration (chapter 11)</a:t>
-            </a:r>
-          </a:p>
-          <a:p>
-            <a:pPr marL="914400" lvl="1" indent="-514350">
-              <a:buFont typeface="+mj-lt"/>
-              <a:buAutoNum type="arabicPeriod"/>
-            </a:pPr>
-            <a:r>
-              <a:rPr lang="en-US" dirty="0"/>
-              <a:t>d. Membrane Filtration (Chapter 12)</a:t>
-            </a:r>
-          </a:p>
-          <a:p>
-            <a:pPr marL="914400" lvl="1" indent="-514350">
-              <a:buFont typeface="+mj-lt"/>
-              <a:buAutoNum type="arabicPeriod"/>
-            </a:pPr>
-            <a:r>
-              <a:rPr lang="en-US" dirty="0"/>
-              <a:t>e. Disinfection (Chapter 13)</a:t>
-            </a:r>
-          </a:p>
-          <a:p>
-            <a:pPr marL="514350" indent="-514350">
-              <a:buFont typeface="+mj-lt"/>
-              <a:buAutoNum type="arabicPeriod"/>
-            </a:pPr>
-            <a:r>
-              <a:rPr lang="en-US" dirty="0"/>
-              <a:t>3. Advanced Treatment Technologies (focus on dissolved species and chemicals)</a:t>
-            </a:r>
-          </a:p>
-          <a:p>
-            <a:pPr marL="914400" lvl="1" indent="-514350">
-              <a:buFont typeface="+mj-lt"/>
-              <a:buAutoNum type="arabicPeriod"/>
-            </a:pPr>
-            <a:r>
-              <a:rPr lang="en-US" dirty="0"/>
-              <a:t>a. Granular Activated Carbon (Chapter 15)</a:t>
-            </a:r>
-          </a:p>
-          <a:p>
-            <a:pPr marL="914400" lvl="1" indent="-514350">
-              <a:buFont typeface="+mj-lt"/>
-              <a:buAutoNum type="arabicPeriod"/>
-            </a:pPr>
-            <a:r>
-              <a:rPr lang="en-US" dirty="0"/>
-              <a:t>b. Ion Exchange Resins (Chapter 16)</a:t>
-            </a:r>
-          </a:p>
-          <a:p>
-            <a:pPr marL="914400" lvl="1" indent="-514350">
-              <a:buFont typeface="+mj-lt"/>
-              <a:buAutoNum type="arabicPeriod"/>
-            </a:pPr>
-            <a:r>
-              <a:rPr lang="en-US" dirty="0"/>
-              <a:t>c. High Pressure Membranes (Chapter 17)</a:t>
-            </a:r>
-          </a:p>
-          <a:p>
-            <a:pPr marL="914400" lvl="1" indent="-514350">
-              <a:buFont typeface="+mj-lt"/>
-              <a:buAutoNum type="arabicPeriod"/>
-            </a:pPr>
-            <a:r>
-              <a:rPr lang="en-US" dirty="0"/>
-              <a:t>d. Advanced Oxidation Process (Chapter 18)</a:t>
-            </a:r>
-          </a:p>
-          <a:p>
-            <a:pPr marL="514350" indent="-514350">
-              <a:buFont typeface="+mj-lt"/>
-              <a:buAutoNum type="arabicPeriod"/>
-            </a:pPr>
-            <a:r>
-              <a:rPr lang="en-US" dirty="0"/>
-              <a:t>4. Water Treatment Process Design Procedure (Chapter 23)</a:t>
-            </a:r>
+              <a:t>What helped you realize your mistake?</a:t>
+            </a:r>
+          </a:p>
+          <a:p>
+            <a:endParaRPr lang="en-US" dirty="0"/>
           </a:p>
         </p:txBody>
       </p:sp>
     </p:spTree>
     <p:extLst>
       <p:ext uri="{BB962C8B-B14F-4D97-AF65-F5344CB8AC3E}">
-        <p14:creationId xmlns:p14="http://schemas.microsoft.com/office/powerpoint/2010/main" val="2890413365"/>
+        <p14:creationId xmlns:p14="http://schemas.microsoft.com/office/powerpoint/2010/main" val="2217987363"/>
       </p:ext>
     </p:extLst>
   </p:cSld>
@@ -7996,10 +10959,17 @@
   <p:transition>
     <p:fade/>
   </p:transition>
+  <p:timing>
+    <p:tnLst>
+      <p:par>
+        <p:cTn id="1" dur="indefinite" restart="never" nodeType="tmRoot"/>
+      </p:par>
+    </p:tnLst>
+  </p:timing>
 </p:sld>
 </file>
 
-<file path=ppt/slides/slide5.xml><?xml version="1.0" encoding="utf-8"?>
+<file path=ppt/slides/slide22.xml><?xml version="1.0" encoding="utf-8"?>
 <p:sld xmlns:a="http://schemas.openxmlformats.org/drawingml/2006/main" xmlns:r="http://schemas.openxmlformats.org/officeDocument/2006/relationships" xmlns:p="http://schemas.openxmlformats.org/presentationml/2006/main">
   <p:cSld>
     <p:spTree>
@@ -8033,6 +11003,142 @@
           <a:p>
             <a:r>
               <a:rPr lang="en-US" dirty="0" smtClean="0"/>
+              <a:t>Signs that we are still figuring it out…</a:t>
+            </a:r>
+            <a:endParaRPr lang="en-US" dirty="0"/>
+          </a:p>
+        </p:txBody>
+      </p:sp>
+      <p:sp>
+        <p:nvSpPr>
+          <p:cNvPr id="3" name="Content Placeholder 2"/>
+          <p:cNvSpPr>
+            <a:spLocks noGrp="1"/>
+          </p:cNvSpPr>
+          <p:nvPr>
+            <p:ph idx="1"/>
+          </p:nvPr>
+        </p:nvSpPr>
+        <p:spPr/>
+        <p:txBody>
+          <a:bodyPr/>
+          <a:lstStyle/>
+          <a:p>
+            <a:r>
+              <a:rPr lang="en-US" dirty="0" smtClean="0"/>
+              <a:t>Lots of mechanisms that are all supposedly important</a:t>
+            </a:r>
+          </a:p>
+          <a:p>
+            <a:pPr lvl="1"/>
+            <a:r>
+              <a:rPr lang="en-US" dirty="0" smtClean="0"/>
+              <a:t>Example: slow sand filters: biofilms, predation, straining</a:t>
+            </a:r>
+          </a:p>
+          <a:p>
+            <a:pPr lvl="1"/>
+            <a:r>
+              <a:rPr lang="en-US" dirty="0" smtClean="0"/>
+              <a:t>Principle: usually one mechanism dominates in a process</a:t>
+            </a:r>
+          </a:p>
+          <a:p>
+            <a:r>
+              <a:rPr lang="en-US" dirty="0" smtClean="0"/>
+              <a:t>Lots of equations, but no equations that lead to a design</a:t>
+            </a:r>
+          </a:p>
+          <a:p>
+            <a:pPr lvl="1"/>
+            <a:r>
+              <a:rPr lang="en-US" dirty="0" smtClean="0"/>
+              <a:t>Example: rapid sand filtration, flocculation, plate settlers</a:t>
+            </a:r>
+          </a:p>
+          <a:p>
+            <a:pPr lvl="1"/>
+            <a:r>
+              <a:rPr lang="en-US" dirty="0" smtClean="0"/>
+              <a:t>Principle: If the physics are understood, then equations for the design can be obtained</a:t>
+            </a:r>
+          </a:p>
+          <a:p>
+            <a:pPr lvl="1"/>
+            <a:r>
+              <a:rPr lang="en-US" dirty="0" smtClean="0"/>
+              <a:t>What went wrong: Known principles applied to a new problem where those principles don’t apply</a:t>
+            </a:r>
+          </a:p>
+          <a:p>
+            <a:pPr lvl="1"/>
+            <a:endParaRPr lang="en-US" dirty="0" smtClean="0"/>
+          </a:p>
+          <a:p>
+            <a:endParaRPr lang="en-US" dirty="0" smtClean="0"/>
+          </a:p>
+          <a:p>
+            <a:endParaRPr lang="en-US" dirty="0"/>
+          </a:p>
+        </p:txBody>
+      </p:sp>
+    </p:spTree>
+    <p:extLst>
+      <p:ext uri="{BB962C8B-B14F-4D97-AF65-F5344CB8AC3E}">
+        <p14:creationId xmlns:p14="http://schemas.microsoft.com/office/powerpoint/2010/main" val="2883484964"/>
+      </p:ext>
+    </p:extLst>
+  </p:cSld>
+  <p:clrMapOvr>
+    <a:masterClrMapping/>
+  </p:clrMapOvr>
+  <p:transition>
+    <p:fade/>
+  </p:transition>
+  <p:timing>
+    <p:tnLst>
+      <p:par>
+        <p:cTn id="1" dur="indefinite" restart="never" nodeType="tmRoot"/>
+      </p:par>
+    </p:tnLst>
+  </p:timing>
+</p:sld>
+</file>
+
+<file path=ppt/slides/slide23.xml><?xml version="1.0" encoding="utf-8"?>
+<p:sld xmlns:a="http://schemas.openxmlformats.org/drawingml/2006/main" xmlns:r="http://schemas.openxmlformats.org/officeDocument/2006/relationships" xmlns:p="http://schemas.openxmlformats.org/presentationml/2006/main">
+  <p:cSld>
+    <p:spTree>
+      <p:nvGrpSpPr>
+        <p:cNvPr id="1" name=""/>
+        <p:cNvGrpSpPr/>
+        <p:nvPr/>
+      </p:nvGrpSpPr>
+      <p:grpSpPr>
+        <a:xfrm>
+          <a:off x="0" y="0"/>
+          <a:ext cx="0" cy="0"/>
+          <a:chOff x="0" y="0"/>
+          <a:chExt cx="0" cy="0"/>
+        </a:xfrm>
+      </p:grpSpPr>
+      <p:sp>
+        <p:nvSpPr>
+          <p:cNvPr id="2" name="Title 1"/>
+          <p:cNvSpPr>
+            <a:spLocks noGrp="1"/>
+          </p:cNvSpPr>
+          <p:nvPr>
+            <p:ph type="title"/>
+          </p:nvPr>
+        </p:nvSpPr>
+        <p:spPr/>
+        <p:txBody>
+          <a:bodyPr/>
+          <a:lstStyle/>
+          <a:p>
+            <a:r>
+              <a:rPr lang="en-US" dirty="0" smtClean="0"/>
               <a:t>So we are on an adventure</a:t>
             </a:r>
             <a:endParaRPr lang="en-US" dirty="0"/>
@@ -8074,7 +11180,7 @@
 </p:sld>
 </file>
 
-<file path=ppt/slides/slide6.xml><?xml version="1.0" encoding="utf-8"?>
+<file path=ppt/slides/slide24.xml><?xml version="1.0" encoding="utf-8"?>
 <p:sld xmlns:a="http://schemas.openxmlformats.org/drawingml/2006/main" xmlns:r="http://schemas.openxmlformats.org/officeDocument/2006/relationships" xmlns:p="http://schemas.openxmlformats.org/presentationml/2006/main">
   <p:cSld>
     <p:spTree>
@@ -8715,6 +11821,1229 @@
 </p:sld>
 </file>
 
+<file path=ppt/slides/slide25.xml><?xml version="1.0" encoding="utf-8"?>
+<p:sld xmlns:a="http://schemas.openxmlformats.org/drawingml/2006/main" xmlns:r="http://schemas.openxmlformats.org/officeDocument/2006/relationships" xmlns:p="http://schemas.openxmlformats.org/presentationml/2006/main">
+  <p:cSld>
+    <p:spTree>
+      <p:nvGrpSpPr>
+        <p:cNvPr id="1" name=""/>
+        <p:cNvGrpSpPr/>
+        <p:nvPr/>
+      </p:nvGrpSpPr>
+      <p:grpSpPr>
+        <a:xfrm>
+          <a:off x="0" y="0"/>
+          <a:ext cx="0" cy="0"/>
+          <a:chOff x="0" y="0"/>
+          <a:chExt cx="0" cy="0"/>
+        </a:xfrm>
+      </p:grpSpPr>
+      <p:sp>
+        <p:nvSpPr>
+          <p:cNvPr id="2" name="Title 1"/>
+          <p:cNvSpPr>
+            <a:spLocks noGrp="1"/>
+          </p:cNvSpPr>
+          <p:nvPr>
+            <p:ph type="title"/>
+          </p:nvPr>
+        </p:nvSpPr>
+        <p:spPr/>
+        <p:txBody>
+          <a:bodyPr/>
+          <a:lstStyle/>
+          <a:p>
+            <a:r>
+              <a:rPr lang="en-US" dirty="0" smtClean="0"/>
+              <a:t>Unit Processes</a:t>
+            </a:r>
+            <a:endParaRPr lang="en-US" dirty="0"/>
+          </a:p>
+        </p:txBody>
+      </p:sp>
+      <p:sp>
+        <p:nvSpPr>
+          <p:cNvPr id="3" name="Notched Right Arrow 2"/>
+          <p:cNvSpPr/>
+          <p:nvPr/>
+        </p:nvSpPr>
+        <p:spPr>
+          <a:xfrm>
+            <a:off x="2065467" y="2140772"/>
+            <a:ext cx="2162287" cy="785308"/>
+          </a:xfrm>
+          <a:prstGeom prst="notchedRightArrow">
+            <a:avLst/>
+          </a:prstGeom>
+        </p:spPr>
+        <p:style>
+          <a:lnRef idx="2">
+            <a:schemeClr val="accent1">
+              <a:shade val="50000"/>
+            </a:schemeClr>
+          </a:lnRef>
+          <a:fillRef idx="1">
+            <a:schemeClr val="accent1"/>
+          </a:fillRef>
+          <a:effectRef idx="0">
+            <a:schemeClr val="accent1"/>
+          </a:effectRef>
+          <a:fontRef idx="minor">
+            <a:schemeClr val="lt1"/>
+          </a:fontRef>
+        </p:style>
+        <p:txBody>
+          <a:bodyPr rtlCol="0" anchor="ctr"/>
+          <a:lstStyle/>
+          <a:p>
+            <a:pPr algn="ctr"/>
+            <a:r>
+              <a:rPr lang="en-US" dirty="0" smtClean="0"/>
+              <a:t>Trash rack</a:t>
+            </a:r>
+            <a:endParaRPr lang="en-US" dirty="0"/>
+          </a:p>
+        </p:txBody>
+      </p:sp>
+      <p:sp>
+        <p:nvSpPr>
+          <p:cNvPr id="4" name="Notched Right Arrow 3"/>
+          <p:cNvSpPr/>
+          <p:nvPr/>
+        </p:nvSpPr>
+        <p:spPr>
+          <a:xfrm>
+            <a:off x="4086113" y="2140772"/>
+            <a:ext cx="2162287" cy="785308"/>
+          </a:xfrm>
+          <a:prstGeom prst="notchedRightArrow">
+            <a:avLst/>
+          </a:prstGeom>
+        </p:spPr>
+        <p:style>
+          <a:lnRef idx="2">
+            <a:schemeClr val="accent1">
+              <a:shade val="50000"/>
+            </a:schemeClr>
+          </a:lnRef>
+          <a:fillRef idx="1">
+            <a:schemeClr val="accent1"/>
+          </a:fillRef>
+          <a:effectRef idx="0">
+            <a:schemeClr val="accent1"/>
+          </a:effectRef>
+          <a:fontRef idx="minor">
+            <a:schemeClr val="lt1"/>
+          </a:fontRef>
+        </p:style>
+        <p:txBody>
+          <a:bodyPr rtlCol="0" anchor="ctr"/>
+          <a:lstStyle/>
+          <a:p>
+            <a:pPr algn="ctr"/>
+            <a:r>
+              <a:rPr lang="en-US" dirty="0"/>
+              <a:t>F</a:t>
+            </a:r>
+            <a:r>
+              <a:rPr lang="en-US" dirty="0" smtClean="0"/>
+              <a:t>locculation</a:t>
+            </a:r>
+            <a:endParaRPr lang="en-US" dirty="0"/>
+          </a:p>
+        </p:txBody>
+      </p:sp>
+      <p:sp>
+        <p:nvSpPr>
+          <p:cNvPr id="5" name="Notched Right Arrow 4"/>
+          <p:cNvSpPr/>
+          <p:nvPr/>
+        </p:nvSpPr>
+        <p:spPr>
+          <a:xfrm>
+            <a:off x="6106759" y="2140772"/>
+            <a:ext cx="2162287" cy="785308"/>
+          </a:xfrm>
+          <a:prstGeom prst="notchedRightArrow">
+            <a:avLst/>
+          </a:prstGeom>
+        </p:spPr>
+        <p:style>
+          <a:lnRef idx="2">
+            <a:schemeClr val="accent1">
+              <a:shade val="50000"/>
+            </a:schemeClr>
+          </a:lnRef>
+          <a:fillRef idx="1">
+            <a:schemeClr val="accent1"/>
+          </a:fillRef>
+          <a:effectRef idx="0">
+            <a:schemeClr val="accent1"/>
+          </a:effectRef>
+          <a:fontRef idx="minor">
+            <a:schemeClr val="lt1"/>
+          </a:fontRef>
+        </p:style>
+        <p:txBody>
+          <a:bodyPr rtlCol="0" anchor="ctr"/>
+          <a:lstStyle/>
+          <a:p>
+            <a:pPr algn="ctr"/>
+            <a:r>
+              <a:rPr lang="en-US" dirty="0" smtClean="0"/>
+              <a:t>Sedimentation</a:t>
+            </a:r>
+            <a:endParaRPr lang="en-US" dirty="0"/>
+          </a:p>
+        </p:txBody>
+      </p:sp>
+      <p:sp>
+        <p:nvSpPr>
+          <p:cNvPr id="6" name="Notched Right Arrow 5"/>
+          <p:cNvSpPr/>
+          <p:nvPr/>
+        </p:nvSpPr>
+        <p:spPr>
+          <a:xfrm>
+            <a:off x="8432203" y="1371600"/>
+            <a:ext cx="2162287" cy="785308"/>
+          </a:xfrm>
+          <a:prstGeom prst="notchedRightArrow">
+            <a:avLst/>
+          </a:prstGeom>
+        </p:spPr>
+        <p:style>
+          <a:lnRef idx="2">
+            <a:schemeClr val="accent1">
+              <a:shade val="50000"/>
+            </a:schemeClr>
+          </a:lnRef>
+          <a:fillRef idx="1">
+            <a:schemeClr val="accent1"/>
+          </a:fillRef>
+          <a:effectRef idx="0">
+            <a:schemeClr val="accent1"/>
+          </a:effectRef>
+          <a:fontRef idx="minor">
+            <a:schemeClr val="lt1"/>
+          </a:fontRef>
+        </p:style>
+        <p:txBody>
+          <a:bodyPr rtlCol="0" anchor="ctr"/>
+          <a:lstStyle/>
+          <a:p>
+            <a:pPr algn="ctr"/>
+            <a:r>
+              <a:rPr lang="en-US" dirty="0" smtClean="0"/>
+              <a:t>Rapid sand</a:t>
+            </a:r>
+            <a:endParaRPr lang="en-US" dirty="0"/>
+          </a:p>
+        </p:txBody>
+      </p:sp>
+      <p:sp>
+        <p:nvSpPr>
+          <p:cNvPr id="7" name="Notched Right Arrow 6"/>
+          <p:cNvSpPr/>
+          <p:nvPr/>
+        </p:nvSpPr>
+        <p:spPr>
+          <a:xfrm>
+            <a:off x="8432202" y="2248348"/>
+            <a:ext cx="2162287" cy="785308"/>
+          </a:xfrm>
+          <a:prstGeom prst="notchedRightArrow">
+            <a:avLst/>
+          </a:prstGeom>
+        </p:spPr>
+        <p:style>
+          <a:lnRef idx="2">
+            <a:schemeClr val="accent1">
+              <a:shade val="50000"/>
+            </a:schemeClr>
+          </a:lnRef>
+          <a:fillRef idx="1">
+            <a:schemeClr val="accent1"/>
+          </a:fillRef>
+          <a:effectRef idx="0">
+            <a:schemeClr val="accent1"/>
+          </a:effectRef>
+          <a:fontRef idx="minor">
+            <a:schemeClr val="lt1"/>
+          </a:fontRef>
+        </p:style>
+        <p:txBody>
+          <a:bodyPr rtlCol="0" anchor="ctr"/>
+          <a:lstStyle/>
+          <a:p>
+            <a:pPr algn="ctr"/>
+            <a:r>
+              <a:rPr lang="en-US" dirty="0" smtClean="0"/>
+              <a:t>Slow sand</a:t>
+            </a:r>
+            <a:endParaRPr lang="en-US" dirty="0"/>
+          </a:p>
+        </p:txBody>
+      </p:sp>
+      <p:sp>
+        <p:nvSpPr>
+          <p:cNvPr id="8" name="Notched Right Arrow 7"/>
+          <p:cNvSpPr/>
+          <p:nvPr/>
+        </p:nvSpPr>
+        <p:spPr>
+          <a:xfrm>
+            <a:off x="8432201" y="3125096"/>
+            <a:ext cx="2162287" cy="785308"/>
+          </a:xfrm>
+          <a:prstGeom prst="notchedRightArrow">
+            <a:avLst/>
+          </a:prstGeom>
+        </p:spPr>
+        <p:style>
+          <a:lnRef idx="2">
+            <a:schemeClr val="accent1">
+              <a:shade val="50000"/>
+            </a:schemeClr>
+          </a:lnRef>
+          <a:fillRef idx="1">
+            <a:schemeClr val="accent1"/>
+          </a:fillRef>
+          <a:effectRef idx="0">
+            <a:schemeClr val="accent1"/>
+          </a:effectRef>
+          <a:fontRef idx="minor">
+            <a:schemeClr val="lt1"/>
+          </a:fontRef>
+        </p:style>
+        <p:txBody>
+          <a:bodyPr rtlCol="0" anchor="ctr"/>
+          <a:lstStyle/>
+          <a:p>
+            <a:pPr algn="ctr"/>
+            <a:r>
+              <a:rPr lang="en-US" dirty="0" smtClean="0"/>
+              <a:t>Membrane</a:t>
+            </a:r>
+            <a:endParaRPr lang="en-US" dirty="0"/>
+          </a:p>
+        </p:txBody>
+      </p:sp>
+      <p:sp>
+        <p:nvSpPr>
+          <p:cNvPr id="9" name="Notched Right Arrow 8"/>
+          <p:cNvSpPr/>
+          <p:nvPr/>
+        </p:nvSpPr>
+        <p:spPr>
+          <a:xfrm>
+            <a:off x="772756" y="4367604"/>
+            <a:ext cx="2162287" cy="785308"/>
+          </a:xfrm>
+          <a:prstGeom prst="notchedRightArrow">
+            <a:avLst/>
+          </a:prstGeom>
+        </p:spPr>
+        <p:style>
+          <a:lnRef idx="2">
+            <a:schemeClr val="accent1">
+              <a:shade val="50000"/>
+            </a:schemeClr>
+          </a:lnRef>
+          <a:fillRef idx="1">
+            <a:schemeClr val="accent1"/>
+          </a:fillRef>
+          <a:effectRef idx="0">
+            <a:schemeClr val="accent1"/>
+          </a:effectRef>
+          <a:fontRef idx="minor">
+            <a:schemeClr val="lt1"/>
+          </a:fontRef>
+        </p:style>
+        <p:txBody>
+          <a:bodyPr rtlCol="0" anchor="ctr"/>
+          <a:lstStyle/>
+          <a:p>
+            <a:pPr algn="ctr"/>
+            <a:r>
+              <a:rPr lang="en-US" sz="1600" dirty="0" smtClean="0"/>
+              <a:t>Activated</a:t>
+            </a:r>
+            <a:r>
+              <a:rPr lang="en-US" dirty="0" smtClean="0"/>
+              <a:t> Carbon</a:t>
+            </a:r>
+            <a:endParaRPr lang="en-US" dirty="0"/>
+          </a:p>
+        </p:txBody>
+      </p:sp>
+      <p:sp>
+        <p:nvSpPr>
+          <p:cNvPr id="10" name="Notched Right Arrow 9"/>
+          <p:cNvSpPr/>
+          <p:nvPr/>
+        </p:nvSpPr>
+        <p:spPr>
+          <a:xfrm>
+            <a:off x="2807744" y="4367604"/>
+            <a:ext cx="2162287" cy="785308"/>
+          </a:xfrm>
+          <a:prstGeom prst="notchedRightArrow">
+            <a:avLst/>
+          </a:prstGeom>
+        </p:spPr>
+        <p:style>
+          <a:lnRef idx="2">
+            <a:schemeClr val="accent1">
+              <a:shade val="50000"/>
+            </a:schemeClr>
+          </a:lnRef>
+          <a:fillRef idx="1">
+            <a:schemeClr val="accent1"/>
+          </a:fillRef>
+          <a:effectRef idx="0">
+            <a:schemeClr val="accent1"/>
+          </a:effectRef>
+          <a:fontRef idx="minor">
+            <a:schemeClr val="lt1"/>
+          </a:fontRef>
+        </p:style>
+        <p:txBody>
+          <a:bodyPr rtlCol="0" anchor="ctr"/>
+          <a:lstStyle/>
+          <a:p>
+            <a:pPr algn="ctr"/>
+            <a:r>
+              <a:rPr lang="en-US" sz="1600" dirty="0" smtClean="0"/>
+              <a:t>Ion Exchange</a:t>
+            </a:r>
+            <a:endParaRPr lang="en-US" dirty="0"/>
+          </a:p>
+        </p:txBody>
+      </p:sp>
+      <p:sp>
+        <p:nvSpPr>
+          <p:cNvPr id="11" name="Notched Right Arrow 10"/>
+          <p:cNvSpPr/>
+          <p:nvPr/>
+        </p:nvSpPr>
+        <p:spPr>
+          <a:xfrm>
+            <a:off x="4842732" y="4367604"/>
+            <a:ext cx="2162287" cy="785308"/>
+          </a:xfrm>
+          <a:prstGeom prst="notchedRightArrow">
+            <a:avLst/>
+          </a:prstGeom>
+        </p:spPr>
+        <p:style>
+          <a:lnRef idx="2">
+            <a:schemeClr val="accent1">
+              <a:shade val="50000"/>
+            </a:schemeClr>
+          </a:lnRef>
+          <a:fillRef idx="1">
+            <a:schemeClr val="accent1"/>
+          </a:fillRef>
+          <a:effectRef idx="0">
+            <a:schemeClr val="accent1"/>
+          </a:effectRef>
+          <a:fontRef idx="minor">
+            <a:schemeClr val="lt1"/>
+          </a:fontRef>
+        </p:style>
+        <p:txBody>
+          <a:bodyPr rtlCol="0" anchor="ctr"/>
+          <a:lstStyle/>
+          <a:p>
+            <a:pPr algn="ctr"/>
+            <a:r>
+              <a:rPr lang="en-US" sz="1600" dirty="0" smtClean="0"/>
+              <a:t>Reverse Osmosis</a:t>
+            </a:r>
+            <a:endParaRPr lang="en-US" dirty="0"/>
+          </a:p>
+        </p:txBody>
+      </p:sp>
+      <p:sp>
+        <p:nvSpPr>
+          <p:cNvPr id="12" name="Notched Right Arrow 11"/>
+          <p:cNvSpPr/>
+          <p:nvPr/>
+        </p:nvSpPr>
+        <p:spPr>
+          <a:xfrm>
+            <a:off x="6877720" y="4367604"/>
+            <a:ext cx="2162287" cy="785308"/>
+          </a:xfrm>
+          <a:prstGeom prst="notchedRightArrow">
+            <a:avLst/>
+          </a:prstGeom>
+        </p:spPr>
+        <p:style>
+          <a:lnRef idx="2">
+            <a:schemeClr val="accent1">
+              <a:shade val="50000"/>
+            </a:schemeClr>
+          </a:lnRef>
+          <a:fillRef idx="1">
+            <a:schemeClr val="accent1"/>
+          </a:fillRef>
+          <a:effectRef idx="0">
+            <a:schemeClr val="accent1"/>
+          </a:effectRef>
+          <a:fontRef idx="minor">
+            <a:schemeClr val="lt1"/>
+          </a:fontRef>
+        </p:style>
+        <p:txBody>
+          <a:bodyPr rtlCol="0" anchor="ctr"/>
+          <a:lstStyle/>
+          <a:p>
+            <a:pPr algn="ctr"/>
+            <a:r>
+              <a:rPr lang="en-US" sz="1600" dirty="0" smtClean="0"/>
+              <a:t>Reverse Osmosis</a:t>
+            </a:r>
+            <a:endParaRPr lang="en-US" dirty="0"/>
+          </a:p>
+        </p:txBody>
+      </p:sp>
+    </p:spTree>
+    <p:extLst>
+      <p:ext uri="{BB962C8B-B14F-4D97-AF65-F5344CB8AC3E}">
+        <p14:creationId xmlns:p14="http://schemas.microsoft.com/office/powerpoint/2010/main" val="3591655312"/>
+      </p:ext>
+    </p:extLst>
+  </p:cSld>
+  <p:clrMapOvr>
+    <a:masterClrMapping/>
+  </p:clrMapOvr>
+  <p:transition>
+    <p:fade/>
+  </p:transition>
+  <p:timing>
+    <p:tnLst>
+      <p:par>
+        <p:cTn id="1" dur="indefinite" restart="never" nodeType="tmRoot"/>
+      </p:par>
+    </p:tnLst>
+  </p:timing>
+</p:sld>
+</file>
+
+<file path=ppt/slides/slide26.xml><?xml version="1.0" encoding="utf-8"?>
+<p:sld xmlns:a="http://schemas.openxmlformats.org/drawingml/2006/main" xmlns:r="http://schemas.openxmlformats.org/officeDocument/2006/relationships" xmlns:p="http://schemas.openxmlformats.org/presentationml/2006/main">
+  <p:cSld>
+    <p:spTree>
+      <p:nvGrpSpPr>
+        <p:cNvPr id="1" name=""/>
+        <p:cNvGrpSpPr/>
+        <p:nvPr/>
+      </p:nvGrpSpPr>
+      <p:grpSpPr>
+        <a:xfrm>
+          <a:off x="0" y="0"/>
+          <a:ext cx="0" cy="0"/>
+          <a:chOff x="0" y="0"/>
+          <a:chExt cx="0" cy="0"/>
+        </a:xfrm>
+      </p:grpSpPr>
+      <p:sp>
+        <p:nvSpPr>
+          <p:cNvPr id="2" name="Title 1"/>
+          <p:cNvSpPr>
+            <a:spLocks noGrp="1"/>
+          </p:cNvSpPr>
+          <p:nvPr>
+            <p:ph type="title"/>
+          </p:nvPr>
+        </p:nvSpPr>
+        <p:spPr/>
+        <p:txBody>
+          <a:bodyPr/>
+          <a:lstStyle/>
+          <a:p>
+            <a:r>
+              <a:rPr lang="en-US" dirty="0" smtClean="0"/>
+              <a:t>For each unit process</a:t>
+            </a:r>
+            <a:endParaRPr lang="en-US" dirty="0"/>
+          </a:p>
+        </p:txBody>
+      </p:sp>
+      <p:sp>
+        <p:nvSpPr>
+          <p:cNvPr id="3" name="Content Placeholder 2"/>
+          <p:cNvSpPr>
+            <a:spLocks noGrp="1"/>
+          </p:cNvSpPr>
+          <p:nvPr>
+            <p:ph idx="1"/>
+          </p:nvPr>
+        </p:nvSpPr>
+        <p:spPr/>
+        <p:txBody>
+          <a:bodyPr/>
+          <a:lstStyle/>
+          <a:p>
+            <a:r>
+              <a:rPr lang="en-US" dirty="0" smtClean="0"/>
+              <a:t>Concept: how does it work?</a:t>
+            </a:r>
+          </a:p>
+          <a:p>
+            <a:r>
+              <a:rPr lang="en-US" dirty="0" smtClean="0"/>
+              <a:t>Types of contaminants that can be treated</a:t>
+            </a:r>
+          </a:p>
+          <a:p>
+            <a:r>
+              <a:rPr lang="en-US" dirty="0" smtClean="0"/>
+              <a:t>Range of approach velocities</a:t>
+            </a:r>
+          </a:p>
+          <a:p>
+            <a:r>
+              <a:rPr lang="en-US" dirty="0" smtClean="0"/>
+              <a:t>Range of hydraulic residence times</a:t>
+            </a:r>
+          </a:p>
+          <a:p>
+            <a:r>
+              <a:rPr lang="en-US" dirty="0" smtClean="0"/>
+              <a:t>Energy required (J/L)</a:t>
+            </a:r>
+          </a:p>
+          <a:p>
+            <a:r>
+              <a:rPr lang="en-US" dirty="0" smtClean="0"/>
+              <a:t>Inputs required or method of regeneration</a:t>
+            </a:r>
+          </a:p>
+          <a:p>
+            <a:r>
+              <a:rPr lang="en-US" dirty="0" smtClean="0"/>
+              <a:t>Type of waste stream produced and disposal requirements</a:t>
+            </a:r>
+          </a:p>
+          <a:p>
+            <a:endParaRPr lang="en-US" dirty="0"/>
+          </a:p>
+        </p:txBody>
+      </p:sp>
+    </p:spTree>
+    <p:extLst>
+      <p:ext uri="{BB962C8B-B14F-4D97-AF65-F5344CB8AC3E}">
+        <p14:creationId xmlns:p14="http://schemas.microsoft.com/office/powerpoint/2010/main" val="3072889984"/>
+      </p:ext>
+    </p:extLst>
+  </p:cSld>
+  <p:clrMapOvr>
+    <a:masterClrMapping/>
+  </p:clrMapOvr>
+  <p:transition>
+    <p:fade/>
+  </p:transition>
+</p:sld>
+</file>
+
+<file path=ppt/slides/slide27.xml><?xml version="1.0" encoding="utf-8"?>
+<p:sld xmlns:a="http://schemas.openxmlformats.org/drawingml/2006/main" xmlns:r="http://schemas.openxmlformats.org/officeDocument/2006/relationships" xmlns:p="http://schemas.openxmlformats.org/presentationml/2006/main">
+  <p:cSld>
+    <p:spTree>
+      <p:nvGrpSpPr>
+        <p:cNvPr id="1" name=""/>
+        <p:cNvGrpSpPr/>
+        <p:nvPr/>
+      </p:nvGrpSpPr>
+      <p:grpSpPr>
+        <a:xfrm>
+          <a:off x="0" y="0"/>
+          <a:ext cx="0" cy="0"/>
+          <a:chOff x="0" y="0"/>
+          <a:chExt cx="0" cy="0"/>
+        </a:xfrm>
+      </p:grpSpPr>
+      <p:sp>
+        <p:nvSpPr>
+          <p:cNvPr id="2" name="Title 1"/>
+          <p:cNvSpPr>
+            <a:spLocks noGrp="1"/>
+          </p:cNvSpPr>
+          <p:nvPr>
+            <p:ph type="title"/>
+          </p:nvPr>
+        </p:nvSpPr>
+        <p:spPr/>
+        <p:txBody>
+          <a:bodyPr/>
+          <a:lstStyle/>
+          <a:p>
+            <a:endParaRPr lang="en-US"/>
+          </a:p>
+        </p:txBody>
+      </p:sp>
+    </p:spTree>
+    <p:extLst>
+      <p:ext uri="{BB962C8B-B14F-4D97-AF65-F5344CB8AC3E}">
+        <p14:creationId xmlns:p14="http://schemas.microsoft.com/office/powerpoint/2010/main" val="2971456019"/>
+      </p:ext>
+    </p:extLst>
+  </p:cSld>
+  <p:clrMapOvr>
+    <a:masterClrMapping/>
+  </p:clrMapOvr>
+  <p:transition>
+    <p:fade/>
+  </p:transition>
+</p:sld>
+</file>
+
+<file path=ppt/slides/slide28.xml><?xml version="1.0" encoding="utf-8"?>
+<p:sld xmlns:a="http://schemas.openxmlformats.org/drawingml/2006/main" xmlns:r="http://schemas.openxmlformats.org/officeDocument/2006/relationships" xmlns:p="http://schemas.openxmlformats.org/presentationml/2006/main">
+  <p:cSld>
+    <p:spTree>
+      <p:nvGrpSpPr>
+        <p:cNvPr id="1" name=""/>
+        <p:cNvGrpSpPr/>
+        <p:nvPr/>
+      </p:nvGrpSpPr>
+      <p:grpSpPr>
+        <a:xfrm>
+          <a:off x="0" y="0"/>
+          <a:ext cx="0" cy="0"/>
+          <a:chOff x="0" y="0"/>
+          <a:chExt cx="0" cy="0"/>
+        </a:xfrm>
+      </p:grpSpPr>
+      <p:sp>
+        <p:nvSpPr>
+          <p:cNvPr id="2" name="Title 1"/>
+          <p:cNvSpPr>
+            <a:spLocks noGrp="1"/>
+          </p:cNvSpPr>
+          <p:nvPr>
+            <p:ph type="title"/>
+          </p:nvPr>
+        </p:nvSpPr>
+        <p:spPr/>
+        <p:txBody>
+          <a:bodyPr/>
+          <a:lstStyle/>
+          <a:p>
+            <a:r>
+              <a:rPr lang="en-US" dirty="0" smtClean="0"/>
+              <a:t>Water sources</a:t>
+            </a:r>
+            <a:endParaRPr lang="en-US" dirty="0"/>
+          </a:p>
+        </p:txBody>
+      </p:sp>
+      <p:pic>
+        <p:nvPicPr>
+          <p:cNvPr id="1026" name="Picture 2" descr="Diagram showing source and use of freshwater in the U.S. in 2015, by category"/>
+          <p:cNvPicPr>
+            <a:picLocks noChangeAspect="1" noChangeArrowheads="1"/>
+          </p:cNvPicPr>
+          <p:nvPr/>
+        </p:nvPicPr>
+        <p:blipFill>
+          <a:blip r:embed="rId2">
+            <a:extLst>
+              <a:ext uri="{28A0092B-C50C-407E-A947-70E740481C1C}">
+                <a14:useLocalDpi xmlns:a14="http://schemas.microsoft.com/office/drawing/2010/main" val="0"/>
+              </a:ext>
+            </a:extLst>
+          </a:blip>
+          <a:srcRect/>
+          <a:stretch>
+            <a:fillRect/>
+          </a:stretch>
+        </p:blipFill>
+        <p:spPr bwMode="auto">
+          <a:xfrm>
+            <a:off x="609600" y="1803756"/>
+            <a:ext cx="5763457" cy="4723602"/>
+          </a:xfrm>
+          <a:prstGeom prst="rect">
+            <a:avLst/>
+          </a:prstGeom>
+          <a:noFill/>
+          <a:extLst>
+            <a:ext uri="{909E8E84-426E-40DD-AFC4-6F175D3DCCD1}">
+              <a14:hiddenFill xmlns:a14="http://schemas.microsoft.com/office/drawing/2010/main">
+                <a:solidFill>
+                  <a:srgbClr val="FFFFFF"/>
+                </a:solidFill>
+              </a14:hiddenFill>
+            </a:ext>
+          </a:extLst>
+        </p:spPr>
+      </p:pic>
+      <p:sp>
+        <p:nvSpPr>
+          <p:cNvPr id="3" name="Rectangle 2"/>
+          <p:cNvSpPr/>
+          <p:nvPr/>
+        </p:nvSpPr>
+        <p:spPr>
+          <a:xfrm>
+            <a:off x="6373057" y="5604028"/>
+            <a:ext cx="6096000" cy="923330"/>
+          </a:xfrm>
+          <a:prstGeom prst="rect">
+            <a:avLst/>
+          </a:prstGeom>
+        </p:spPr>
+        <p:txBody>
+          <a:bodyPr>
+            <a:spAutoFit/>
+          </a:bodyPr>
+          <a:lstStyle/>
+          <a:p>
+            <a:r>
+              <a:rPr lang="en-US" dirty="0">
+                <a:hlinkClick r:id="rId3"/>
+              </a:rPr>
+              <a:t>https://www.usgs.gov/special-topic/water-science-school/science/groundwater-use-united-states?qt-science_center_objects=0#qt-science_center_objects</a:t>
+            </a:r>
+            <a:endParaRPr lang="en-US" dirty="0"/>
+          </a:p>
+        </p:txBody>
+      </p:sp>
+    </p:spTree>
+    <p:extLst>
+      <p:ext uri="{BB962C8B-B14F-4D97-AF65-F5344CB8AC3E}">
+        <p14:creationId xmlns:p14="http://schemas.microsoft.com/office/powerpoint/2010/main" val="985351824"/>
+      </p:ext>
+    </p:extLst>
+  </p:cSld>
+  <p:clrMapOvr>
+    <a:masterClrMapping/>
+  </p:clrMapOvr>
+  <p:transition>
+    <p:fade/>
+  </p:transition>
+</p:sld>
+</file>
+
+<file path=ppt/slides/slide3.xml><?xml version="1.0" encoding="utf-8"?>
+<p:sld xmlns:a="http://schemas.openxmlformats.org/drawingml/2006/main" xmlns:r="http://schemas.openxmlformats.org/officeDocument/2006/relationships" xmlns:p="http://schemas.openxmlformats.org/presentationml/2006/main">
+  <p:cSld>
+    <p:spTree>
+      <p:nvGrpSpPr>
+        <p:cNvPr id="1" name=""/>
+        <p:cNvGrpSpPr/>
+        <p:nvPr/>
+      </p:nvGrpSpPr>
+      <p:grpSpPr>
+        <a:xfrm>
+          <a:off x="0" y="0"/>
+          <a:ext cx="0" cy="0"/>
+          <a:chOff x="0" y="0"/>
+          <a:chExt cx="0" cy="0"/>
+        </a:xfrm>
+      </p:grpSpPr>
+      <p:sp>
+        <p:nvSpPr>
+          <p:cNvPr id="2" name="Title 1"/>
+          <p:cNvSpPr>
+            <a:spLocks noGrp="1"/>
+          </p:cNvSpPr>
+          <p:nvPr>
+            <p:ph type="title"/>
+          </p:nvPr>
+        </p:nvSpPr>
+        <p:spPr/>
+        <p:txBody>
+          <a:bodyPr/>
+          <a:lstStyle/>
+          <a:p>
+            <a:r>
+              <a:rPr lang="en-US" dirty="0" smtClean="0"/>
+              <a:t>Pedagogy</a:t>
+            </a:r>
+            <a:endParaRPr lang="en-US" dirty="0"/>
+          </a:p>
+        </p:txBody>
+      </p:sp>
+      <p:sp>
+        <p:nvSpPr>
+          <p:cNvPr id="3" name="Content Placeholder 2"/>
+          <p:cNvSpPr>
+            <a:spLocks noGrp="1"/>
+          </p:cNvSpPr>
+          <p:nvPr>
+            <p:ph idx="1"/>
+          </p:nvPr>
+        </p:nvSpPr>
+        <p:spPr/>
+        <p:txBody>
+          <a:bodyPr/>
+          <a:lstStyle/>
+          <a:p>
+            <a:r>
+              <a:rPr lang="en-US" dirty="0" smtClean="0"/>
+              <a:t>“When </a:t>
+            </a:r>
+            <a:r>
+              <a:rPr lang="en-US" dirty="0"/>
+              <a:t>we education engineers, we frequently emphasize predefined, decontextualized, closed-ended technical problem </a:t>
+            </a:r>
+            <a:r>
+              <a:rPr lang="en-US" dirty="0" smtClean="0"/>
+              <a:t>solving... </a:t>
+            </a:r>
+            <a:r>
+              <a:rPr lang="en-US" dirty="0"/>
+              <a:t>Yet practicing engineers work to define and solve complex contextualized, open-ended sociotechnical problems</a:t>
+            </a:r>
+            <a:r>
+              <a:rPr lang="en-US" dirty="0" smtClean="0"/>
+              <a:t>.” - </a:t>
+            </a:r>
+            <a:r>
+              <a:rPr lang="en-US" kern="1200" dirty="0"/>
+              <a:t>Jon A </a:t>
+            </a:r>
+            <a:r>
+              <a:rPr lang="en-US" kern="1200" dirty="0" err="1" smtClean="0"/>
+              <a:t>Leydens</a:t>
+            </a:r>
+            <a:r>
+              <a:rPr lang="en-US" kern="1200" dirty="0" smtClean="0"/>
+              <a:t> &amp; </a:t>
+            </a:r>
+            <a:r>
+              <a:rPr lang="en-US" kern="1200" dirty="0"/>
+              <a:t>Juan C. </a:t>
+            </a:r>
+            <a:r>
+              <a:rPr lang="en-US" kern="1200" dirty="0" err="1"/>
+              <a:t>Lucena</a:t>
+            </a:r>
+            <a:r>
+              <a:rPr lang="en-US" kern="1200" dirty="0"/>
+              <a:t> </a:t>
+            </a:r>
+            <a:endParaRPr lang="en-US" dirty="0" smtClean="0"/>
+          </a:p>
+          <a:p>
+            <a:r>
+              <a:rPr lang="en-US" dirty="0" smtClean="0"/>
+              <a:t>Life is not a lecture and a problem set</a:t>
+            </a:r>
+          </a:p>
+          <a:p>
+            <a:r>
+              <a:rPr lang="en-US" dirty="0" smtClean="0"/>
+              <a:t>Life is a flipped classroom</a:t>
+            </a:r>
+          </a:p>
+          <a:p>
+            <a:r>
+              <a:rPr lang="en-US" dirty="0" smtClean="0"/>
+              <a:t>My role is to be a guide by your side</a:t>
+            </a:r>
+          </a:p>
+          <a:p>
+            <a:endParaRPr lang="en-US" dirty="0" smtClean="0"/>
+          </a:p>
+          <a:p>
+            <a:endParaRPr lang="en-US" dirty="0"/>
+          </a:p>
+        </p:txBody>
+      </p:sp>
+    </p:spTree>
+    <p:extLst>
+      <p:ext uri="{BB962C8B-B14F-4D97-AF65-F5344CB8AC3E}">
+        <p14:creationId xmlns:p14="http://schemas.microsoft.com/office/powerpoint/2010/main" val="1567274569"/>
+      </p:ext>
+    </p:extLst>
+  </p:cSld>
+  <p:clrMapOvr>
+    <a:masterClrMapping/>
+  </p:clrMapOvr>
+  <p:transition>
+    <p:fade/>
+  </p:transition>
+</p:sld>
+</file>
+
+<file path=ppt/slides/slide4.xml><?xml version="1.0" encoding="utf-8"?>
+<p:sld xmlns:a="http://schemas.openxmlformats.org/drawingml/2006/main" xmlns:r="http://schemas.openxmlformats.org/officeDocument/2006/relationships" xmlns:p="http://schemas.openxmlformats.org/presentationml/2006/main">
+  <p:cSld>
+    <p:spTree>
+      <p:nvGrpSpPr>
+        <p:cNvPr id="1" name=""/>
+        <p:cNvGrpSpPr/>
+        <p:nvPr/>
+      </p:nvGrpSpPr>
+      <p:grpSpPr>
+        <a:xfrm>
+          <a:off x="0" y="0"/>
+          <a:ext cx="0" cy="0"/>
+          <a:chOff x="0" y="0"/>
+          <a:chExt cx="0" cy="0"/>
+        </a:xfrm>
+      </p:grpSpPr>
+      <p:sp>
+        <p:nvSpPr>
+          <p:cNvPr id="2" name="Title 1"/>
+          <p:cNvSpPr>
+            <a:spLocks noGrp="1"/>
+          </p:cNvSpPr>
+          <p:nvPr>
+            <p:ph type="title"/>
+          </p:nvPr>
+        </p:nvSpPr>
+        <p:spPr/>
+        <p:txBody>
+          <a:bodyPr/>
+          <a:lstStyle/>
+          <a:p>
+            <a:r>
+              <a:rPr lang="en-US" dirty="0" smtClean="0"/>
+              <a:t>Reflections on Life Long Learning</a:t>
+            </a:r>
+            <a:endParaRPr lang="en-US" dirty="0"/>
+          </a:p>
+        </p:txBody>
+      </p:sp>
+      <p:sp>
+        <p:nvSpPr>
+          <p:cNvPr id="3" name="Content Placeholder 2"/>
+          <p:cNvSpPr>
+            <a:spLocks noGrp="1"/>
+          </p:cNvSpPr>
+          <p:nvPr>
+            <p:ph idx="1"/>
+          </p:nvPr>
+        </p:nvSpPr>
+        <p:spPr/>
+        <p:txBody>
+          <a:bodyPr/>
+          <a:lstStyle/>
+          <a:p>
+            <a:r>
+              <a:rPr lang="en-US" dirty="0" smtClean="0"/>
+              <a:t>How did you learn when you were 3?</a:t>
+            </a:r>
+          </a:p>
+          <a:p>
+            <a:r>
+              <a:rPr lang="en-US" dirty="0" smtClean="0"/>
+              <a:t>How will you learn when you are 30?</a:t>
+            </a:r>
+          </a:p>
+          <a:p>
+            <a:r>
+              <a:rPr lang="en-US" dirty="0" smtClean="0"/>
+              <a:t>The widget model of education</a:t>
+            </a:r>
+          </a:p>
+          <a:p>
+            <a:r>
+              <a:rPr lang="en-US" dirty="0" smtClean="0"/>
+              <a:t>How do you want to respond when you need to do something that you’ve never done before or when you are asked to solve a problem that is completely new to you (and there aren’t office hours)?</a:t>
+            </a:r>
+          </a:p>
+          <a:p>
+            <a:r>
+              <a:rPr lang="en-US" dirty="0" smtClean="0"/>
+              <a:t>Just in time learning</a:t>
+            </a:r>
+            <a:endParaRPr lang="en-US" dirty="0"/>
+          </a:p>
+        </p:txBody>
+      </p:sp>
+    </p:spTree>
+    <p:extLst>
+      <p:ext uri="{BB962C8B-B14F-4D97-AF65-F5344CB8AC3E}">
+        <p14:creationId xmlns:p14="http://schemas.microsoft.com/office/powerpoint/2010/main" val="838062809"/>
+      </p:ext>
+    </p:extLst>
+  </p:cSld>
+  <p:clrMapOvr>
+    <a:masterClrMapping/>
+  </p:clrMapOvr>
+  <p:transition>
+    <p:fade/>
+  </p:transition>
+</p:sld>
+</file>
+
+<file path=ppt/slides/slide5.xml><?xml version="1.0" encoding="utf-8"?>
+<p:sld xmlns:a="http://schemas.openxmlformats.org/drawingml/2006/main" xmlns:r="http://schemas.openxmlformats.org/officeDocument/2006/relationships" xmlns:p="http://schemas.openxmlformats.org/presentationml/2006/main">
+  <p:cSld>
+    <p:spTree>
+      <p:nvGrpSpPr>
+        <p:cNvPr id="1" name=""/>
+        <p:cNvGrpSpPr/>
+        <p:nvPr/>
+      </p:nvGrpSpPr>
+      <p:grpSpPr>
+        <a:xfrm>
+          <a:off x="0" y="0"/>
+          <a:ext cx="0" cy="0"/>
+          <a:chOff x="0" y="0"/>
+          <a:chExt cx="0" cy="0"/>
+        </a:xfrm>
+      </p:grpSpPr>
+      <p:sp>
+        <p:nvSpPr>
+          <p:cNvPr id="2" name="Title 1"/>
+          <p:cNvSpPr>
+            <a:spLocks noGrp="1"/>
+          </p:cNvSpPr>
+          <p:nvPr>
+            <p:ph type="title"/>
+          </p:nvPr>
+        </p:nvSpPr>
+        <p:spPr/>
+        <p:txBody>
+          <a:bodyPr/>
+          <a:lstStyle/>
+          <a:p>
+            <a:r>
+              <a:rPr lang="en-US" dirty="0" smtClean="0"/>
+              <a:t>What is wrong with the widget model?</a:t>
+            </a:r>
+            <a:endParaRPr lang="en-US" dirty="0"/>
+          </a:p>
+        </p:txBody>
+      </p:sp>
+      <p:sp>
+        <p:nvSpPr>
+          <p:cNvPr id="3" name="Content Placeholder 2"/>
+          <p:cNvSpPr>
+            <a:spLocks noGrp="1"/>
+          </p:cNvSpPr>
+          <p:nvPr>
+            <p:ph idx="1"/>
+          </p:nvPr>
+        </p:nvSpPr>
+        <p:spPr/>
+        <p:txBody>
+          <a:bodyPr/>
+          <a:lstStyle/>
+          <a:p>
+            <a:endParaRPr lang="en-US"/>
+          </a:p>
+        </p:txBody>
+      </p:sp>
+    </p:spTree>
+    <p:extLst>
+      <p:ext uri="{BB962C8B-B14F-4D97-AF65-F5344CB8AC3E}">
+        <p14:creationId xmlns:p14="http://schemas.microsoft.com/office/powerpoint/2010/main" val="1028304843"/>
+      </p:ext>
+    </p:extLst>
+  </p:cSld>
+  <p:clrMapOvr>
+    <a:masterClrMapping/>
+  </p:clrMapOvr>
+  <p:transition>
+    <p:fade/>
+  </p:transition>
+</p:sld>
+</file>
+
+<file path=ppt/slides/slide6.xml><?xml version="1.0" encoding="utf-8"?>
+<p:sld xmlns:a="http://schemas.openxmlformats.org/drawingml/2006/main" xmlns:r="http://schemas.openxmlformats.org/officeDocument/2006/relationships" xmlns:p="http://schemas.openxmlformats.org/presentationml/2006/main">
+  <p:cSld>
+    <p:spTree>
+      <p:nvGrpSpPr>
+        <p:cNvPr id="1" name=""/>
+        <p:cNvGrpSpPr/>
+        <p:nvPr/>
+      </p:nvGrpSpPr>
+      <p:grpSpPr>
+        <a:xfrm>
+          <a:off x="0" y="0"/>
+          <a:ext cx="0" cy="0"/>
+          <a:chOff x="0" y="0"/>
+          <a:chExt cx="0" cy="0"/>
+        </a:xfrm>
+      </p:grpSpPr>
+      <p:sp>
+        <p:nvSpPr>
+          <p:cNvPr id="2" name="Title 1"/>
+          <p:cNvSpPr>
+            <a:spLocks noGrp="1"/>
+          </p:cNvSpPr>
+          <p:nvPr>
+            <p:ph type="title"/>
+          </p:nvPr>
+        </p:nvSpPr>
+        <p:spPr/>
+        <p:txBody>
+          <a:bodyPr/>
+          <a:lstStyle/>
+          <a:p>
+            <a:r>
+              <a:rPr lang="en-US" dirty="0" smtClean="0"/>
+              <a:t>Why are there lectures?</a:t>
+            </a:r>
+            <a:br>
+              <a:rPr lang="en-US" dirty="0" smtClean="0"/>
+            </a:br>
+            <a:r>
+              <a:rPr lang="en-US" dirty="0" smtClean="0"/>
+              <a:t>Why am I called a senior lecturer?</a:t>
+            </a:r>
+            <a:endParaRPr lang="en-US" dirty="0"/>
+          </a:p>
+        </p:txBody>
+      </p:sp>
+      <p:sp>
+        <p:nvSpPr>
+          <p:cNvPr id="3" name="Content Placeholder 2"/>
+          <p:cNvSpPr>
+            <a:spLocks noGrp="1"/>
+          </p:cNvSpPr>
+          <p:nvPr>
+            <p:ph idx="1"/>
+          </p:nvPr>
+        </p:nvSpPr>
+        <p:spPr/>
+        <p:txBody>
+          <a:bodyPr/>
+          <a:lstStyle/>
+          <a:p>
+            <a:r>
+              <a:rPr lang="en-US" dirty="0" smtClean="0"/>
+              <a:t>What was the historical context?</a:t>
+            </a:r>
+          </a:p>
+          <a:p>
+            <a:r>
+              <a:rPr lang="en-US" dirty="0" smtClean="0"/>
+              <a:t>Why were lecturers necessary?</a:t>
+            </a:r>
+          </a:p>
+          <a:p>
+            <a:endParaRPr lang="en-US" dirty="0"/>
+          </a:p>
+        </p:txBody>
+      </p:sp>
+    </p:spTree>
+    <p:extLst>
+      <p:ext uri="{BB962C8B-B14F-4D97-AF65-F5344CB8AC3E}">
+        <p14:creationId xmlns:p14="http://schemas.microsoft.com/office/powerpoint/2010/main" val="1030060958"/>
+      </p:ext>
+    </p:extLst>
+  </p:cSld>
+  <p:clrMapOvr>
+    <a:masterClrMapping/>
+  </p:clrMapOvr>
+  <p:transition>
+    <p:fade/>
+  </p:transition>
+</p:sld>
+</file>
+
 <file path=ppt/slides/slide7.xml><?xml version="1.0" encoding="utf-8"?>
 <p:sld xmlns:a="http://schemas.openxmlformats.org/drawingml/2006/main" xmlns:r="http://schemas.openxmlformats.org/officeDocument/2006/relationships" xmlns:p="http://schemas.openxmlformats.org/presentationml/2006/main">
   <p:cSld>
@@ -8749,16 +13078,265 @@
           <a:p>
             <a:r>
               <a:rPr lang="en-US" dirty="0" smtClean="0"/>
-              <a:t>Unit Processes</a:t>
+              <a:t>Given the printing press (and the internet), how should a course be designed?</a:t>
             </a:r>
             <a:endParaRPr lang="en-US" dirty="0"/>
+          </a:p>
+        </p:txBody>
+      </p:sp>
+      <p:sp>
+        <p:nvSpPr>
+          <p:cNvPr id="4" name="Text Placeholder 3"/>
+          <p:cNvSpPr>
+            <a:spLocks noGrp="1"/>
+          </p:cNvSpPr>
+          <p:nvPr>
+            <p:ph type="body" idx="1"/>
+          </p:nvPr>
+        </p:nvSpPr>
+        <p:spPr/>
+        <p:txBody>
+          <a:bodyPr/>
+          <a:lstStyle/>
+          <a:p>
+            <a:r>
+              <a:rPr lang="en-US" dirty="0" smtClean="0"/>
+              <a:t>Course design</a:t>
+            </a:r>
+            <a:endParaRPr lang="en-US" dirty="0"/>
+          </a:p>
+        </p:txBody>
+      </p:sp>
+      <p:sp>
+        <p:nvSpPr>
+          <p:cNvPr id="5" name="Content Placeholder 4"/>
+          <p:cNvSpPr>
+            <a:spLocks noGrp="1"/>
+          </p:cNvSpPr>
+          <p:nvPr>
+            <p:ph sz="half" idx="2"/>
+          </p:nvPr>
+        </p:nvSpPr>
+        <p:spPr/>
+        <p:txBody>
+          <a:bodyPr/>
+          <a:lstStyle/>
+          <a:p>
+            <a:endParaRPr lang="en-US"/>
+          </a:p>
+        </p:txBody>
+      </p:sp>
+      <p:sp>
+        <p:nvSpPr>
+          <p:cNvPr id="6" name="Text Placeholder 5"/>
+          <p:cNvSpPr>
+            <a:spLocks noGrp="1"/>
+          </p:cNvSpPr>
+          <p:nvPr>
+            <p:ph type="body" sz="quarter" idx="3"/>
+          </p:nvPr>
+        </p:nvSpPr>
+        <p:spPr/>
+        <p:txBody>
+          <a:bodyPr/>
+          <a:lstStyle/>
+          <a:p>
+            <a:r>
+              <a:rPr lang="en-US" dirty="0" smtClean="0"/>
+              <a:t>Role of instructor</a:t>
+            </a:r>
+            <a:endParaRPr lang="en-US" dirty="0"/>
+          </a:p>
+        </p:txBody>
+      </p:sp>
+      <p:sp>
+        <p:nvSpPr>
+          <p:cNvPr id="7" name="Content Placeholder 6"/>
+          <p:cNvSpPr>
+            <a:spLocks noGrp="1"/>
+          </p:cNvSpPr>
+          <p:nvPr>
+            <p:ph sz="quarter" idx="4"/>
+          </p:nvPr>
+        </p:nvSpPr>
+        <p:spPr/>
+        <p:txBody>
+          <a:bodyPr/>
+          <a:lstStyle/>
+          <a:p>
+            <a:endParaRPr lang="en-US"/>
           </a:p>
         </p:txBody>
       </p:sp>
     </p:spTree>
     <p:extLst>
       <p:ext uri="{BB962C8B-B14F-4D97-AF65-F5344CB8AC3E}">
-        <p14:creationId xmlns:p14="http://schemas.microsoft.com/office/powerpoint/2010/main" val="3591655312"/>
+        <p14:creationId xmlns:p14="http://schemas.microsoft.com/office/powerpoint/2010/main" val="3756754959"/>
+      </p:ext>
+    </p:extLst>
+  </p:cSld>
+  <p:clrMapOvr>
+    <a:masterClrMapping/>
+  </p:clrMapOvr>
+  <p:transition>
+    <p:fade/>
+  </p:transition>
+</p:sld>
+</file>
+
+<file path=ppt/slides/slide8.xml><?xml version="1.0" encoding="utf-8"?>
+<p:sld xmlns:a="http://schemas.openxmlformats.org/drawingml/2006/main" xmlns:r="http://schemas.openxmlformats.org/officeDocument/2006/relationships" xmlns:p="http://schemas.openxmlformats.org/presentationml/2006/main">
+  <p:cSld>
+    <p:spTree>
+      <p:nvGrpSpPr>
+        <p:cNvPr id="1" name=""/>
+        <p:cNvGrpSpPr/>
+        <p:nvPr/>
+      </p:nvGrpSpPr>
+      <p:grpSpPr>
+        <a:xfrm>
+          <a:off x="0" y="0"/>
+          <a:ext cx="0" cy="0"/>
+          <a:chOff x="0" y="0"/>
+          <a:chExt cx="0" cy="0"/>
+        </a:xfrm>
+      </p:grpSpPr>
+      <p:sp>
+        <p:nvSpPr>
+          <p:cNvPr id="2" name="Title 1"/>
+          <p:cNvSpPr>
+            <a:spLocks noGrp="1"/>
+          </p:cNvSpPr>
+          <p:nvPr>
+            <p:ph type="title"/>
+          </p:nvPr>
+        </p:nvSpPr>
+        <p:spPr/>
+        <p:txBody>
+          <a:bodyPr/>
+          <a:lstStyle/>
+          <a:p>
+            <a:r>
+              <a:rPr lang="en-US" dirty="0" smtClean="0"/>
+              <a:t>A Capstone: A culminating design experience with a real project</a:t>
+            </a:r>
+            <a:endParaRPr lang="en-US" dirty="0"/>
+          </a:p>
+        </p:txBody>
+      </p:sp>
+      <p:sp>
+        <p:nvSpPr>
+          <p:cNvPr id="3" name="Content Placeholder 2"/>
+          <p:cNvSpPr>
+            <a:spLocks noGrp="1"/>
+          </p:cNvSpPr>
+          <p:nvPr>
+            <p:ph idx="1"/>
+          </p:nvPr>
+        </p:nvSpPr>
+        <p:spPr/>
+        <p:txBody>
+          <a:bodyPr/>
+          <a:lstStyle/>
+          <a:p>
+            <a:endParaRPr lang="en-US" dirty="0"/>
+          </a:p>
+        </p:txBody>
+      </p:sp>
+    </p:spTree>
+    <p:extLst>
+      <p:ext uri="{BB962C8B-B14F-4D97-AF65-F5344CB8AC3E}">
+        <p14:creationId xmlns:p14="http://schemas.microsoft.com/office/powerpoint/2010/main" val="4176565801"/>
+      </p:ext>
+    </p:extLst>
+  </p:cSld>
+  <p:clrMapOvr>
+    <a:masterClrMapping/>
+  </p:clrMapOvr>
+  <p:transition>
+    <p:fade/>
+  </p:transition>
+</p:sld>
+</file>
+
+<file path=ppt/slides/slide9.xml><?xml version="1.0" encoding="utf-8"?>
+<p:sld xmlns:a="http://schemas.openxmlformats.org/drawingml/2006/main" xmlns:r="http://schemas.openxmlformats.org/officeDocument/2006/relationships" xmlns:p="http://schemas.openxmlformats.org/presentationml/2006/main">
+  <p:cSld>
+    <p:spTree>
+      <p:nvGrpSpPr>
+        <p:cNvPr id="1" name=""/>
+        <p:cNvGrpSpPr/>
+        <p:nvPr/>
+      </p:nvGrpSpPr>
+      <p:grpSpPr>
+        <a:xfrm>
+          <a:off x="0" y="0"/>
+          <a:ext cx="0" cy="0"/>
+          <a:chOff x="0" y="0"/>
+          <a:chExt cx="0" cy="0"/>
+        </a:xfrm>
+      </p:grpSpPr>
+      <p:sp>
+        <p:nvSpPr>
+          <p:cNvPr id="2" name="Title 1"/>
+          <p:cNvSpPr>
+            <a:spLocks noGrp="1"/>
+          </p:cNvSpPr>
+          <p:nvPr>
+            <p:ph type="title"/>
+          </p:nvPr>
+        </p:nvSpPr>
+        <p:spPr/>
+        <p:txBody>
+          <a:bodyPr/>
+          <a:lstStyle/>
+          <a:p>
+            <a:r>
+              <a:rPr lang="en-US" dirty="0" smtClean="0"/>
+              <a:t>Water Treatment</a:t>
+            </a:r>
+            <a:endParaRPr lang="en-US" dirty="0"/>
+          </a:p>
+        </p:txBody>
+      </p:sp>
+      <p:sp>
+        <p:nvSpPr>
+          <p:cNvPr id="3" name="Content Placeholder 2"/>
+          <p:cNvSpPr>
+            <a:spLocks noGrp="1"/>
+          </p:cNvSpPr>
+          <p:nvPr>
+            <p:ph idx="1"/>
+          </p:nvPr>
+        </p:nvSpPr>
+        <p:spPr/>
+        <p:txBody>
+          <a:bodyPr/>
+          <a:lstStyle/>
+          <a:p>
+            <a:r>
+              <a:rPr lang="en-US" dirty="0" smtClean="0"/>
+              <a:t>With a focus on physical chemical processes</a:t>
+            </a:r>
+          </a:p>
+          <a:p>
+            <a:r>
+              <a:rPr lang="en-US" dirty="0" smtClean="0"/>
+              <a:t>For water that might be destined for municipal drinking water or injection into an aquifer, or return to a pristine lake</a:t>
+            </a:r>
+          </a:p>
+          <a:p>
+            <a:r>
+              <a:rPr lang="en-US" dirty="0" smtClean="0"/>
+              <a:t>Working with an engineering firm in the United States</a:t>
+            </a:r>
+          </a:p>
+        </p:txBody>
+      </p:sp>
+    </p:spTree>
+    <p:extLst>
+      <p:ext uri="{BB962C8B-B14F-4D97-AF65-F5344CB8AC3E}">
+        <p14:creationId xmlns:p14="http://schemas.microsoft.com/office/powerpoint/2010/main" val="1491593011"/>
       </p:ext>
     </p:extLst>
   </p:cSld>
